--- a/2019系统仿真-5-系统表达.pptx
+++ b/2019系统仿真-5-系统表达.pptx
@@ -1939,6 +1939,13 @@
     <dgm:pt modelId="{2C377878-9643-4BAB-AE21-AD3F0514478B}" type="pres">
       <dgm:prSet presAssocID="{6728FAF8-8C2D-47A6-80BF-F30F02D525F3}" presName="circ2" presStyleLbl="vennNode1" presStyleIdx="1" presStyleCnt="3"/>
       <dgm:spPr/>
+      <dgm:t>
+        <a:bodyPr/>
+        <a:lstStyle/>
+        <a:p>
+          <a:endParaRPr lang="zh-CN" altLang="en-US"/>
+        </a:p>
+      </dgm:t>
     </dgm:pt>
     <dgm:pt modelId="{107EF259-FAC5-458A-811F-DCA8D0D2AC4B}" type="pres">
       <dgm:prSet presAssocID="{6728FAF8-8C2D-47A6-80BF-F30F02D525F3}" presName="circ2Tx" presStyleLbl="revTx" presStyleIdx="0" presStyleCnt="0">
@@ -1949,10 +1956,24 @@
         </dgm:presLayoutVars>
       </dgm:prSet>
       <dgm:spPr/>
+      <dgm:t>
+        <a:bodyPr/>
+        <a:lstStyle/>
+        <a:p>
+          <a:endParaRPr lang="zh-CN" altLang="en-US"/>
+        </a:p>
+      </dgm:t>
     </dgm:pt>
     <dgm:pt modelId="{1C8D8F9F-7EE0-4081-8CD6-AC300CD8DEFB}" type="pres">
       <dgm:prSet presAssocID="{B1CD704C-4616-4381-8929-7230EF86B102}" presName="circ3" presStyleLbl="vennNode1" presStyleIdx="2" presStyleCnt="3"/>
       <dgm:spPr/>
+      <dgm:t>
+        <a:bodyPr/>
+        <a:lstStyle/>
+        <a:p>
+          <a:endParaRPr lang="zh-CN" altLang="en-US"/>
+        </a:p>
+      </dgm:t>
     </dgm:pt>
     <dgm:pt modelId="{32CBA36C-20C8-41C5-B5AE-56E18E7199C7}" type="pres">
       <dgm:prSet presAssocID="{B1CD704C-4616-4381-8929-7230EF86B102}" presName="circ3Tx" presStyleLbl="revTx" presStyleIdx="0" presStyleCnt="0">
@@ -1963,15 +1984,22 @@
         </dgm:presLayoutVars>
       </dgm:prSet>
       <dgm:spPr/>
+      <dgm:t>
+        <a:bodyPr/>
+        <a:lstStyle/>
+        <a:p>
+          <a:endParaRPr lang="zh-CN" altLang="en-US"/>
+        </a:p>
+      </dgm:t>
     </dgm:pt>
   </dgm:ptLst>
   <dgm:cxnLst>
     <dgm:cxn modelId="{235BD43A-CDD6-47B7-8407-6D1465E45C2B}" type="presOf" srcId="{27988394-CB56-4720-BED0-588F6A26A4B1}" destId="{7CA2208F-105B-4DE6-A0F8-A7AFC3D3C1D5}" srcOrd="1" destOrd="0" presId="urn:microsoft.com/office/officeart/2005/8/layout/venn1"/>
     <dgm:cxn modelId="{014DBD8B-E802-413E-A336-D18EE9D1EA8F}" type="presOf" srcId="{6728FAF8-8C2D-47A6-80BF-F30F02D525F3}" destId="{2C377878-9643-4BAB-AE21-AD3F0514478B}" srcOrd="0" destOrd="0" presId="urn:microsoft.com/office/officeart/2005/8/layout/venn1"/>
     <dgm:cxn modelId="{68B591FD-B793-4A2A-AB51-9C4203DBBE87}" srcId="{4271E5DC-C4BF-44A6-AF29-71FE07C9035B}" destId="{B1CD704C-4616-4381-8929-7230EF86B102}" srcOrd="2" destOrd="0" parTransId="{AB89EEA9-B3E2-4CC6-BC27-1207ECCF0A85}" sibTransId="{997F39C8-EF44-4CA7-8C03-04387905DBA5}"/>
+    <dgm:cxn modelId="{19E49085-7CDE-41EA-872A-609024F3BC66}" type="presOf" srcId="{6728FAF8-8C2D-47A6-80BF-F30F02D525F3}" destId="{107EF259-FAC5-458A-811F-DCA8D0D2AC4B}" srcOrd="1" destOrd="0" presId="urn:microsoft.com/office/officeart/2005/8/layout/venn1"/>
+    <dgm:cxn modelId="{E43E9907-7F23-4B47-A2CE-431764B03061}" type="presOf" srcId="{4271E5DC-C4BF-44A6-AF29-71FE07C9035B}" destId="{1919E268-1351-42C1-9EC3-35DC64BD4996}" srcOrd="0" destOrd="0" presId="urn:microsoft.com/office/officeart/2005/8/layout/venn1"/>
     <dgm:cxn modelId="{F6195931-FF56-45A1-847A-ACBFE1275D76}" type="presOf" srcId="{27988394-CB56-4720-BED0-588F6A26A4B1}" destId="{0432CD48-45A5-43E1-A811-1F172DE67DF5}" srcOrd="0" destOrd="0" presId="urn:microsoft.com/office/officeart/2005/8/layout/venn1"/>
-    <dgm:cxn modelId="{E43E9907-7F23-4B47-A2CE-431764B03061}" type="presOf" srcId="{4271E5DC-C4BF-44A6-AF29-71FE07C9035B}" destId="{1919E268-1351-42C1-9EC3-35DC64BD4996}" srcOrd="0" destOrd="0" presId="urn:microsoft.com/office/officeart/2005/8/layout/venn1"/>
-    <dgm:cxn modelId="{19E49085-7CDE-41EA-872A-609024F3BC66}" type="presOf" srcId="{6728FAF8-8C2D-47A6-80BF-F30F02D525F3}" destId="{107EF259-FAC5-458A-811F-DCA8D0D2AC4B}" srcOrd="1" destOrd="0" presId="urn:microsoft.com/office/officeart/2005/8/layout/venn1"/>
     <dgm:cxn modelId="{5442DE08-E72A-472B-9D89-5CF063EA684C}" type="presOf" srcId="{B1CD704C-4616-4381-8929-7230EF86B102}" destId="{1C8D8F9F-7EE0-4081-8CD6-AC300CD8DEFB}" srcOrd="0" destOrd="0" presId="urn:microsoft.com/office/officeart/2005/8/layout/venn1"/>
     <dgm:cxn modelId="{D7652D99-A4B7-452F-83E9-2FCBB04287F1}" srcId="{4271E5DC-C4BF-44A6-AF29-71FE07C9035B}" destId="{27988394-CB56-4720-BED0-588F6A26A4B1}" srcOrd="0" destOrd="0" parTransId="{2F67F59B-2950-469E-934C-8B1585B6B91B}" sibTransId="{8B72E5A2-8334-4A8E-BD3C-67D0CCD8DFE7}"/>
     <dgm:cxn modelId="{B3ABCEBF-1176-424F-9B45-1FAC90F38D2D}" srcId="{4271E5DC-C4BF-44A6-AF29-71FE07C9035B}" destId="{6728FAF8-8C2D-47A6-80BF-F30F02D525F3}" srcOrd="1" destOrd="0" parTransId="{2EDAC621-3CAF-4B4A-8FF5-E006DD863E95}" sibTransId="{60EF528B-744F-4F26-8409-EAEBC96CE413}"/>
@@ -2155,6 +2183,13 @@
     <dgm:pt modelId="{2C377878-9643-4BAB-AE21-AD3F0514478B}" type="pres">
       <dgm:prSet presAssocID="{6728FAF8-8C2D-47A6-80BF-F30F02D525F3}" presName="circ2" presStyleLbl="vennNode1" presStyleIdx="1" presStyleCnt="3"/>
       <dgm:spPr/>
+      <dgm:t>
+        <a:bodyPr/>
+        <a:lstStyle/>
+        <a:p>
+          <a:endParaRPr lang="zh-CN" altLang="en-US"/>
+        </a:p>
+      </dgm:t>
     </dgm:pt>
     <dgm:pt modelId="{107EF259-FAC5-458A-811F-DCA8D0D2AC4B}" type="pres">
       <dgm:prSet presAssocID="{6728FAF8-8C2D-47A6-80BF-F30F02D525F3}" presName="circ2Tx" presStyleLbl="revTx" presStyleIdx="0" presStyleCnt="0">
@@ -2165,10 +2200,24 @@
         </dgm:presLayoutVars>
       </dgm:prSet>
       <dgm:spPr/>
+      <dgm:t>
+        <a:bodyPr/>
+        <a:lstStyle/>
+        <a:p>
+          <a:endParaRPr lang="zh-CN" altLang="en-US"/>
+        </a:p>
+      </dgm:t>
     </dgm:pt>
     <dgm:pt modelId="{1C8D8F9F-7EE0-4081-8CD6-AC300CD8DEFB}" type="pres">
       <dgm:prSet presAssocID="{B1CD704C-4616-4381-8929-7230EF86B102}" presName="circ3" presStyleLbl="vennNode1" presStyleIdx="2" presStyleCnt="3"/>
       <dgm:spPr/>
+      <dgm:t>
+        <a:bodyPr/>
+        <a:lstStyle/>
+        <a:p>
+          <a:endParaRPr lang="zh-CN" altLang="en-US"/>
+        </a:p>
+      </dgm:t>
     </dgm:pt>
     <dgm:pt modelId="{32CBA36C-20C8-41C5-B5AE-56E18E7199C7}" type="pres">
       <dgm:prSet presAssocID="{B1CD704C-4616-4381-8929-7230EF86B102}" presName="circ3Tx" presStyleLbl="revTx" presStyleIdx="0" presStyleCnt="0">
@@ -2179,6 +2228,13 @@
         </dgm:presLayoutVars>
       </dgm:prSet>
       <dgm:spPr/>
+      <dgm:t>
+        <a:bodyPr/>
+        <a:lstStyle/>
+        <a:p>
+          <a:endParaRPr lang="zh-CN" altLang="en-US"/>
+        </a:p>
+      </dgm:t>
     </dgm:pt>
   </dgm:ptLst>
   <dgm:cxnLst>
@@ -15055,11 +15111,7 @@
             </a:r>
             <a:r>
               <a:rPr lang="zh-CN" altLang="en-US" sz="2000" dirty="0" smtClean="0"/>
-              <a:t>状态变量</a:t>
-            </a:r>
-            <a:r>
-              <a:rPr lang="zh-CN" altLang="en-US" sz="2000" dirty="0" smtClean="0"/>
-              <a:t>方程</a:t>
+              <a:t>状态变量方程</a:t>
             </a:r>
             <a:endParaRPr lang="en-US" altLang="zh-CN" sz="2000" dirty="0" smtClean="0"/>
           </a:p>
@@ -15430,11 +15482,7 @@
             </a:pPr>
             <a:r>
               <a:rPr lang="en-US" altLang="zh-CN" dirty="0" smtClean="0"/>
-              <a:t>L </a:t>
-            </a:r>
-            <a:r>
-              <a:rPr lang="en-US" altLang="zh-CN" dirty="0" smtClean="0"/>
-              <a:t>INV.K=</a:t>
+              <a:t>L INV.K=</a:t>
             </a:r>
             <a:r>
               <a:rPr lang="en-US" altLang="zh-CN" dirty="0" err="1" smtClean="0"/>
@@ -15442,11 +15490,7 @@
             </a:r>
             <a:r>
               <a:rPr lang="en-US" altLang="zh-CN" dirty="0" smtClean="0"/>
-              <a:t>+(INFLOW.JK-OUTFLOW.JK</a:t>
-            </a:r>
-            <a:r>
-              <a:rPr lang="en-US" altLang="zh-CN" dirty="0" smtClean="0"/>
-              <a:t>)*DT</a:t>
+              <a:t>+(INFLOW.JK-OUTFLOW.JK)*DT</a:t>
             </a:r>
           </a:p>
           <a:p>
@@ -15457,13 +15501,8 @@
             </a:pPr>
             <a:r>
               <a:rPr lang="en-US" altLang="zh-CN" dirty="0" smtClean="0"/>
-              <a:t>N </a:t>
-            </a:r>
-            <a:r>
-              <a:rPr lang="en-US" altLang="zh-CN" dirty="0" smtClean="0"/>
-              <a:t>INV=60</a:t>
-            </a:r>
-            <a:endParaRPr lang="en-US" altLang="zh-CN" dirty="0" smtClean="0"/>
+              <a:t>N INV=60</a:t>
+            </a:r>
           </a:p>
           <a:p>
             <a:pPr>
@@ -15473,17 +15512,8 @@
             </a:pPr>
             <a:r>
               <a:rPr lang="en-US" altLang="zh-CN" dirty="0" smtClean="0"/>
-              <a:t>R </a:t>
-            </a:r>
-            <a:r>
-              <a:rPr lang="en-US" altLang="zh-CN" dirty="0" smtClean="0"/>
-              <a:t>INFLOW.KL</a:t>
-            </a:r>
-            <a:r>
-              <a:rPr lang="en-US" altLang="zh-CN" dirty="0" smtClean="0"/>
-              <a:t>=1.2</a:t>
-            </a:r>
-            <a:endParaRPr lang="en-US" altLang="zh-CN" dirty="0" smtClean="0"/>
+              <a:t>R INFLOW.KL=1.2</a:t>
+            </a:r>
           </a:p>
           <a:p>
             <a:pPr>
@@ -15493,11 +15523,7 @@
             </a:pPr>
             <a:r>
               <a:rPr lang="en-US" altLang="zh-CN" dirty="0" smtClean="0"/>
-              <a:t>R </a:t>
-            </a:r>
-            <a:r>
-              <a:rPr lang="en-US" altLang="zh-CN" dirty="0" smtClean="0"/>
-              <a:t>OUTFLOW.KL=1.1</a:t>
+              <a:t>R OUTFLOW.KL=1.1</a:t>
             </a:r>
             <a:endParaRPr lang="zh-CN" altLang="en-US" dirty="0"/>
           </a:p>
@@ -15852,25 +15878,13 @@
           <a:p>
             <a:r>
               <a:rPr lang="en-US" altLang="zh-CN" dirty="0" smtClean="0"/>
-              <a:t>L  </a:t>
-            </a:r>
+              <a:t>L  INV.K=INV.J+(INFLOW.JK-OUTFLOW.JK)*DT</a:t>
+            </a:r>
+          </a:p>
+          <a:p>
             <a:r>
               <a:rPr lang="en-US" altLang="zh-CN" dirty="0" smtClean="0"/>
-              <a:t>INV.K=INV.J</a:t>
-            </a:r>
-            <a:r>
-              <a:rPr lang="en-US" altLang="zh-CN" dirty="0" smtClean="0"/>
-              <a:t>+(INFLOW.JK-OUTFLOW.JK)*DT</a:t>
-            </a:r>
-          </a:p>
-          <a:p>
-            <a:r>
-              <a:rPr lang="en-US" altLang="zh-CN" dirty="0" smtClean="0"/>
-              <a:t>N  </a:t>
-            </a:r>
-            <a:r>
-              <a:rPr lang="en-US" altLang="zh-CN" dirty="0" smtClean="0"/>
-              <a:t>INV=100</a:t>
+              <a:t>N  INV=100</a:t>
             </a:r>
             <a:endParaRPr lang="zh-CN" altLang="en-US" dirty="0"/>
           </a:p>
@@ -16900,11 +16914,7 @@
             </a:r>
             <a:r>
               <a:rPr lang="en-US" altLang="zh-CN" dirty="0" smtClean="0"/>
-              <a:t>+(INFLOW.JK-OUTFLOW.JK</a:t>
-            </a:r>
-            <a:r>
-              <a:rPr lang="en-US" altLang="zh-CN" dirty="0" smtClean="0"/>
-              <a:t>)*DT</a:t>
+              <a:t>+(INFLOW.JK-OUTFLOW.JK)*DT</a:t>
             </a:r>
           </a:p>
           <a:p>
@@ -16915,13 +16925,8 @@
             </a:pPr>
             <a:r>
               <a:rPr lang="en-US" altLang="zh-CN" dirty="0" smtClean="0"/>
-              <a:t>N </a:t>
-            </a:r>
-            <a:r>
-              <a:rPr lang="en-US" altLang="zh-CN" dirty="0" smtClean="0"/>
-              <a:t>INV=60</a:t>
-            </a:r>
-            <a:endParaRPr lang="en-US" altLang="zh-CN" dirty="0" smtClean="0"/>
+              <a:t>N INV=60</a:t>
+            </a:r>
           </a:p>
           <a:p>
             <a:pPr>
@@ -16931,17 +16936,8 @@
             </a:pPr>
             <a:r>
               <a:rPr lang="en-US" altLang="zh-CN" dirty="0" smtClean="0"/>
-              <a:t>R </a:t>
-            </a:r>
-            <a:r>
-              <a:rPr lang="en-US" altLang="zh-CN" dirty="0" smtClean="0"/>
-              <a:t>INFLOW.KL</a:t>
-            </a:r>
-            <a:r>
-              <a:rPr lang="en-US" altLang="zh-CN" dirty="0" smtClean="0"/>
-              <a:t>=1.2</a:t>
-            </a:r>
-            <a:endParaRPr lang="en-US" altLang="zh-CN" dirty="0" smtClean="0"/>
+              <a:t>R INFLOW.KL=1.2</a:t>
+            </a:r>
           </a:p>
           <a:p>
             <a:pPr>
@@ -16951,11 +16947,7 @@
             </a:pPr>
             <a:r>
               <a:rPr lang="en-US" altLang="zh-CN" dirty="0" smtClean="0"/>
-              <a:t>R </a:t>
-            </a:r>
-            <a:r>
-              <a:rPr lang="en-US" altLang="zh-CN" dirty="0" smtClean="0"/>
-              <a:t>OUTFLOW.KL=1.1</a:t>
+              <a:t>R OUTFLOW.KL=1.1</a:t>
             </a:r>
             <a:endParaRPr lang="zh-CN" altLang="en-US" dirty="0"/>
           </a:p>
@@ -17106,11 +17098,7 @@
           <a:p>
             <a:r>
               <a:rPr lang="zh-CN" altLang="en-US" dirty="0" smtClean="0"/>
-              <a:t>例：</a:t>
-            </a:r>
-            <a:r>
-              <a:rPr lang="zh-CN" altLang="en-US" dirty="0" smtClean="0"/>
-              <a:t>水温变化</a:t>
+              <a:t>例：水温变化</a:t>
             </a:r>
             <a:endParaRPr lang="zh-CN" altLang="en-US" dirty="0"/>
           </a:p>
@@ -17777,8 +17765,9 @@
             </a:pPr>
             <a:r>
               <a:rPr lang="en-US" altLang="zh-CN" sz="2000" dirty="0" smtClean="0"/>
-              <a:t>CHNG=DIST-CNST</a:t>
-            </a:r>
+              <a:t>CHNG=DIST*CNST</a:t>
+            </a:r>
+            <a:endParaRPr lang="en-US" altLang="zh-CN" sz="2000" dirty="0" smtClean="0"/>
           </a:p>
           <a:p>
             <a:pPr marL="0" indent="0">
@@ -18325,15 +18314,7 @@
                   <a:srgbClr val="7030A0"/>
                 </a:solidFill>
               </a:rPr>
-              <a:t>经验选取的原则：最</a:t>
-            </a:r>
-            <a:r>
-              <a:rPr lang="zh-CN" altLang="en-US" sz="2000" dirty="0" smtClean="0">
-                <a:solidFill>
-                  <a:srgbClr val="7030A0"/>
-                </a:solidFill>
-              </a:rPr>
-              <a:t>短板</a:t>
+              <a:t>经验选取的原则：最短板</a:t>
             </a:r>
             <a:r>
               <a:rPr lang="zh-CN" altLang="en-US" sz="2000" dirty="0">
@@ -19196,9 +19177,88 @@
   <p:timing>
     <p:tnLst>
       <p:par>
-        <p:cTn id="1" dur="indefinite" restart="never" nodeType="tmRoot"/>
+        <p:cTn id="1" dur="indefinite" restart="never" nodeType="tmRoot">
+          <p:childTnLst>
+            <p:seq concurrent="1" nextAc="seek">
+              <p:cTn id="2" dur="indefinite" nodeType="mainSeq">
+                <p:childTnLst>
+                  <p:par>
+                    <p:cTn id="3" fill="hold">
+                      <p:stCondLst>
+                        <p:cond delay="indefinite"/>
+                      </p:stCondLst>
+                      <p:childTnLst>
+                        <p:par>
+                          <p:cTn id="4" fill="hold">
+                            <p:stCondLst>
+                              <p:cond delay="0"/>
+                            </p:stCondLst>
+                            <p:childTnLst>
+                              <p:par>
+                                <p:cTn id="5" presetID="10" presetClass="entr" presetSubtype="0" fill="hold" grpId="0" nodeType="clickEffect">
+                                  <p:stCondLst>
+                                    <p:cond delay="0"/>
+                                  </p:stCondLst>
+                                  <p:childTnLst>
+                                    <p:set>
+                                      <p:cBhvr>
+                                        <p:cTn id="6" dur="1" fill="hold">
+                                          <p:stCondLst>
+                                            <p:cond delay="0"/>
+                                          </p:stCondLst>
+                                        </p:cTn>
+                                        <p:tgtEl>
+                                          <p:spTgt spid="6"/>
+                                        </p:tgtEl>
+                                        <p:attrNameLst>
+                                          <p:attrName>style.visibility</p:attrName>
+                                        </p:attrNameLst>
+                                      </p:cBhvr>
+                                      <p:to>
+                                        <p:strVal val="visible"/>
+                                      </p:to>
+                                    </p:set>
+                                    <p:animEffect transition="in" filter="fade">
+                                      <p:cBhvr>
+                                        <p:cTn id="7" dur="500"/>
+                                        <p:tgtEl>
+                                          <p:spTgt spid="6"/>
+                                        </p:tgtEl>
+                                      </p:cBhvr>
+                                    </p:animEffect>
+                                  </p:childTnLst>
+                                </p:cTn>
+                              </p:par>
+                            </p:childTnLst>
+                          </p:cTn>
+                        </p:par>
+                      </p:childTnLst>
+                    </p:cTn>
+                  </p:par>
+                </p:childTnLst>
+              </p:cTn>
+              <p:prevCondLst>
+                <p:cond evt="onPrev" delay="0">
+                  <p:tgtEl>
+                    <p:sldTgt/>
+                  </p:tgtEl>
+                </p:cond>
+              </p:prevCondLst>
+              <p:nextCondLst>
+                <p:cond evt="onNext" delay="0">
+                  <p:tgtEl>
+                    <p:sldTgt/>
+                  </p:tgtEl>
+                </p:cond>
+              </p:nextCondLst>
+            </p:seq>
+          </p:childTnLst>
+        </p:cTn>
       </p:par>
     </p:tnLst>
+    <p:bldLst>
+      <p:bldP spid="6" grpId="0"/>
+    </p:bldLst>
   </p:timing>
 </p:sld>
 </file>
@@ -19265,11 +19325,7 @@
           <a:p>
             <a:r>
               <a:rPr lang="zh-CN" altLang="en-US" dirty="0" smtClean="0"/>
-              <a:t>系统动力学</a:t>
-            </a:r>
-            <a:r>
-              <a:rPr lang="zh-CN" altLang="en-US" dirty="0" smtClean="0"/>
-              <a:t>方程特点：</a:t>
+              <a:t>系统动力学方程特点：</a:t>
             </a:r>
             <a:endParaRPr lang="en-US" altLang="zh-CN" dirty="0" smtClean="0"/>
           </a:p>
@@ -19336,6 +19392,92 @@
           <a:p>
             <a:pPr lvl="1"/>
             <a:endParaRPr lang="zh-CN" altLang="en-US" dirty="0"/>
+          </a:p>
+        </p:txBody>
+      </p:sp>
+      <p:sp>
+        <p:nvSpPr>
+          <p:cNvPr id="4" name="文本框 3"/>
+          <p:cNvSpPr txBox="1"/>
+          <p:nvPr/>
+        </p:nvSpPr>
+        <p:spPr>
+          <a:xfrm>
+            <a:off x="1773932" y="5589240"/>
+            <a:ext cx="6667210" cy="369332"/>
+          </a:xfrm>
+          <a:prstGeom prst="rect">
+            <a:avLst/>
+          </a:prstGeom>
+          <a:noFill/>
+        </p:spPr>
+        <p:txBody>
+          <a:bodyPr wrap="none" rtlCol="0">
+            <a:spAutoFit/>
+          </a:bodyPr>
+          <a:lstStyle/>
+          <a:p>
+            <a:r>
+              <a:rPr lang="zh-CN" altLang="en-US" dirty="0" smtClean="0">
+                <a:solidFill>
+                  <a:srgbClr val="0070C0"/>
+                </a:solidFill>
+              </a:rPr>
+              <a:t>参考书目：王其藩</a:t>
+            </a:r>
+            <a:r>
+              <a:rPr lang="en-US" altLang="zh-CN" dirty="0" smtClean="0">
+                <a:solidFill>
+                  <a:srgbClr val="0070C0"/>
+                </a:solidFill>
+              </a:rPr>
+              <a:t>.</a:t>
+            </a:r>
+            <a:r>
+              <a:rPr lang="zh-CN" altLang="en-US" dirty="0" smtClean="0">
+                <a:solidFill>
+                  <a:srgbClr val="0070C0"/>
+                </a:solidFill>
+              </a:rPr>
+              <a:t>系统动力学</a:t>
+            </a:r>
+            <a:r>
+              <a:rPr lang="en-US" altLang="zh-CN" dirty="0" smtClean="0">
+                <a:solidFill>
+                  <a:srgbClr val="0070C0"/>
+                </a:solidFill>
+              </a:rPr>
+              <a:t>[M].</a:t>
+            </a:r>
+            <a:r>
+              <a:rPr lang="zh-CN" altLang="en-US" dirty="0" smtClean="0">
+                <a:solidFill>
+                  <a:srgbClr val="0070C0"/>
+                </a:solidFill>
+              </a:rPr>
+              <a:t>上海财经大学出版社，</a:t>
+            </a:r>
+            <a:r>
+              <a:rPr lang="en-US" altLang="zh-CN" dirty="0" smtClean="0">
+                <a:solidFill>
+                  <a:srgbClr val="0070C0"/>
+                </a:solidFill>
+              </a:rPr>
+              <a:t>2009</a:t>
+            </a:r>
+            <a:r>
+              <a:rPr lang="zh-CN" altLang="en-US" dirty="0" smtClean="0">
+                <a:solidFill>
+                  <a:srgbClr val="0070C0"/>
+                </a:solidFill>
+              </a:rPr>
+              <a:t>版</a:t>
+            </a:r>
+            <a:endParaRPr lang="zh-CN" altLang="en-US" dirty="0">
+              <a:solidFill>
+                <a:srgbClr val="0070C0"/>
+              </a:solidFill>
+            </a:endParaRPr>
           </a:p>
         </p:txBody>
       </p:sp>
@@ -21243,7 +21385,7 @@
           <a:graphicData uri="http://schemas.openxmlformats.org/presentationml/2006/ole">
             <mc:AlternateContent xmlns:mc="http://schemas.openxmlformats.org/markup-compatibility/2006">
               <mc:Choice xmlns:v="urn:schemas-microsoft-com:vml" Requires="v">
-                <p:oleObj spid="_x0000_s3083" name="Equation" r:id="rId5" imgW="2120760" imgH="393480" progId="Equation.DSMT4">
+                <p:oleObj spid="_x0000_s3086" name="Equation" r:id="rId5" imgW="2120760" imgH="393480" progId="Equation.DSMT4">
                   <p:embed/>
                 </p:oleObj>
               </mc:Choice>
@@ -21506,11 +21648,7 @@
             </a:pPr>
             <a:r>
               <a:rPr lang="zh-CN" altLang="en-US" dirty="0" smtClean="0"/>
-              <a:t>生物， 种群数量 </a:t>
-            </a:r>
-            <a:r>
-              <a:rPr lang="zh-CN" altLang="en-US" dirty="0" smtClean="0"/>
-              <a:t>死亡数量（率）</a:t>
+              <a:t>生物， 种群数量 死亡数量（率）</a:t>
             </a:r>
             <a:endParaRPr lang="en-US" altLang="zh-CN" dirty="0" smtClean="0"/>
           </a:p>
@@ -21740,7 +21878,15 @@
             </a:r>
             <a:r>
               <a:rPr lang="zh-CN" altLang="en-US" dirty="0" smtClean="0"/>
-              <a:t>、系统图示法</a:t>
+              <a:t>、</a:t>
+            </a:r>
+            <a:r>
+              <a:rPr lang="zh-CN" altLang="en-US" dirty="0" smtClean="0"/>
+              <a:t>系统流图</a:t>
+            </a:r>
+            <a:r>
+              <a:rPr lang="zh-CN" altLang="en-US" dirty="0" smtClean="0"/>
+              <a:t>法</a:t>
             </a:r>
             <a:endParaRPr lang="zh-CN" altLang="en-US" dirty="0"/>
           </a:p>
@@ -21766,11 +21912,11 @@
             </a:pPr>
             <a:r>
               <a:rPr lang="zh-CN" altLang="en-US" dirty="0" smtClean="0"/>
-              <a:t>系统模型的图形</a:t>
+              <a:t>系统流图</a:t>
             </a:r>
             <a:r>
               <a:rPr lang="zh-CN" altLang="en-US" dirty="0" smtClean="0"/>
-              <a:t>表示法</a:t>
+              <a:t>法的要素</a:t>
             </a:r>
             <a:endParaRPr lang="en-US" altLang="zh-CN" dirty="0" smtClean="0"/>
           </a:p>
@@ -21841,12 +21987,8 @@
           </a:p>
           <a:p>
             <a:r>
-              <a:rPr lang="zh-CN" altLang="en-US" dirty="0"/>
-              <a:t>物质</a:t>
-            </a:r>
-            <a:r>
               <a:rPr lang="zh-CN" altLang="en-US" dirty="0" smtClean="0"/>
-              <a:t>链</a:t>
+              <a:t>信息链</a:t>
             </a:r>
             <a:r>
               <a:rPr lang="en-US" altLang="zh-CN" dirty="0" smtClean="0"/>
@@ -21854,11 +21996,7 @@
             </a:r>
             <a:r>
               <a:rPr lang="zh-CN" altLang="en-US" dirty="0" smtClean="0"/>
-              <a:t>信息</a:t>
-            </a:r>
-            <a:r>
-              <a:rPr lang="zh-CN" altLang="en-US" dirty="0" smtClean="0"/>
-              <a:t>链</a:t>
+              <a:t>反馈链</a:t>
             </a:r>
             <a:endParaRPr lang="en-US" altLang="zh-CN" dirty="0"/>
           </a:p>
@@ -21997,11 +22135,7 @@
             </a:r>
             <a:r>
               <a:rPr lang="zh-CN" altLang="en-US" dirty="0" smtClean="0"/>
-              <a:t>、</a:t>
-            </a:r>
-            <a:r>
-              <a:rPr lang="zh-CN" altLang="en-US" dirty="0" smtClean="0"/>
-              <a:t>系统表达式</a:t>
+              <a:t>、系统表达式</a:t>
             </a:r>
             <a:endParaRPr lang="zh-CN" altLang="en-US" dirty="0"/>
           </a:p>
@@ -22863,13 +22997,13 @@
 
 <file path=customXml/item2.xml><?xml version="1.0" encoding="utf-8"?>
 <Control xmlns="http://schemas.microsoft.com/VisualStudio/2011/storyboarding/control">
-  <Id Name="5e505f8e-b0aa-429a-bb4c-92ab0e8a8ee6" RevisionId="d2083f08-ba4f-4330-87aa-e4d23a4443d7" Stencil="172d6d98-e5c9-42e9-a209-79f7a94bbd38" StencilRevisionId="00000000-0000-0000-0000-000000000000" StencilVersion="0.0"/>
+  <Id Name="System.Storyboarding.WindowsApps.WindowsAppsListBox" Revision="1" Stencil="System.Storyboarding.WindowsApps" StencilVersion="0.1"/>
 </Control>
 </file>
 
 <file path=customXml/item3.xml><?xml version="1.0" encoding="utf-8"?>
 <Control xmlns="http://schemas.microsoft.com/VisualStudio/2011/storyboarding/control">
-  <Id Name="System.Storyboarding.Common.DragSelection" Revision="1" Stencil="System.Storyboarding.Common" StencilVersion="0.1"/>
+  <Id Name="System.Storyboarding.Annotation.StickyNote" Revision="1" Stencil="System.Storyboarding.Annotation" StencilVersion="0.1"/>
 </Control>
 </file>
 
@@ -22881,17 +23015,11 @@
 
 <file path=customXml/item5.xml><?xml version="1.0" encoding="utf-8"?>
 <Control xmlns="http://schemas.microsoft.com/VisualStudio/2011/storyboarding/control">
-  <Id Name="System.Storyboarding.Annotation.StickyNote" Revision="1" Stencil="System.Storyboarding.Annotation" StencilVersion="0.1"/>
+  <Id Name="System.Storyboarding.Common.DragSelection" Revision="1" Stencil="System.Storyboarding.Common" StencilVersion="0.1"/>
 </Control>
 </file>
 
 <file path=customXml/item6.xml><?xml version="1.0" encoding="utf-8"?>
-<Control xmlns="http://schemas.microsoft.com/VisualStudio/2011/storyboarding/control">
-  <Id Name="System.Storyboarding.WindowsApps.WindowsAppsListBox" Revision="1" Stencil="System.Storyboarding.WindowsApps" StencilVersion="0.1"/>
-</Control>
-</file>
-
-<file path=customXml/item7.xml><?xml version="1.0" encoding="utf-8"?>
 <p:properties xmlns:p="http://schemas.microsoft.com/office/2006/metadata/properties" xmlns:xsi="http://www.w3.org/2001/XMLSchema-instance" xmlns:pc="http://schemas.microsoft.com/office/infopath/2007/PartnerControls">
   <documentManagement>
     <_dlc_DocId xmlns="b4ebf394-daf6-497a-96c5-a2f8c10b38cf">TT6HZDVJM2HV-178-321</_dlc_DocId>
@@ -22903,6 +23031,12 @@
 </p:properties>
 </file>
 
+<file path=customXml/item7.xml><?xml version="1.0" encoding="utf-8"?>
+<Control xmlns="http://schemas.microsoft.com/VisualStudio/2011/storyboarding/control">
+  <Id Name="5e505f8e-b0aa-429a-bb4c-92ab0e8a8ee6" RevisionId="d2083f08-ba4f-4330-87aa-e4d23a4443d7" Stencil="172d6d98-e5c9-42e9-a209-79f7a94bbd38" StencilRevisionId="00000000-0000-0000-0000-000000000000" StencilVersion="0.0"/>
+</Control>
+</file>
+
 <file path=customXml/itemProps1.xml><?xml version="1.0" encoding="utf-8"?>
 <ds:datastoreItem xmlns:ds="http://schemas.openxmlformats.org/officeDocument/2006/customXml" ds:itemID="{EE994FE8-9D1B-4C75-9803-F4D3D8088B5B}">
   <ds:schemaRefs>
@@ -22912,7 +23046,7 @@
 </file>
 
 <file path=customXml/itemProps2.xml><?xml version="1.0" encoding="utf-8"?>
-<ds:datastoreItem xmlns:ds="http://schemas.openxmlformats.org/officeDocument/2006/customXml" ds:itemID="{22271091-DDCE-44B5-B608-BB96BCA0C299}">
+<ds:datastoreItem xmlns:ds="http://schemas.openxmlformats.org/officeDocument/2006/customXml" ds:itemID="{925928FA-66B2-4992-9AF7-6AAB34665E06}">
   <ds:schemaRefs>
     <ds:schemaRef ds:uri="http://schemas.microsoft.com/VisualStudio/2011/storyboarding/control"/>
   </ds:schemaRefs>
@@ -22920,7 +23054,7 @@
 </file>
 
 <file path=customXml/itemProps3.xml><?xml version="1.0" encoding="utf-8"?>
-<ds:datastoreItem xmlns:ds="http://schemas.openxmlformats.org/officeDocument/2006/customXml" ds:itemID="{74F50758-6994-47AF-ADB4-84074E43B95D}">
+<ds:datastoreItem xmlns:ds="http://schemas.openxmlformats.org/officeDocument/2006/customXml" ds:itemID="{35CD12A2-2187-402A-B9D9-EF68624DB0B9}">
   <ds:schemaRefs>
     <ds:schemaRef ds:uri="http://schemas.microsoft.com/VisualStudio/2011/storyboarding/control"/>
   </ds:schemaRefs>
@@ -22936,7 +23070,7 @@
 </file>
 
 <file path=customXml/itemProps5.xml><?xml version="1.0" encoding="utf-8"?>
-<ds:datastoreItem xmlns:ds="http://schemas.openxmlformats.org/officeDocument/2006/customXml" ds:itemID="{35CD12A2-2187-402A-B9D9-EF68624DB0B9}">
+<ds:datastoreItem xmlns:ds="http://schemas.openxmlformats.org/officeDocument/2006/customXml" ds:itemID="{74F50758-6994-47AF-ADB4-84074E43B95D}">
   <ds:schemaRefs>
     <ds:schemaRef ds:uri="http://schemas.microsoft.com/VisualStudio/2011/storyboarding/control"/>
   </ds:schemaRefs>
@@ -22944,14 +23078,6 @@
 </file>
 
 <file path=customXml/itemProps6.xml><?xml version="1.0" encoding="utf-8"?>
-<ds:datastoreItem xmlns:ds="http://schemas.openxmlformats.org/officeDocument/2006/customXml" ds:itemID="{925928FA-66B2-4992-9AF7-6AAB34665E06}">
-  <ds:schemaRefs>
-    <ds:schemaRef ds:uri="http://schemas.microsoft.com/VisualStudio/2011/storyboarding/control"/>
-  </ds:schemaRefs>
-</ds:datastoreItem>
-</file>
-
-<file path=customXml/itemProps7.xml><?xml version="1.0" encoding="utf-8"?>
 <ds:datastoreItem xmlns:ds="http://schemas.openxmlformats.org/officeDocument/2006/customXml" ds:itemID="{1322E1B6-B69B-4B1E-9F64-FFB1E4A65691}">
   <ds:schemaRefs>
     <ds:schemaRef ds:uri="http://schemas.microsoft.com/office/2006/metadata/properties"/>
@@ -22959,4 +23085,12 @@
     <ds:schemaRef ds:uri="b4ebf394-daf6-497a-96c5-a2f8c10b38cf"/>
   </ds:schemaRefs>
 </ds:datastoreItem>
+</file>
+
+<file path=customXml/itemProps7.xml><?xml version="1.0" encoding="utf-8"?>
+<ds:datastoreItem xmlns:ds="http://schemas.openxmlformats.org/officeDocument/2006/customXml" ds:itemID="{22271091-DDCE-44B5-B608-BB96BCA0C299}">
+  <ds:schemaRefs>
+    <ds:schemaRef ds:uri="http://schemas.microsoft.com/VisualStudio/2011/storyboarding/control"/>
+  </ds:schemaRefs>
+</ds:datastoreItem>
 </file>
--- a/2019系统仿真-5-系统表达.pptx
+++ b/2019系统仿真-5-系统表达.pptx
@@ -1795,10 +1795,9 @@
         <a:lstStyle/>
         <a:p>
           <a:r>
-            <a:rPr lang="zh-CN" altLang="en-US" sz="2000" dirty="0" smtClean="0"/>
+            <a:rPr lang="zh-CN" altLang="en-US" sz="2000" dirty="0"/>
             <a:t>流量存量图</a:t>
           </a:r>
-          <a:endParaRPr lang="zh-CN" altLang="en-US" sz="2000" dirty="0"/>
         </a:p>
       </dgm:t>
     </dgm:pt>
@@ -1832,10 +1831,9 @@
         <a:lstStyle/>
         <a:p>
           <a:r>
-            <a:rPr lang="zh-CN" altLang="en-US" sz="2000" dirty="0" smtClean="0"/>
+            <a:rPr lang="zh-CN" altLang="en-US" sz="2000" dirty="0"/>
             <a:t>参数设置</a:t>
           </a:r>
-          <a:endParaRPr lang="zh-CN" altLang="en-US" sz="2000" dirty="0"/>
         </a:p>
       </dgm:t>
     </dgm:pt>
@@ -1869,10 +1867,9 @@
         <a:lstStyle/>
         <a:p>
           <a:r>
-            <a:rPr lang="zh-CN" altLang="en-US" sz="2000" dirty="0" smtClean="0"/>
+            <a:rPr lang="zh-CN" altLang="en-US" sz="2000" dirty="0"/>
             <a:t>系统表达式</a:t>
           </a:r>
-          <a:endParaRPr lang="zh-CN" altLang="en-US" sz="2000" dirty="0"/>
         </a:p>
       </dgm:t>
     </dgm:pt>
@@ -1911,13 +1908,6 @@
     <dgm:pt modelId="{0432CD48-45A5-43E1-A811-1F172DE67DF5}" type="pres">
       <dgm:prSet presAssocID="{27988394-CB56-4720-BED0-588F6A26A4B1}" presName="circ1" presStyleLbl="vennNode1" presStyleIdx="0" presStyleCnt="3"/>
       <dgm:spPr/>
-      <dgm:t>
-        <a:bodyPr/>
-        <a:lstStyle/>
-        <a:p>
-          <a:endParaRPr lang="zh-CN" altLang="en-US"/>
-        </a:p>
-      </dgm:t>
     </dgm:pt>
     <dgm:pt modelId="{7CA2208F-105B-4DE6-A0F8-A7AFC3D3C1D5}" type="pres">
       <dgm:prSet presAssocID="{27988394-CB56-4720-BED0-588F6A26A4B1}" presName="circ1Tx" presStyleLbl="revTx" presStyleIdx="0" presStyleCnt="0">
@@ -1928,24 +1918,10 @@
         </dgm:presLayoutVars>
       </dgm:prSet>
       <dgm:spPr/>
-      <dgm:t>
-        <a:bodyPr/>
-        <a:lstStyle/>
-        <a:p>
-          <a:endParaRPr lang="zh-CN" altLang="en-US"/>
-        </a:p>
-      </dgm:t>
     </dgm:pt>
     <dgm:pt modelId="{2C377878-9643-4BAB-AE21-AD3F0514478B}" type="pres">
       <dgm:prSet presAssocID="{6728FAF8-8C2D-47A6-80BF-F30F02D525F3}" presName="circ2" presStyleLbl="vennNode1" presStyleIdx="1" presStyleCnt="3"/>
       <dgm:spPr/>
-      <dgm:t>
-        <a:bodyPr/>
-        <a:lstStyle/>
-        <a:p>
-          <a:endParaRPr lang="zh-CN" altLang="en-US"/>
-        </a:p>
-      </dgm:t>
     </dgm:pt>
     <dgm:pt modelId="{107EF259-FAC5-458A-811F-DCA8D0D2AC4B}" type="pres">
       <dgm:prSet presAssocID="{6728FAF8-8C2D-47A6-80BF-F30F02D525F3}" presName="circ2Tx" presStyleLbl="revTx" presStyleIdx="0" presStyleCnt="0">
@@ -1956,24 +1932,10 @@
         </dgm:presLayoutVars>
       </dgm:prSet>
       <dgm:spPr/>
-      <dgm:t>
-        <a:bodyPr/>
-        <a:lstStyle/>
-        <a:p>
-          <a:endParaRPr lang="zh-CN" altLang="en-US"/>
-        </a:p>
-      </dgm:t>
     </dgm:pt>
     <dgm:pt modelId="{1C8D8F9F-7EE0-4081-8CD6-AC300CD8DEFB}" type="pres">
       <dgm:prSet presAssocID="{B1CD704C-4616-4381-8929-7230EF86B102}" presName="circ3" presStyleLbl="vennNode1" presStyleIdx="2" presStyleCnt="3"/>
       <dgm:spPr/>
-      <dgm:t>
-        <a:bodyPr/>
-        <a:lstStyle/>
-        <a:p>
-          <a:endParaRPr lang="zh-CN" altLang="en-US"/>
-        </a:p>
-      </dgm:t>
     </dgm:pt>
     <dgm:pt modelId="{32CBA36C-20C8-41C5-B5AE-56E18E7199C7}" type="pres">
       <dgm:prSet presAssocID="{B1CD704C-4616-4381-8929-7230EF86B102}" presName="circ3Tx" presStyleLbl="revTx" presStyleIdx="0" presStyleCnt="0">
@@ -1984,26 +1946,19 @@
         </dgm:presLayoutVars>
       </dgm:prSet>
       <dgm:spPr/>
-      <dgm:t>
-        <a:bodyPr/>
-        <a:lstStyle/>
-        <a:p>
-          <a:endParaRPr lang="zh-CN" altLang="en-US"/>
-        </a:p>
-      </dgm:t>
     </dgm:pt>
   </dgm:ptLst>
   <dgm:cxnLst>
+    <dgm:cxn modelId="{E43E9907-7F23-4B47-A2CE-431764B03061}" type="presOf" srcId="{4271E5DC-C4BF-44A6-AF29-71FE07C9035B}" destId="{1919E268-1351-42C1-9EC3-35DC64BD4996}" srcOrd="0" destOrd="0" presId="urn:microsoft.com/office/officeart/2005/8/layout/venn1"/>
+    <dgm:cxn modelId="{5442DE08-E72A-472B-9D89-5CF063EA684C}" type="presOf" srcId="{B1CD704C-4616-4381-8929-7230EF86B102}" destId="{1C8D8F9F-7EE0-4081-8CD6-AC300CD8DEFB}" srcOrd="0" destOrd="0" presId="urn:microsoft.com/office/officeart/2005/8/layout/venn1"/>
+    <dgm:cxn modelId="{F6195931-FF56-45A1-847A-ACBFE1275D76}" type="presOf" srcId="{27988394-CB56-4720-BED0-588F6A26A4B1}" destId="{0432CD48-45A5-43E1-A811-1F172DE67DF5}" srcOrd="0" destOrd="0" presId="urn:microsoft.com/office/officeart/2005/8/layout/venn1"/>
     <dgm:cxn modelId="{235BD43A-CDD6-47B7-8407-6D1465E45C2B}" type="presOf" srcId="{27988394-CB56-4720-BED0-588F6A26A4B1}" destId="{7CA2208F-105B-4DE6-A0F8-A7AFC3D3C1D5}" srcOrd="1" destOrd="0" presId="urn:microsoft.com/office/officeart/2005/8/layout/venn1"/>
+    <dgm:cxn modelId="{19E49085-7CDE-41EA-872A-609024F3BC66}" type="presOf" srcId="{6728FAF8-8C2D-47A6-80BF-F30F02D525F3}" destId="{107EF259-FAC5-458A-811F-DCA8D0D2AC4B}" srcOrd="1" destOrd="0" presId="urn:microsoft.com/office/officeart/2005/8/layout/venn1"/>
     <dgm:cxn modelId="{014DBD8B-E802-413E-A336-D18EE9D1EA8F}" type="presOf" srcId="{6728FAF8-8C2D-47A6-80BF-F30F02D525F3}" destId="{2C377878-9643-4BAB-AE21-AD3F0514478B}" srcOrd="0" destOrd="0" presId="urn:microsoft.com/office/officeart/2005/8/layout/venn1"/>
-    <dgm:cxn modelId="{68B591FD-B793-4A2A-AB51-9C4203DBBE87}" srcId="{4271E5DC-C4BF-44A6-AF29-71FE07C9035B}" destId="{B1CD704C-4616-4381-8929-7230EF86B102}" srcOrd="2" destOrd="0" parTransId="{AB89EEA9-B3E2-4CC6-BC27-1207ECCF0A85}" sibTransId="{997F39C8-EF44-4CA7-8C03-04387905DBA5}"/>
-    <dgm:cxn modelId="{19E49085-7CDE-41EA-872A-609024F3BC66}" type="presOf" srcId="{6728FAF8-8C2D-47A6-80BF-F30F02D525F3}" destId="{107EF259-FAC5-458A-811F-DCA8D0D2AC4B}" srcOrd="1" destOrd="0" presId="urn:microsoft.com/office/officeart/2005/8/layout/venn1"/>
-    <dgm:cxn modelId="{E43E9907-7F23-4B47-A2CE-431764B03061}" type="presOf" srcId="{4271E5DC-C4BF-44A6-AF29-71FE07C9035B}" destId="{1919E268-1351-42C1-9EC3-35DC64BD4996}" srcOrd="0" destOrd="0" presId="urn:microsoft.com/office/officeart/2005/8/layout/venn1"/>
-    <dgm:cxn modelId="{F6195931-FF56-45A1-847A-ACBFE1275D76}" type="presOf" srcId="{27988394-CB56-4720-BED0-588F6A26A4B1}" destId="{0432CD48-45A5-43E1-A811-1F172DE67DF5}" srcOrd="0" destOrd="0" presId="urn:microsoft.com/office/officeart/2005/8/layout/venn1"/>
-    <dgm:cxn modelId="{5442DE08-E72A-472B-9D89-5CF063EA684C}" type="presOf" srcId="{B1CD704C-4616-4381-8929-7230EF86B102}" destId="{1C8D8F9F-7EE0-4081-8CD6-AC300CD8DEFB}" srcOrd="0" destOrd="0" presId="urn:microsoft.com/office/officeart/2005/8/layout/venn1"/>
     <dgm:cxn modelId="{D7652D99-A4B7-452F-83E9-2FCBB04287F1}" srcId="{4271E5DC-C4BF-44A6-AF29-71FE07C9035B}" destId="{27988394-CB56-4720-BED0-588F6A26A4B1}" srcOrd="0" destOrd="0" parTransId="{2F67F59B-2950-469E-934C-8B1585B6B91B}" sibTransId="{8B72E5A2-8334-4A8E-BD3C-67D0CCD8DFE7}"/>
     <dgm:cxn modelId="{B3ABCEBF-1176-424F-9B45-1FAC90F38D2D}" srcId="{4271E5DC-C4BF-44A6-AF29-71FE07C9035B}" destId="{6728FAF8-8C2D-47A6-80BF-F30F02D525F3}" srcOrd="1" destOrd="0" parTransId="{2EDAC621-3CAF-4B4A-8FF5-E006DD863E95}" sibTransId="{60EF528B-744F-4F26-8409-EAEBC96CE413}"/>
     <dgm:cxn modelId="{3FA5EBC5-2C49-4DA1-9637-E06A2FEE4276}" type="presOf" srcId="{B1CD704C-4616-4381-8929-7230EF86B102}" destId="{32CBA36C-20C8-41C5-B5AE-56E18E7199C7}" srcOrd="1" destOrd="0" presId="urn:microsoft.com/office/officeart/2005/8/layout/venn1"/>
+    <dgm:cxn modelId="{68B591FD-B793-4A2A-AB51-9C4203DBBE87}" srcId="{4271E5DC-C4BF-44A6-AF29-71FE07C9035B}" destId="{B1CD704C-4616-4381-8929-7230EF86B102}" srcOrd="2" destOrd="0" parTransId="{AB89EEA9-B3E2-4CC6-BC27-1207ECCF0A85}" sibTransId="{997F39C8-EF44-4CA7-8C03-04387905DBA5}"/>
     <dgm:cxn modelId="{1D86D70E-B27A-4CB4-8951-72E88D1081C7}" type="presParOf" srcId="{1919E268-1351-42C1-9EC3-35DC64BD4996}" destId="{0432CD48-45A5-43E1-A811-1F172DE67DF5}" srcOrd="0" destOrd="0" presId="urn:microsoft.com/office/officeart/2005/8/layout/venn1"/>
     <dgm:cxn modelId="{3409F531-6D3D-4480-992F-3C1E5787EE6E}" type="presParOf" srcId="{1919E268-1351-42C1-9EC3-35DC64BD4996}" destId="{7CA2208F-105B-4DE6-A0F8-A7AFC3D3C1D5}" srcOrd="1" destOrd="0" presId="urn:microsoft.com/office/officeart/2005/8/layout/venn1"/>
     <dgm:cxn modelId="{0D7C14B8-E79C-4498-9D79-AC31313FA048}" type="presParOf" srcId="{1919E268-1351-42C1-9EC3-35DC64BD4996}" destId="{2C377878-9643-4BAB-AE21-AD3F0514478B}" srcOrd="2" destOrd="0" presId="urn:microsoft.com/office/officeart/2005/8/layout/venn1"/>
@@ -2039,10 +1994,9 @@
         <a:lstStyle/>
         <a:p>
           <a:r>
-            <a:rPr lang="zh-CN" altLang="en-US" sz="2000" dirty="0" smtClean="0"/>
+            <a:rPr lang="zh-CN" altLang="en-US" sz="2000" dirty="0"/>
             <a:t>流量存量图</a:t>
           </a:r>
-          <a:endParaRPr lang="zh-CN" altLang="en-US" sz="2000" dirty="0"/>
         </a:p>
       </dgm:t>
     </dgm:pt>
@@ -2076,10 +2030,9 @@
         <a:lstStyle/>
         <a:p>
           <a:r>
-            <a:rPr lang="zh-CN" altLang="en-US" sz="2000" dirty="0" smtClean="0"/>
+            <a:rPr lang="zh-CN" altLang="en-US" sz="2000" dirty="0"/>
             <a:t>参数设置</a:t>
           </a:r>
-          <a:endParaRPr lang="zh-CN" altLang="en-US" sz="2000" dirty="0"/>
         </a:p>
       </dgm:t>
     </dgm:pt>
@@ -2113,10 +2066,9 @@
         <a:lstStyle/>
         <a:p>
           <a:r>
-            <a:rPr lang="zh-CN" altLang="en-US" sz="2000" dirty="0" smtClean="0"/>
+            <a:rPr lang="zh-CN" altLang="en-US" sz="2000" dirty="0"/>
             <a:t>系统表达式</a:t>
           </a:r>
-          <a:endParaRPr lang="zh-CN" altLang="en-US" sz="2000" dirty="0"/>
         </a:p>
       </dgm:t>
     </dgm:pt>
@@ -2155,13 +2107,6 @@
     <dgm:pt modelId="{0432CD48-45A5-43E1-A811-1F172DE67DF5}" type="pres">
       <dgm:prSet presAssocID="{27988394-CB56-4720-BED0-588F6A26A4B1}" presName="circ1" presStyleLbl="vennNode1" presStyleIdx="0" presStyleCnt="3"/>
       <dgm:spPr/>
-      <dgm:t>
-        <a:bodyPr/>
-        <a:lstStyle/>
-        <a:p>
-          <a:endParaRPr lang="zh-CN" altLang="en-US"/>
-        </a:p>
-      </dgm:t>
     </dgm:pt>
     <dgm:pt modelId="{7CA2208F-105B-4DE6-A0F8-A7AFC3D3C1D5}" type="pres">
       <dgm:prSet presAssocID="{27988394-CB56-4720-BED0-588F6A26A4B1}" presName="circ1Tx" presStyleLbl="revTx" presStyleIdx="0" presStyleCnt="0">
@@ -2172,24 +2117,10 @@
         </dgm:presLayoutVars>
       </dgm:prSet>
       <dgm:spPr/>
-      <dgm:t>
-        <a:bodyPr/>
-        <a:lstStyle/>
-        <a:p>
-          <a:endParaRPr lang="zh-CN" altLang="en-US"/>
-        </a:p>
-      </dgm:t>
     </dgm:pt>
     <dgm:pt modelId="{2C377878-9643-4BAB-AE21-AD3F0514478B}" type="pres">
       <dgm:prSet presAssocID="{6728FAF8-8C2D-47A6-80BF-F30F02D525F3}" presName="circ2" presStyleLbl="vennNode1" presStyleIdx="1" presStyleCnt="3"/>
       <dgm:spPr/>
-      <dgm:t>
-        <a:bodyPr/>
-        <a:lstStyle/>
-        <a:p>
-          <a:endParaRPr lang="zh-CN" altLang="en-US"/>
-        </a:p>
-      </dgm:t>
     </dgm:pt>
     <dgm:pt modelId="{107EF259-FAC5-458A-811F-DCA8D0D2AC4B}" type="pres">
       <dgm:prSet presAssocID="{6728FAF8-8C2D-47A6-80BF-F30F02D525F3}" presName="circ2Tx" presStyleLbl="revTx" presStyleIdx="0" presStyleCnt="0">
@@ -2200,24 +2131,10 @@
         </dgm:presLayoutVars>
       </dgm:prSet>
       <dgm:spPr/>
-      <dgm:t>
-        <a:bodyPr/>
-        <a:lstStyle/>
-        <a:p>
-          <a:endParaRPr lang="zh-CN" altLang="en-US"/>
-        </a:p>
-      </dgm:t>
     </dgm:pt>
     <dgm:pt modelId="{1C8D8F9F-7EE0-4081-8CD6-AC300CD8DEFB}" type="pres">
       <dgm:prSet presAssocID="{B1CD704C-4616-4381-8929-7230EF86B102}" presName="circ3" presStyleLbl="vennNode1" presStyleIdx="2" presStyleCnt="3"/>
       <dgm:spPr/>
-      <dgm:t>
-        <a:bodyPr/>
-        <a:lstStyle/>
-        <a:p>
-          <a:endParaRPr lang="zh-CN" altLang="en-US"/>
-        </a:p>
-      </dgm:t>
     </dgm:pt>
     <dgm:pt modelId="{32CBA36C-20C8-41C5-B5AE-56E18E7199C7}" type="pres">
       <dgm:prSet presAssocID="{B1CD704C-4616-4381-8929-7230EF86B102}" presName="circ3Tx" presStyleLbl="revTx" presStyleIdx="0" presStyleCnt="0">
@@ -2228,26 +2145,19 @@
         </dgm:presLayoutVars>
       </dgm:prSet>
       <dgm:spPr/>
-      <dgm:t>
-        <a:bodyPr/>
-        <a:lstStyle/>
-        <a:p>
-          <a:endParaRPr lang="zh-CN" altLang="en-US"/>
-        </a:p>
-      </dgm:t>
     </dgm:pt>
   </dgm:ptLst>
   <dgm:cxnLst>
+    <dgm:cxn modelId="{E43E9907-7F23-4B47-A2CE-431764B03061}" type="presOf" srcId="{4271E5DC-C4BF-44A6-AF29-71FE07C9035B}" destId="{1919E268-1351-42C1-9EC3-35DC64BD4996}" srcOrd="0" destOrd="0" presId="urn:microsoft.com/office/officeart/2005/8/layout/venn1"/>
+    <dgm:cxn modelId="{5442DE08-E72A-472B-9D89-5CF063EA684C}" type="presOf" srcId="{B1CD704C-4616-4381-8929-7230EF86B102}" destId="{1C8D8F9F-7EE0-4081-8CD6-AC300CD8DEFB}" srcOrd="0" destOrd="0" presId="urn:microsoft.com/office/officeart/2005/8/layout/venn1"/>
+    <dgm:cxn modelId="{F6195931-FF56-45A1-847A-ACBFE1275D76}" type="presOf" srcId="{27988394-CB56-4720-BED0-588F6A26A4B1}" destId="{0432CD48-45A5-43E1-A811-1F172DE67DF5}" srcOrd="0" destOrd="0" presId="urn:microsoft.com/office/officeart/2005/8/layout/venn1"/>
     <dgm:cxn modelId="{235BD43A-CDD6-47B7-8407-6D1465E45C2B}" type="presOf" srcId="{27988394-CB56-4720-BED0-588F6A26A4B1}" destId="{7CA2208F-105B-4DE6-A0F8-A7AFC3D3C1D5}" srcOrd="1" destOrd="0" presId="urn:microsoft.com/office/officeart/2005/8/layout/venn1"/>
+    <dgm:cxn modelId="{19E49085-7CDE-41EA-872A-609024F3BC66}" type="presOf" srcId="{6728FAF8-8C2D-47A6-80BF-F30F02D525F3}" destId="{107EF259-FAC5-458A-811F-DCA8D0D2AC4B}" srcOrd="1" destOrd="0" presId="urn:microsoft.com/office/officeart/2005/8/layout/venn1"/>
     <dgm:cxn modelId="{014DBD8B-E802-413E-A336-D18EE9D1EA8F}" type="presOf" srcId="{6728FAF8-8C2D-47A6-80BF-F30F02D525F3}" destId="{2C377878-9643-4BAB-AE21-AD3F0514478B}" srcOrd="0" destOrd="0" presId="urn:microsoft.com/office/officeart/2005/8/layout/venn1"/>
-    <dgm:cxn modelId="{68B591FD-B793-4A2A-AB51-9C4203DBBE87}" srcId="{4271E5DC-C4BF-44A6-AF29-71FE07C9035B}" destId="{B1CD704C-4616-4381-8929-7230EF86B102}" srcOrd="2" destOrd="0" parTransId="{AB89EEA9-B3E2-4CC6-BC27-1207ECCF0A85}" sibTransId="{997F39C8-EF44-4CA7-8C03-04387905DBA5}"/>
-    <dgm:cxn modelId="{19E49085-7CDE-41EA-872A-609024F3BC66}" type="presOf" srcId="{6728FAF8-8C2D-47A6-80BF-F30F02D525F3}" destId="{107EF259-FAC5-458A-811F-DCA8D0D2AC4B}" srcOrd="1" destOrd="0" presId="urn:microsoft.com/office/officeart/2005/8/layout/venn1"/>
-    <dgm:cxn modelId="{E43E9907-7F23-4B47-A2CE-431764B03061}" type="presOf" srcId="{4271E5DC-C4BF-44A6-AF29-71FE07C9035B}" destId="{1919E268-1351-42C1-9EC3-35DC64BD4996}" srcOrd="0" destOrd="0" presId="urn:microsoft.com/office/officeart/2005/8/layout/venn1"/>
-    <dgm:cxn modelId="{F6195931-FF56-45A1-847A-ACBFE1275D76}" type="presOf" srcId="{27988394-CB56-4720-BED0-588F6A26A4B1}" destId="{0432CD48-45A5-43E1-A811-1F172DE67DF5}" srcOrd="0" destOrd="0" presId="urn:microsoft.com/office/officeart/2005/8/layout/venn1"/>
-    <dgm:cxn modelId="{5442DE08-E72A-472B-9D89-5CF063EA684C}" type="presOf" srcId="{B1CD704C-4616-4381-8929-7230EF86B102}" destId="{1C8D8F9F-7EE0-4081-8CD6-AC300CD8DEFB}" srcOrd="0" destOrd="0" presId="urn:microsoft.com/office/officeart/2005/8/layout/venn1"/>
     <dgm:cxn modelId="{D7652D99-A4B7-452F-83E9-2FCBB04287F1}" srcId="{4271E5DC-C4BF-44A6-AF29-71FE07C9035B}" destId="{27988394-CB56-4720-BED0-588F6A26A4B1}" srcOrd="0" destOrd="0" parTransId="{2F67F59B-2950-469E-934C-8B1585B6B91B}" sibTransId="{8B72E5A2-8334-4A8E-BD3C-67D0CCD8DFE7}"/>
     <dgm:cxn modelId="{B3ABCEBF-1176-424F-9B45-1FAC90F38D2D}" srcId="{4271E5DC-C4BF-44A6-AF29-71FE07C9035B}" destId="{6728FAF8-8C2D-47A6-80BF-F30F02D525F3}" srcOrd="1" destOrd="0" parTransId="{2EDAC621-3CAF-4B4A-8FF5-E006DD863E95}" sibTransId="{60EF528B-744F-4F26-8409-EAEBC96CE413}"/>
     <dgm:cxn modelId="{3FA5EBC5-2C49-4DA1-9637-E06A2FEE4276}" type="presOf" srcId="{B1CD704C-4616-4381-8929-7230EF86B102}" destId="{32CBA36C-20C8-41C5-B5AE-56E18E7199C7}" srcOrd="1" destOrd="0" presId="urn:microsoft.com/office/officeart/2005/8/layout/venn1"/>
+    <dgm:cxn modelId="{68B591FD-B793-4A2A-AB51-9C4203DBBE87}" srcId="{4271E5DC-C4BF-44A6-AF29-71FE07C9035B}" destId="{B1CD704C-4616-4381-8929-7230EF86B102}" srcOrd="2" destOrd="0" parTransId="{AB89EEA9-B3E2-4CC6-BC27-1207ECCF0A85}" sibTransId="{997F39C8-EF44-4CA7-8C03-04387905DBA5}"/>
     <dgm:cxn modelId="{1D86D70E-B27A-4CB4-8951-72E88D1081C7}" type="presParOf" srcId="{1919E268-1351-42C1-9EC3-35DC64BD4996}" destId="{0432CD48-45A5-43E1-A811-1F172DE67DF5}" srcOrd="0" destOrd="0" presId="urn:microsoft.com/office/officeart/2005/8/layout/venn1"/>
     <dgm:cxn modelId="{3409F531-6D3D-4480-992F-3C1E5787EE6E}" type="presParOf" srcId="{1919E268-1351-42C1-9EC3-35DC64BD4996}" destId="{7CA2208F-105B-4DE6-A0F8-A7AFC3D3C1D5}" srcOrd="1" destOrd="0" presId="urn:microsoft.com/office/officeart/2005/8/layout/venn1"/>
     <dgm:cxn modelId="{0D7C14B8-E79C-4498-9D79-AC31313FA048}" type="presParOf" srcId="{1919E268-1351-42C1-9EC3-35DC64BD4996}" destId="{2C377878-9643-4BAB-AE21-AD3F0514478B}" srcOrd="2" destOrd="0" presId="urn:microsoft.com/office/officeart/2005/8/layout/venn1"/>
@@ -2333,7 +2243,7 @@
         </a:bodyPr>
         <a:lstStyle/>
         <a:p>
-          <a:pPr lvl="0" algn="ctr" defTabSz="889000">
+          <a:pPr marL="0" lvl="0" indent="0" algn="ctr" defTabSz="889000">
             <a:lnSpc>
               <a:spcPct val="90000"/>
             </a:lnSpc>
@@ -2343,12 +2253,12 @@
             <a:spcAft>
               <a:spcPct val="35000"/>
             </a:spcAft>
+            <a:buNone/>
           </a:pPr>
           <a:r>
-            <a:rPr lang="zh-CN" altLang="en-US" sz="2000" kern="1200" dirty="0" smtClean="0"/>
+            <a:rPr lang="zh-CN" altLang="en-US" sz="2000" kern="1200" dirty="0"/>
             <a:t>流量存量图</a:t>
           </a:r>
-          <a:endParaRPr lang="zh-CN" altLang="en-US" sz="2000" kern="1200" dirty="0"/>
         </a:p>
       </dsp:txBody>
       <dsp:txXfrm>
@@ -2413,7 +2323,7 @@
         </a:bodyPr>
         <a:lstStyle/>
         <a:p>
-          <a:pPr lvl="0" algn="ctr" defTabSz="889000">
+          <a:pPr marL="0" lvl="0" indent="0" algn="ctr" defTabSz="889000">
             <a:lnSpc>
               <a:spcPct val="90000"/>
             </a:lnSpc>
@@ -2423,12 +2333,12 @@
             <a:spcAft>
               <a:spcPct val="35000"/>
             </a:spcAft>
+            <a:buNone/>
           </a:pPr>
           <a:r>
-            <a:rPr lang="zh-CN" altLang="en-US" sz="2000" kern="1200" dirty="0" smtClean="0"/>
+            <a:rPr lang="zh-CN" altLang="en-US" sz="2000" kern="1200" dirty="0"/>
             <a:t>参数设置</a:t>
           </a:r>
-          <a:endParaRPr lang="zh-CN" altLang="en-US" sz="2000" kern="1200" dirty="0"/>
         </a:p>
       </dsp:txBody>
       <dsp:txXfrm>
@@ -2493,7 +2403,7 @@
         </a:bodyPr>
         <a:lstStyle/>
         <a:p>
-          <a:pPr lvl="0" algn="ctr" defTabSz="889000">
+          <a:pPr marL="0" lvl="0" indent="0" algn="ctr" defTabSz="889000">
             <a:lnSpc>
               <a:spcPct val="90000"/>
             </a:lnSpc>
@@ -2503,12 +2413,12 @@
             <a:spcAft>
               <a:spcPct val="35000"/>
             </a:spcAft>
+            <a:buNone/>
           </a:pPr>
           <a:r>
-            <a:rPr lang="zh-CN" altLang="en-US" sz="2000" kern="1200" dirty="0" smtClean="0"/>
+            <a:rPr lang="zh-CN" altLang="en-US" sz="2000" kern="1200" dirty="0"/>
             <a:t>系统表达式</a:t>
           </a:r>
-          <a:endParaRPr lang="zh-CN" altLang="en-US" sz="2000" kern="1200" dirty="0"/>
         </a:p>
       </dsp:txBody>
       <dsp:txXfrm>
@@ -2585,7 +2495,7 @@
         </a:bodyPr>
         <a:lstStyle/>
         <a:p>
-          <a:pPr lvl="0" algn="ctr" defTabSz="889000">
+          <a:pPr marL="0" lvl="0" indent="0" algn="ctr" defTabSz="889000">
             <a:lnSpc>
               <a:spcPct val="90000"/>
             </a:lnSpc>
@@ -2595,12 +2505,12 @@
             <a:spcAft>
               <a:spcPct val="35000"/>
             </a:spcAft>
+            <a:buNone/>
           </a:pPr>
           <a:r>
-            <a:rPr lang="zh-CN" altLang="en-US" sz="2000" kern="1200" dirty="0" smtClean="0"/>
+            <a:rPr lang="zh-CN" altLang="en-US" sz="2000" kern="1200" dirty="0"/>
             <a:t>流量存量图</a:t>
           </a:r>
-          <a:endParaRPr lang="zh-CN" altLang="en-US" sz="2000" kern="1200" dirty="0"/>
         </a:p>
       </dsp:txBody>
       <dsp:txXfrm>
@@ -2665,7 +2575,7 @@
         </a:bodyPr>
         <a:lstStyle/>
         <a:p>
-          <a:pPr lvl="0" algn="ctr" defTabSz="889000">
+          <a:pPr marL="0" lvl="0" indent="0" algn="ctr" defTabSz="889000">
             <a:lnSpc>
               <a:spcPct val="90000"/>
             </a:lnSpc>
@@ -2675,12 +2585,12 @@
             <a:spcAft>
               <a:spcPct val="35000"/>
             </a:spcAft>
+            <a:buNone/>
           </a:pPr>
           <a:r>
-            <a:rPr lang="zh-CN" altLang="en-US" sz="2000" kern="1200" dirty="0" smtClean="0"/>
+            <a:rPr lang="zh-CN" altLang="en-US" sz="2000" kern="1200" dirty="0"/>
             <a:t>参数设置</a:t>
           </a:r>
-          <a:endParaRPr lang="zh-CN" altLang="en-US" sz="2000" kern="1200" dirty="0"/>
         </a:p>
       </dsp:txBody>
       <dsp:txXfrm>
@@ -2745,7 +2655,7 @@
         </a:bodyPr>
         <a:lstStyle/>
         <a:p>
-          <a:pPr lvl="0" algn="ctr" defTabSz="889000">
+          <a:pPr marL="0" lvl="0" indent="0" algn="ctr" defTabSz="889000">
             <a:lnSpc>
               <a:spcPct val="90000"/>
             </a:lnSpc>
@@ -2755,12 +2665,12 @@
             <a:spcAft>
               <a:spcPct val="35000"/>
             </a:spcAft>
+            <a:buNone/>
           </a:pPr>
           <a:r>
-            <a:rPr lang="zh-CN" altLang="en-US" sz="2000" kern="1200" dirty="0" smtClean="0"/>
+            <a:rPr lang="zh-CN" altLang="en-US" sz="2000" kern="1200" dirty="0"/>
             <a:t>系统表达式</a:t>
           </a:r>
-          <a:endParaRPr lang="zh-CN" altLang="en-US" sz="2000" kern="1200" dirty="0"/>
         </a:p>
       </dsp:txBody>
       <dsp:txXfrm>
@@ -6680,7 +6590,7 @@
                 <a:latin typeface="微软雅黑" panose="020B0503020204020204" pitchFamily="34" charset="-122"/>
                 <a:ea typeface="微软雅黑" panose="020B0503020204020204" pitchFamily="34" charset="-122"/>
               </a:rPr>
-              <a:t>2019年3月17日</a:t>
+              <a:t>2019年6月29日 Saturday</a:t>
             </a:fld>
             <a:endParaRPr lang="zh-CN" altLang="en-US" dirty="0">
               <a:latin typeface="微软雅黑" panose="020B0503020204020204" pitchFamily="34" charset="-122"/>
@@ -6872,7 +6782,7 @@
             <a:fld id="{07D6BDDC-F39A-4E16-93D6-E40B88AA6D58}" type="datetime2">
               <a:rPr lang="zh-CN" altLang="en-US" smtClean="0"/>
               <a:pPr/>
-              <a:t>2019年3月17日</a:t>
+              <a:t>2019年6月29日 Saturday</a:t>
             </a:fld>
             <a:endParaRPr lang="zh-CN" altLang="en-US" dirty="0"/>
           </a:p>
@@ -7981,7 +7891,6 @@
               <a:schemeClr val="bg1"/>
             </a:solidFill>
           </a:ln>
-          <a:extLst/>
         </p:spPr>
         <p:txBody>
           <a:bodyPr vert="horz" wrap="square" lIns="121899" tIns="60949" rIns="121899" bIns="60949" numCol="1" rtlCol="0" anchor="t" anchorCtr="0" compatLnSpc="1">
@@ -8030,7 +7939,7 @@
           <a:p>
             <a:pPr rtl="0"/>
             <a:r>
-              <a:rPr lang="zh-CN" altLang="en-US" noProof="0" smtClean="0"/>
+              <a:rPr lang="zh-CN" altLang="en-US" noProof="0"/>
               <a:t>单击此处编辑母版标题样式</a:t>
             </a:r>
             <a:endParaRPr lang="zh-CN" altLang="en-US" noProof="0" dirty="0"/>
@@ -8155,7 +8064,7 @@
           <a:p>
             <a:pPr rtl="0"/>
             <a:r>
-              <a:rPr lang="zh-CN" altLang="en-US" noProof="0" smtClean="0"/>
+              <a:rPr lang="zh-CN" altLang="en-US" noProof="0"/>
               <a:t>单击以编辑母版副标题样式</a:t>
             </a:r>
             <a:endParaRPr lang="zh-CN" altLang="en-US" noProof="0" dirty="0"/>
@@ -8190,7 +8099,7 @@
             <a:fld id="{4947C3F0-2957-4D41-9FB7-182757A04D67}" type="datetime2">
               <a:rPr lang="zh-CN" altLang="en-US" smtClean="0"/>
               <a:pPr/>
-              <a:t>2019年3月17日</a:t>
+              <a:t>2019年6月29日 Saturday</a:t>
             </a:fld>
             <a:endParaRPr lang="zh-CN" altLang="en-US" dirty="0"/>
           </a:p>
@@ -8326,7 +8235,7 @@
           <a:p>
             <a:pPr rtl="0"/>
             <a:r>
-              <a:rPr lang="zh-CN" altLang="en-US" noProof="0" smtClean="0"/>
+              <a:rPr lang="zh-CN" altLang="en-US" noProof="0"/>
               <a:t>单击此处编辑母版标题样式</a:t>
             </a:r>
             <a:endParaRPr lang="zh-CN" altLang="en-US" noProof="0" dirty="0"/>
@@ -8366,35 +8275,35 @@
           <a:p>
             <a:pPr lvl="0" rtl="0"/>
             <a:r>
-              <a:rPr lang="zh-CN" altLang="en-US" noProof="0" smtClean="0"/>
+              <a:rPr lang="zh-CN" altLang="en-US" noProof="0"/>
               <a:t>编辑母版文本样式</a:t>
             </a:r>
           </a:p>
           <a:p>
             <a:pPr lvl="1" rtl="0"/>
             <a:r>
-              <a:rPr lang="zh-CN" altLang="en-US" noProof="0" smtClean="0"/>
+              <a:rPr lang="zh-CN" altLang="en-US" noProof="0"/>
               <a:t>第二级</a:t>
             </a:r>
           </a:p>
           <a:p>
             <a:pPr lvl="2" rtl="0"/>
             <a:r>
-              <a:rPr lang="zh-CN" altLang="en-US" noProof="0" smtClean="0"/>
+              <a:rPr lang="zh-CN" altLang="en-US" noProof="0"/>
               <a:t>第三级</a:t>
             </a:r>
           </a:p>
           <a:p>
             <a:pPr lvl="3" rtl="0"/>
             <a:r>
-              <a:rPr lang="zh-CN" altLang="en-US" noProof="0" smtClean="0"/>
+              <a:rPr lang="zh-CN" altLang="en-US" noProof="0"/>
               <a:t>第四级</a:t>
             </a:r>
           </a:p>
           <a:p>
             <a:pPr lvl="4" rtl="0"/>
             <a:r>
-              <a:rPr lang="zh-CN" altLang="en-US" noProof="0" smtClean="0"/>
+              <a:rPr lang="zh-CN" altLang="en-US" noProof="0"/>
               <a:t>第五级</a:t>
             </a:r>
             <a:endParaRPr lang="zh-CN" altLang="en-US" noProof="0" dirty="0"/>
@@ -8423,7 +8332,7 @@
             <a:fld id="{8DF8E148-EC1F-43A2-8C9E-1F57F6D08A76}" type="datetime2">
               <a:rPr lang="zh-CN" altLang="en-US" smtClean="0"/>
               <a:pPr/>
-              <a:t>2019年3月17日</a:t>
+              <a:t>2019年6月29日 Saturday</a:t>
             </a:fld>
             <a:endParaRPr lang="zh-CN" altLang="en-US" dirty="0"/>
           </a:p>
@@ -9104,7 +9013,6 @@
           <a:ln>
             <a:noFill/>
           </a:ln>
-          <a:extLst/>
         </p:spPr>
         <p:txBody>
           <a:bodyPr vert="horz" wrap="square" lIns="91440" tIns="45720" rIns="91440" bIns="45720" numCol="1" rtlCol="0" anchor="t" anchorCtr="0" compatLnSpc="1">
@@ -9186,7 +9094,7 @@
           <a:p>
             <a:pPr rtl="0"/>
             <a:r>
-              <a:rPr lang="zh-CN" altLang="en-US" noProof="0" smtClean="0"/>
+              <a:rPr lang="zh-CN" altLang="en-US" noProof="0"/>
               <a:t>单击此处编辑母版标题样式</a:t>
             </a:r>
             <a:endParaRPr lang="zh-CN" altLang="en-US" noProof="0" dirty="0"/>
@@ -9246,35 +9154,35 @@
           <a:p>
             <a:pPr lvl="0" rtl="0"/>
             <a:r>
-              <a:rPr lang="zh-CN" altLang="en-US" noProof="0" smtClean="0"/>
+              <a:rPr lang="zh-CN" altLang="en-US" noProof="0"/>
               <a:t>编辑母版文本样式</a:t>
             </a:r>
           </a:p>
           <a:p>
             <a:pPr lvl="1" rtl="0"/>
             <a:r>
-              <a:rPr lang="zh-CN" altLang="en-US" noProof="0" smtClean="0"/>
+              <a:rPr lang="zh-CN" altLang="en-US" noProof="0"/>
               <a:t>第二级</a:t>
             </a:r>
           </a:p>
           <a:p>
             <a:pPr lvl="2" rtl="0"/>
             <a:r>
-              <a:rPr lang="zh-CN" altLang="en-US" noProof="0" smtClean="0"/>
+              <a:rPr lang="zh-CN" altLang="en-US" noProof="0"/>
               <a:t>第三级</a:t>
             </a:r>
           </a:p>
           <a:p>
             <a:pPr lvl="3" rtl="0"/>
             <a:r>
-              <a:rPr lang="zh-CN" altLang="en-US" noProof="0" smtClean="0"/>
+              <a:rPr lang="zh-CN" altLang="en-US" noProof="0"/>
               <a:t>第四级</a:t>
             </a:r>
           </a:p>
           <a:p>
             <a:pPr lvl="4" rtl="0"/>
             <a:r>
-              <a:rPr lang="zh-CN" altLang="en-US" noProof="0" smtClean="0"/>
+              <a:rPr lang="zh-CN" altLang="en-US" noProof="0"/>
               <a:t>第五级</a:t>
             </a:r>
             <a:endParaRPr lang="zh-CN" altLang="en-US" noProof="0" dirty="0"/>
@@ -9306,7 +9214,7 @@
             <a:fld id="{FB7B4C11-1E14-4887-9E78-A9346EC068F1}" type="datetime2">
               <a:rPr lang="zh-CN" altLang="en-US" smtClean="0"/>
               <a:pPr/>
-              <a:t>2019年3月17日</a:t>
+              <a:t>2019年6月29日 Saturday</a:t>
             </a:fld>
             <a:endParaRPr lang="zh-CN" altLang="en-US" dirty="0"/>
           </a:p>
@@ -9438,7 +9346,7 @@
           <a:p>
             <a:pPr rtl="0"/>
             <a:r>
-              <a:rPr lang="zh-CN" altLang="en-US" smtClean="0"/>
+              <a:rPr lang="zh-CN" altLang="en-US"/>
               <a:t>单击此处编辑母版标题样式</a:t>
             </a:r>
             <a:endParaRPr lang="zh-CN" altLang="en-US" dirty="0"/>
@@ -9505,35 +9413,35 @@
           <a:p>
             <a:pPr lvl="0" rtl="0"/>
             <a:r>
-              <a:rPr lang="zh-CN" altLang="en-US" smtClean="0"/>
+              <a:rPr lang="zh-CN" altLang="en-US"/>
               <a:t>编辑母版文本样式</a:t>
             </a:r>
           </a:p>
           <a:p>
             <a:pPr lvl="1" rtl="0"/>
             <a:r>
-              <a:rPr lang="zh-CN" altLang="en-US" smtClean="0"/>
+              <a:rPr lang="zh-CN" altLang="en-US"/>
               <a:t>第二级</a:t>
             </a:r>
           </a:p>
           <a:p>
             <a:pPr lvl="2" rtl="0"/>
             <a:r>
-              <a:rPr lang="zh-CN" altLang="en-US" smtClean="0"/>
+              <a:rPr lang="zh-CN" altLang="en-US"/>
               <a:t>第三级</a:t>
             </a:r>
           </a:p>
           <a:p>
             <a:pPr lvl="3" rtl="0"/>
             <a:r>
-              <a:rPr lang="zh-CN" altLang="en-US" smtClean="0"/>
+              <a:rPr lang="zh-CN" altLang="en-US"/>
               <a:t>第四级</a:t>
             </a:r>
           </a:p>
           <a:p>
             <a:pPr lvl="4" rtl="0"/>
             <a:r>
-              <a:rPr lang="zh-CN" altLang="en-US" smtClean="0"/>
+              <a:rPr lang="zh-CN" altLang="en-US"/>
               <a:t>第五级</a:t>
             </a:r>
             <a:endParaRPr lang="zh-CN" altLang="en-US" dirty="0"/>
@@ -9565,7 +9473,7 @@
             <a:fld id="{86FD5D46-E987-42B2-B42C-B8920598FADE}" type="datetime2">
               <a:rPr lang="zh-CN" altLang="en-US" smtClean="0"/>
               <a:pPr/>
-              <a:t>2019年3月17日</a:t>
+              <a:t>2019年6月29日 Saturday</a:t>
             </a:fld>
             <a:endParaRPr lang="zh-CN" altLang="en-US" dirty="0"/>
           </a:p>
@@ -9654,13 +9562,6 @@
       </p:transition>
     </mc:Fallback>
   </mc:AlternateContent>
-  <p:timing>
-    <p:tnLst>
-      <p:par>
-        <p:cTn id="1" dur="indefinite" restart="never" nodeType="tmRoot"/>
-      </p:par>
-    </p:tnLst>
-  </p:timing>
 </p:sldLayout>
 </file>
 
@@ -10282,7 +10183,6 @@
               <a:schemeClr val="bg1"/>
             </a:solidFill>
           </a:ln>
-          <a:extLst/>
         </p:spPr>
         <p:txBody>
           <a:bodyPr vert="horz" wrap="square" lIns="121899" tIns="60949" rIns="121899" bIns="60949" numCol="1" rtlCol="0" anchor="t" anchorCtr="0" compatLnSpc="1">
@@ -10740,7 +10640,7 @@
           <a:p>
             <a:pPr rtl="0"/>
             <a:r>
-              <a:rPr lang="zh-CN" altLang="en-US" noProof="0" smtClean="0"/>
+              <a:rPr lang="zh-CN" altLang="en-US" noProof="0"/>
               <a:t>单击此处编辑母版标题样式</a:t>
             </a:r>
             <a:endParaRPr lang="zh-CN" altLang="en-US" noProof="0" dirty="0"/>
@@ -10865,7 +10765,7 @@
           <a:p>
             <a:pPr lvl="0" rtl="0"/>
             <a:r>
-              <a:rPr lang="zh-CN" altLang="en-US" noProof="0" smtClean="0"/>
+              <a:rPr lang="zh-CN" altLang="en-US" noProof="0"/>
               <a:t>编辑母版文本样式</a:t>
             </a:r>
           </a:p>
@@ -10899,7 +10799,7 @@
             <a:fld id="{8365F240-A7EF-41C8-A85B-C448CF84B5E5}" type="datetime2">
               <a:rPr lang="zh-CN" altLang="en-US" smtClean="0"/>
               <a:pPr/>
-              <a:t>2019年3月17日</a:t>
+              <a:t>2019年6月29日 Saturday</a:t>
             </a:fld>
             <a:endParaRPr lang="zh-CN" altLang="en-US" dirty="0"/>
           </a:p>
@@ -11035,7 +10935,7 @@
           <a:p>
             <a:pPr rtl="0"/>
             <a:r>
-              <a:rPr lang="zh-CN" altLang="en-US" smtClean="0"/>
+              <a:rPr lang="zh-CN" altLang="en-US"/>
               <a:t>单击此处编辑母版标题样式</a:t>
             </a:r>
             <a:endParaRPr lang="zh-CN" altLang="en-US" dirty="0"/>
@@ -11092,35 +10992,35 @@
           <a:p>
             <a:pPr lvl="0" rtl="0"/>
             <a:r>
-              <a:rPr lang="zh-CN" altLang="en-US" smtClean="0"/>
+              <a:rPr lang="zh-CN" altLang="en-US"/>
               <a:t>编辑母版文本样式</a:t>
             </a:r>
           </a:p>
           <a:p>
             <a:pPr lvl="1" rtl="0"/>
             <a:r>
-              <a:rPr lang="zh-CN" altLang="en-US" smtClean="0"/>
+              <a:rPr lang="zh-CN" altLang="en-US"/>
               <a:t>第二级</a:t>
             </a:r>
           </a:p>
           <a:p>
             <a:pPr lvl="2" rtl="0"/>
             <a:r>
-              <a:rPr lang="zh-CN" altLang="en-US" smtClean="0"/>
+              <a:rPr lang="zh-CN" altLang="en-US"/>
               <a:t>第三级</a:t>
             </a:r>
           </a:p>
           <a:p>
             <a:pPr lvl="3" rtl="0"/>
             <a:r>
-              <a:rPr lang="zh-CN" altLang="en-US" smtClean="0"/>
+              <a:rPr lang="zh-CN" altLang="en-US"/>
               <a:t>第四级</a:t>
             </a:r>
           </a:p>
           <a:p>
             <a:pPr lvl="4" rtl="0"/>
             <a:r>
-              <a:rPr lang="zh-CN" altLang="en-US" smtClean="0"/>
+              <a:rPr lang="zh-CN" altLang="en-US"/>
               <a:t>第五级</a:t>
             </a:r>
             <a:endParaRPr lang="zh-CN" altLang="en-US" dirty="0"/>
@@ -11177,35 +11077,35 @@
           <a:p>
             <a:pPr lvl="0" rtl="0"/>
             <a:r>
-              <a:rPr lang="zh-CN" altLang="en-US" smtClean="0"/>
+              <a:rPr lang="zh-CN" altLang="en-US"/>
               <a:t>编辑母版文本样式</a:t>
             </a:r>
           </a:p>
           <a:p>
             <a:pPr lvl="1" rtl="0"/>
             <a:r>
-              <a:rPr lang="zh-CN" altLang="en-US" smtClean="0"/>
+              <a:rPr lang="zh-CN" altLang="en-US"/>
               <a:t>第二级</a:t>
             </a:r>
           </a:p>
           <a:p>
             <a:pPr lvl="2" rtl="0"/>
             <a:r>
-              <a:rPr lang="zh-CN" altLang="en-US" smtClean="0"/>
+              <a:rPr lang="zh-CN" altLang="en-US"/>
               <a:t>第三级</a:t>
             </a:r>
           </a:p>
           <a:p>
             <a:pPr lvl="3" rtl="0"/>
             <a:r>
-              <a:rPr lang="zh-CN" altLang="en-US" smtClean="0"/>
+              <a:rPr lang="zh-CN" altLang="en-US"/>
               <a:t>第四级</a:t>
             </a:r>
           </a:p>
           <a:p>
             <a:pPr lvl="4" rtl="0"/>
             <a:r>
-              <a:rPr lang="zh-CN" altLang="en-US" smtClean="0"/>
+              <a:rPr lang="zh-CN" altLang="en-US"/>
               <a:t>第五级</a:t>
             </a:r>
             <a:endParaRPr lang="zh-CN" altLang="en-US" dirty="0"/>
@@ -11234,7 +11134,7 @@
             <a:fld id="{F770B30E-8728-44DB-AEE3-E4A75AEDBBD9}" type="datetime2">
               <a:rPr lang="zh-CN" altLang="en-US" smtClean="0"/>
               <a:pPr/>
-              <a:t>2019年3月17日</a:t>
+              <a:t>2019年6月29日 Saturday</a:t>
             </a:fld>
             <a:endParaRPr lang="zh-CN" altLang="en-US" dirty="0"/>
           </a:p>
@@ -11353,7 +11253,7 @@
           <a:p>
             <a:pPr rtl="0"/>
             <a:r>
-              <a:rPr lang="zh-CN" altLang="en-US" smtClean="0"/>
+              <a:rPr lang="zh-CN" altLang="en-US"/>
               <a:t>单击此处编辑母版标题样式</a:t>
             </a:r>
             <a:endParaRPr lang="zh-CN" altLang="en-US" dirty="0"/>
@@ -11427,7 +11327,7 @@
           <a:p>
             <a:pPr lvl="0" rtl="0"/>
             <a:r>
-              <a:rPr lang="zh-CN" altLang="en-US" smtClean="0"/>
+              <a:rPr lang="zh-CN" altLang="en-US"/>
               <a:t>编辑母版文本样式</a:t>
             </a:r>
           </a:p>
@@ -11500,35 +11400,35 @@
           <a:p>
             <a:pPr lvl="0" rtl="0"/>
             <a:r>
-              <a:rPr lang="zh-CN" altLang="en-US" smtClean="0"/>
+              <a:rPr lang="zh-CN" altLang="en-US"/>
               <a:t>编辑母版文本样式</a:t>
             </a:r>
           </a:p>
           <a:p>
             <a:pPr lvl="1" rtl="0"/>
             <a:r>
-              <a:rPr lang="zh-CN" altLang="en-US" smtClean="0"/>
+              <a:rPr lang="zh-CN" altLang="en-US"/>
               <a:t>第二级</a:t>
             </a:r>
           </a:p>
           <a:p>
             <a:pPr lvl="2" rtl="0"/>
             <a:r>
-              <a:rPr lang="zh-CN" altLang="en-US" smtClean="0"/>
+              <a:rPr lang="zh-CN" altLang="en-US"/>
               <a:t>第三级</a:t>
             </a:r>
           </a:p>
           <a:p>
             <a:pPr lvl="3" rtl="0"/>
             <a:r>
-              <a:rPr lang="zh-CN" altLang="en-US" smtClean="0"/>
+              <a:rPr lang="zh-CN" altLang="en-US"/>
               <a:t>第四级</a:t>
             </a:r>
           </a:p>
           <a:p>
             <a:pPr lvl="4" rtl="0"/>
             <a:r>
-              <a:rPr lang="zh-CN" altLang="en-US" smtClean="0"/>
+              <a:rPr lang="zh-CN" altLang="en-US"/>
               <a:t>第五级</a:t>
             </a:r>
             <a:endParaRPr lang="zh-CN" altLang="en-US" dirty="0"/>
@@ -11602,7 +11502,7 @@
           <a:p>
             <a:pPr lvl="0" rtl="0"/>
             <a:r>
-              <a:rPr lang="zh-CN" altLang="en-US" smtClean="0"/>
+              <a:rPr lang="zh-CN" altLang="en-US"/>
               <a:t>编辑母版文本样式</a:t>
             </a:r>
           </a:p>
@@ -11675,35 +11575,35 @@
           <a:p>
             <a:pPr lvl="0" rtl="0"/>
             <a:r>
-              <a:rPr lang="zh-CN" altLang="en-US" smtClean="0"/>
+              <a:rPr lang="zh-CN" altLang="en-US"/>
               <a:t>编辑母版文本样式</a:t>
             </a:r>
           </a:p>
           <a:p>
             <a:pPr lvl="1" rtl="0"/>
             <a:r>
-              <a:rPr lang="zh-CN" altLang="en-US" smtClean="0"/>
+              <a:rPr lang="zh-CN" altLang="en-US"/>
               <a:t>第二级</a:t>
             </a:r>
           </a:p>
           <a:p>
             <a:pPr lvl="2" rtl="0"/>
             <a:r>
-              <a:rPr lang="zh-CN" altLang="en-US" smtClean="0"/>
+              <a:rPr lang="zh-CN" altLang="en-US"/>
               <a:t>第三级</a:t>
             </a:r>
           </a:p>
           <a:p>
             <a:pPr lvl="3" rtl="0"/>
             <a:r>
-              <a:rPr lang="zh-CN" altLang="en-US" smtClean="0"/>
+              <a:rPr lang="zh-CN" altLang="en-US"/>
               <a:t>第四级</a:t>
             </a:r>
           </a:p>
           <a:p>
             <a:pPr lvl="4" rtl="0"/>
             <a:r>
-              <a:rPr lang="zh-CN" altLang="en-US" smtClean="0"/>
+              <a:rPr lang="zh-CN" altLang="en-US"/>
               <a:t>第五级</a:t>
             </a:r>
             <a:endParaRPr lang="zh-CN" altLang="en-US" dirty="0"/>
@@ -11735,7 +11635,7 @@
             <a:fld id="{680BCF82-A51A-4389-A573-378AD02C5141}" type="datetime2">
               <a:rPr lang="zh-CN" altLang="en-US" smtClean="0"/>
               <a:pPr/>
-              <a:t>2019年3月17日</a:t>
+              <a:t>2019年6月29日 Saturday</a:t>
             </a:fld>
             <a:endParaRPr lang="zh-CN" altLang="en-US" dirty="0"/>
           </a:p>
@@ -11861,7 +11761,7 @@
           <a:p>
             <a:pPr rtl="0"/>
             <a:r>
-              <a:rPr lang="zh-CN" altLang="en-US" smtClean="0"/>
+              <a:rPr lang="zh-CN" altLang="en-US"/>
               <a:t>单击此处编辑母版标题样式</a:t>
             </a:r>
             <a:endParaRPr lang="zh-CN" altLang="en-US" dirty="0"/>
@@ -11890,7 +11790,7 @@
             <a:fld id="{CE03A716-E3DC-4D9D-823C-60FCD8C9B163}" type="datetime2">
               <a:rPr lang="zh-CN" altLang="en-US" smtClean="0"/>
               <a:pPr/>
-              <a:t>2019年3月17日</a:t>
+              <a:t>2019年6月29日 Saturday</a:t>
             </a:fld>
             <a:endParaRPr lang="zh-CN" altLang="en-US" dirty="0"/>
           </a:p>
@@ -12250,7 +12150,7 @@
             <a:fld id="{C16B8A94-44E5-4844-A22C-F796FCAA90D9}" type="datetime2">
               <a:rPr lang="zh-CN" altLang="en-US" smtClean="0"/>
               <a:pPr/>
-              <a:t>2019年3月17日</a:t>
+              <a:t>2019年6月29日 Saturday</a:t>
             </a:fld>
             <a:endParaRPr lang="zh-CN" altLang="en-US" dirty="0"/>
           </a:p>
@@ -12585,7 +12485,7 @@
           <a:p>
             <a:pPr rtl="0"/>
             <a:r>
-              <a:rPr lang="zh-CN" altLang="en-US" noProof="0" smtClean="0"/>
+              <a:rPr lang="zh-CN" altLang="en-US" noProof="0"/>
               <a:t>单击此处编辑母版标题样式</a:t>
             </a:r>
             <a:endParaRPr lang="zh-CN" altLang="en-US" noProof="0" dirty="0"/>
@@ -12659,35 +12559,35 @@
           <a:p>
             <a:pPr lvl="0" rtl="0"/>
             <a:r>
-              <a:rPr lang="zh-CN" altLang="en-US" noProof="0" smtClean="0"/>
+              <a:rPr lang="zh-CN" altLang="en-US" noProof="0"/>
               <a:t>编辑母版文本样式</a:t>
             </a:r>
           </a:p>
           <a:p>
             <a:pPr lvl="1" rtl="0"/>
             <a:r>
-              <a:rPr lang="zh-CN" altLang="en-US" noProof="0" smtClean="0"/>
+              <a:rPr lang="zh-CN" altLang="en-US" noProof="0"/>
               <a:t>第二级</a:t>
             </a:r>
           </a:p>
           <a:p>
             <a:pPr lvl="2" rtl="0"/>
             <a:r>
-              <a:rPr lang="zh-CN" altLang="en-US" noProof="0" smtClean="0"/>
+              <a:rPr lang="zh-CN" altLang="en-US" noProof="0"/>
               <a:t>第三级</a:t>
             </a:r>
           </a:p>
           <a:p>
             <a:pPr lvl="3" rtl="0"/>
             <a:r>
-              <a:rPr lang="zh-CN" altLang="en-US" noProof="0" smtClean="0"/>
+              <a:rPr lang="zh-CN" altLang="en-US" noProof="0"/>
               <a:t>第四级</a:t>
             </a:r>
           </a:p>
           <a:p>
             <a:pPr lvl="4" rtl="0"/>
             <a:r>
-              <a:rPr lang="zh-CN" altLang="en-US" noProof="0" smtClean="0"/>
+              <a:rPr lang="zh-CN" altLang="en-US" noProof="0"/>
               <a:t>第五级</a:t>
             </a:r>
             <a:endParaRPr lang="zh-CN" altLang="en-US" noProof="0" dirty="0"/>
@@ -12761,7 +12661,7 @@
           <a:p>
             <a:pPr lvl="0" rtl="0"/>
             <a:r>
-              <a:rPr lang="zh-CN" altLang="en-US" noProof="0" smtClean="0"/>
+              <a:rPr lang="zh-CN" altLang="en-US" noProof="0"/>
               <a:t>编辑母版文本样式</a:t>
             </a:r>
           </a:p>
@@ -12792,7 +12692,7 @@
             <a:fld id="{F288B2AC-AC0A-4E49-82A3-94EE74FA7FBF}" type="datetime2">
               <a:rPr lang="zh-CN" altLang="en-US" smtClean="0"/>
               <a:pPr/>
-              <a:t>2019年3月17日</a:t>
+              <a:t>2019年6月29日 Saturday</a:t>
             </a:fld>
             <a:endParaRPr lang="zh-CN" altLang="en-US" dirty="0"/>
           </a:p>
@@ -12880,13 +12780,6 @@
       </p:transition>
     </mc:Fallback>
   </mc:AlternateContent>
-  <p:timing>
-    <p:tnLst>
-      <p:par>
-        <p:cTn id="1" dur="indefinite" restart="never" nodeType="tmRoot"/>
-      </p:par>
-    </p:tnLst>
-  </p:timing>
 </p:sldLayout>
 </file>
 
@@ -13098,7 +12991,7 @@
           <a:p>
             <a:pPr rtl="0"/>
             <a:r>
-              <a:rPr lang="zh-CN" altLang="en-US" smtClean="0"/>
+              <a:rPr lang="zh-CN" altLang="en-US"/>
               <a:t>单击此处编辑母版标题样式</a:t>
             </a:r>
             <a:endParaRPr lang="zh-CN" altLang="en-US" dirty="0"/>
@@ -13177,7 +13070,7 @@
           <a:p>
             <a:pPr rtl="0"/>
             <a:r>
-              <a:rPr lang="zh-CN" altLang="en-US" smtClean="0"/>
+              <a:rPr lang="zh-CN" altLang="en-US"/>
               <a:t>单击图标添加图片</a:t>
             </a:r>
             <a:endParaRPr lang="zh-CN" altLang="en-US" dirty="0"/>
@@ -13251,7 +13144,7 @@
           <a:p>
             <a:pPr lvl="0" rtl="0"/>
             <a:r>
-              <a:rPr lang="zh-CN" altLang="en-US" smtClean="0"/>
+              <a:rPr lang="zh-CN" altLang="en-US"/>
               <a:t>编辑母版文本样式</a:t>
             </a:r>
           </a:p>
@@ -13285,7 +13178,7 @@
             <a:fld id="{1878E339-1BD2-4FEE-A113-9A0301740CF6}" type="datetime2">
               <a:rPr lang="zh-CN" altLang="en-US" smtClean="0"/>
               <a:pPr/>
-              <a:t>2019年3月17日</a:t>
+              <a:t>2019年6月29日 Saturday</a:t>
             </a:fld>
             <a:endParaRPr lang="zh-CN" altLang="en-US" dirty="0"/>
           </a:p>
@@ -14026,7 +13919,6 @@
           <a:ln>
             <a:noFill/>
           </a:ln>
-          <a:extLst/>
         </p:spPr>
         <p:txBody>
           <a:bodyPr vert="horz" wrap="square" lIns="91440" tIns="45720" rIns="91440" bIns="45720" numCol="1" rtlCol="0" anchor="t" anchorCtr="0" compatLnSpc="1">
@@ -14209,7 +14101,7 @@
             <a:fld id="{A339CB27-C670-4AAB-948C-7E3D1D9FAE30}" type="datetime2">
               <a:rPr lang="zh-CN" altLang="en-US" smtClean="0"/>
               <a:pPr/>
-              <a:t>2019年3月17日</a:t>
+              <a:t>2019年6月29日 Saturday</a:t>
             </a:fld>
             <a:endParaRPr lang="zh-CN" altLang="en-US" dirty="0"/>
           </a:p>
@@ -14613,7 +14505,7 @@
       </a:lvl9pPr>
     </p:otherStyle>
   </p:txStyles>
-  <p:extLst mod="1">
+  <p:extLst>
     <p:ext uri="{27BBF7A9-308A-43DC-89C8-2F10F3537804}">
       <p15:sldGuideLst xmlns:p15="http://schemas.microsoft.com/office/powerpoint/2012/main">
         <p15:guide id="1" orient="horz" pos="2160" userDrawn="1">
@@ -14666,18 +14558,13 @@
           <a:p>
             <a:pPr rtl="0"/>
             <a:r>
-              <a:rPr lang="zh-CN" altLang="en-US" dirty="0" smtClean="0">
+              <a:rPr lang="zh-CN" altLang="en-US" dirty="0">
                 <a:latin typeface="Arial" panose="020B0604020202020204" pitchFamily="34" charset="0"/>
                 <a:ea typeface="微软雅黑" panose="020B0503020204020204" pitchFamily="34" charset="-122"/>
                 <a:sym typeface="Arial" panose="020B0604020202020204" pitchFamily="34" charset="0"/>
               </a:rPr>
               <a:t>物流系统建模与仿真</a:t>
             </a:r>
-            <a:endParaRPr lang="zh-CN" altLang="en-US" dirty="0">
-              <a:latin typeface="Arial" panose="020B0604020202020204" pitchFamily="34" charset="0"/>
-              <a:ea typeface="微软雅黑" panose="020B0503020204020204" pitchFamily="34" charset="-122"/>
-              <a:sym typeface="Arial" panose="020B0604020202020204" pitchFamily="34" charset="0"/>
-            </a:endParaRPr>
           </a:p>
         </p:txBody>
       </p:sp>
@@ -14698,18 +14585,13 @@
           <a:p>
             <a:pPr rtl="0"/>
             <a:r>
-              <a:rPr lang="zh-CN" altLang="en-US" dirty="0" smtClean="0">
+              <a:rPr lang="zh-CN" altLang="en-US" dirty="0">
                 <a:latin typeface="Arial" panose="020B0604020202020204" pitchFamily="34" charset="0"/>
                 <a:ea typeface="微软雅黑" panose="020B0503020204020204" pitchFamily="34" charset="-122"/>
                 <a:sym typeface="Arial" panose="020B0604020202020204" pitchFamily="34" charset="0"/>
               </a:rPr>
               <a:t>第五节 系统结构与系统方程</a:t>
             </a:r>
-            <a:endParaRPr lang="zh-CN" altLang="en-US" dirty="0">
-              <a:latin typeface="Arial" panose="020B0604020202020204" pitchFamily="34" charset="0"/>
-              <a:ea typeface="微软雅黑" panose="020B0503020204020204" pitchFamily="34" charset="-122"/>
-              <a:sym typeface="Arial" panose="020B0604020202020204" pitchFamily="34" charset="0"/>
-            </a:endParaRPr>
           </a:p>
         </p:txBody>
       </p:sp>
@@ -14735,13 +14617,6 @@
       </p:transition>
     </mc:Fallback>
   </mc:AlternateContent>
-  <p:timing>
-    <p:tnLst>
-      <p:par>
-        <p:cTn id="1" dur="indefinite" restart="never" nodeType="tmRoot"/>
-      </p:par>
-    </p:tnLst>
-  </p:timing>
 </p:sld>
 </file>
 
@@ -14778,14 +14653,13 @@
           <a:lstStyle/>
           <a:p>
             <a:r>
-              <a:rPr lang="en-US" altLang="zh-CN" dirty="0" smtClean="0"/>
+              <a:rPr lang="en-US" altLang="zh-CN" dirty="0"/>
               <a:t>DYNAMO</a:t>
             </a:r>
             <a:r>
-              <a:rPr lang="zh-CN" altLang="en-US" dirty="0" smtClean="0"/>
+              <a:rPr lang="zh-CN" altLang="en-US" dirty="0"/>
               <a:t>方程规范</a:t>
             </a:r>
-            <a:endParaRPr lang="zh-CN" altLang="en-US" dirty="0"/>
           </a:p>
         </p:txBody>
       </p:sp>
@@ -14817,14 +14691,14 @@
               </a:lnSpc>
             </a:pPr>
             <a:r>
-              <a:rPr lang="en-US" altLang="zh-CN" dirty="0" smtClean="0"/>
+              <a:rPr lang="en-US" altLang="zh-CN" dirty="0"/>
               <a:t>DYNAMO</a:t>
             </a:r>
             <a:r>
-              <a:rPr lang="zh-CN" altLang="en-US" dirty="0" smtClean="0"/>
+              <a:rPr lang="zh-CN" altLang="en-US" dirty="0"/>
               <a:t>方程在命名中的规范：</a:t>
             </a:r>
-            <a:endParaRPr lang="en-US" altLang="zh-CN" dirty="0" smtClean="0"/>
+            <a:endParaRPr lang="en-US" altLang="zh-CN" dirty="0"/>
           </a:p>
           <a:p>
             <a:pPr lvl="1">
@@ -14833,10 +14707,10 @@
               </a:lnSpc>
             </a:pPr>
             <a:r>
-              <a:rPr lang="zh-CN" altLang="en-US" dirty="0" smtClean="0"/>
+              <a:rPr lang="zh-CN" altLang="en-US" dirty="0"/>
               <a:t>方程必须有类型，需写在第一列</a:t>
             </a:r>
-            <a:endParaRPr lang="en-US" altLang="zh-CN" dirty="0" smtClean="0"/>
+            <a:endParaRPr lang="en-US" altLang="zh-CN" dirty="0"/>
           </a:p>
           <a:p>
             <a:pPr lvl="1">
@@ -14845,18 +14719,18 @@
               </a:lnSpc>
             </a:pPr>
             <a:r>
-              <a:rPr lang="zh-CN" altLang="en-US" dirty="0" smtClean="0"/>
+              <a:rPr lang="zh-CN" altLang="en-US" dirty="0"/>
               <a:t>变量字符不超过</a:t>
             </a:r>
             <a:r>
-              <a:rPr lang="en-US" altLang="zh-CN" dirty="0" smtClean="0"/>
+              <a:rPr lang="en-US" altLang="zh-CN" dirty="0"/>
               <a:t>6</a:t>
             </a:r>
             <a:r>
-              <a:rPr lang="zh-CN" altLang="en-US" dirty="0" smtClean="0"/>
+              <a:rPr lang="zh-CN" altLang="en-US" dirty="0"/>
               <a:t>个（防止名称过长），首字母大写，必须以字符开头，不可用数字开头</a:t>
             </a:r>
-            <a:endParaRPr lang="en-US" altLang="zh-CN" dirty="0" smtClean="0"/>
+            <a:endParaRPr lang="en-US" altLang="zh-CN" dirty="0"/>
           </a:p>
           <a:p>
             <a:pPr lvl="1">
@@ -14874,21 +14748,17 @@
             </a:r>
             <a:r>
               <a:rPr lang="zh-CN" altLang="en-US" dirty="0"/>
-              <a:t>）不加</a:t>
-            </a:r>
-            <a:r>
-              <a:rPr lang="zh-CN" altLang="en-US" dirty="0" smtClean="0"/>
-              <a:t>下标，下标</a:t>
-            </a:r>
-            <a:r>
-              <a:rPr lang="en-US" altLang="zh-CN" dirty="0" smtClean="0"/>
+              <a:t>）不加下标，下标</a:t>
+            </a:r>
+            <a:r>
+              <a:rPr lang="en-US" altLang="zh-CN" dirty="0"/>
               <a:t>J K L</a:t>
             </a:r>
             <a:r>
-              <a:rPr lang="zh-CN" altLang="en-US" dirty="0" smtClean="0"/>
+              <a:rPr lang="zh-CN" altLang="en-US" dirty="0"/>
               <a:t>分别代表过去、现在、未来</a:t>
             </a:r>
-            <a:endParaRPr lang="en-US" altLang="zh-CN" dirty="0" smtClean="0"/>
+            <a:endParaRPr lang="en-US" altLang="zh-CN" dirty="0"/>
           </a:p>
           <a:p>
             <a:pPr lvl="1">
@@ -14897,10 +14767,9 @@
               </a:lnSpc>
             </a:pPr>
             <a:r>
-              <a:rPr lang="zh-CN" altLang="en-US" dirty="0" smtClean="0"/>
+              <a:rPr lang="zh-CN" altLang="en-US" dirty="0"/>
               <a:t>所有方程必须可计算</a:t>
             </a:r>
-            <a:endParaRPr lang="zh-CN" altLang="en-US" dirty="0"/>
           </a:p>
         </p:txBody>
       </p:sp>
@@ -15095,10 +14964,10 @@
               <a:buNone/>
             </a:pPr>
             <a:r>
-              <a:rPr lang="zh-CN" altLang="en-US" sz="2000" dirty="0" smtClean="0"/>
+              <a:rPr lang="zh-CN" altLang="en-US" sz="2000" dirty="0"/>
               <a:t>方程类型</a:t>
             </a:r>
-            <a:endParaRPr lang="en-US" altLang="zh-CN" sz="2000" dirty="0" smtClean="0"/>
+            <a:endParaRPr lang="en-US" altLang="zh-CN" sz="2000" dirty="0"/>
           </a:p>
           <a:p>
             <a:pPr marL="0" indent="0">
@@ -15106,14 +14975,14 @@
               <a:buNone/>
             </a:pPr>
             <a:r>
-              <a:rPr lang="en-US" altLang="zh-CN" sz="2000" dirty="0" smtClean="0"/>
+              <a:rPr lang="en-US" altLang="zh-CN" sz="2000" dirty="0"/>
               <a:t>L </a:t>
             </a:r>
             <a:r>
-              <a:rPr lang="zh-CN" altLang="en-US" sz="2000" dirty="0" smtClean="0"/>
+              <a:rPr lang="zh-CN" altLang="en-US" sz="2000" dirty="0"/>
               <a:t>状态变量方程</a:t>
             </a:r>
-            <a:endParaRPr lang="en-US" altLang="zh-CN" sz="2000" dirty="0" smtClean="0"/>
+            <a:endParaRPr lang="en-US" altLang="zh-CN" sz="2000" dirty="0"/>
           </a:p>
           <a:p>
             <a:pPr marL="0" indent="0">
@@ -15135,14 +15004,14 @@
               <a:buNone/>
             </a:pPr>
             <a:r>
-              <a:rPr lang="en-US" altLang="zh-CN" sz="2000" dirty="0" smtClean="0"/>
+              <a:rPr lang="en-US" altLang="zh-CN" sz="2000" dirty="0"/>
               <a:t>R </a:t>
             </a:r>
             <a:r>
-              <a:rPr lang="zh-CN" altLang="en-US" sz="2000" dirty="0" smtClean="0"/>
+              <a:rPr lang="zh-CN" altLang="en-US" sz="2000" dirty="0"/>
               <a:t>速率方程</a:t>
             </a:r>
-            <a:endParaRPr lang="en-US" altLang="zh-CN" sz="2000" dirty="0" smtClean="0"/>
+            <a:endParaRPr lang="en-US" altLang="zh-CN" sz="2000" dirty="0"/>
           </a:p>
           <a:p>
             <a:pPr marL="0" indent="0">
@@ -15150,14 +15019,14 @@
               <a:buNone/>
             </a:pPr>
             <a:r>
-              <a:rPr lang="en-US" altLang="zh-CN" sz="2000" dirty="0" smtClean="0"/>
+              <a:rPr lang="en-US" altLang="zh-CN" sz="2000" dirty="0"/>
               <a:t>A </a:t>
             </a:r>
             <a:r>
-              <a:rPr lang="zh-CN" altLang="en-US" sz="2000" dirty="0" smtClean="0"/>
+              <a:rPr lang="zh-CN" altLang="en-US" sz="2000" dirty="0"/>
               <a:t>辅助方程</a:t>
             </a:r>
-            <a:endParaRPr lang="en-US" altLang="zh-CN" sz="2000" dirty="0" smtClean="0"/>
+            <a:endParaRPr lang="en-US" altLang="zh-CN" sz="2000" dirty="0"/>
           </a:p>
           <a:p>
             <a:pPr marL="0" indent="0">
@@ -15165,14 +15034,14 @@
               <a:buNone/>
             </a:pPr>
             <a:r>
-              <a:rPr lang="en-US" altLang="zh-CN" sz="2000" dirty="0" smtClean="0"/>
+              <a:rPr lang="en-US" altLang="zh-CN" sz="2000" dirty="0"/>
               <a:t>C </a:t>
             </a:r>
             <a:r>
-              <a:rPr lang="zh-CN" altLang="en-US" sz="2000" dirty="0" smtClean="0"/>
+              <a:rPr lang="zh-CN" altLang="en-US" sz="2000" dirty="0"/>
               <a:t>常数方程</a:t>
             </a:r>
-            <a:endParaRPr lang="en-US" altLang="zh-CN" sz="2000" dirty="0" smtClean="0"/>
+            <a:endParaRPr lang="en-US" altLang="zh-CN" sz="2000" dirty="0"/>
           </a:p>
           <a:p>
             <a:pPr marL="0" indent="0">
@@ -15180,22 +15049,21 @@
               <a:buNone/>
             </a:pPr>
             <a:r>
-              <a:rPr lang="en-US" altLang="zh-CN" sz="2000" dirty="0" smtClean="0"/>
+              <a:rPr lang="en-US" altLang="zh-CN" sz="2000" dirty="0"/>
               <a:t>T </a:t>
             </a:r>
             <a:r>
-              <a:rPr lang="zh-CN" altLang="en-US" sz="2000" dirty="0" smtClean="0"/>
+              <a:rPr lang="zh-CN" altLang="en-US" sz="2000" dirty="0"/>
               <a:t>表函数中的</a:t>
             </a:r>
             <a:r>
-              <a:rPr lang="en-US" altLang="zh-CN" sz="2000" dirty="0" smtClean="0"/>
+              <a:rPr lang="en-US" altLang="zh-CN" sz="2000" dirty="0"/>
               <a:t>Y</a:t>
             </a:r>
             <a:r>
-              <a:rPr lang="zh-CN" altLang="en-US" sz="2000" dirty="0" smtClean="0"/>
+              <a:rPr lang="zh-CN" altLang="en-US" sz="2000" dirty="0"/>
               <a:t>坐标</a:t>
             </a:r>
-            <a:endParaRPr lang="zh-CN" altLang="en-US" sz="2000" dirty="0"/>
           </a:p>
         </p:txBody>
       </p:sp>
@@ -15221,13 +15089,6 @@
       </p:transition>
     </mc:Fallback>
   </mc:AlternateContent>
-  <p:timing>
-    <p:tnLst>
-      <p:par>
-        <p:cTn id="1" dur="indefinite" restart="never" nodeType="tmRoot"/>
-      </p:par>
-    </p:tnLst>
-  </p:timing>
 </p:sld>
 </file>
 
@@ -15299,71 +15160,70 @@
           <a:lstStyle/>
           <a:p>
             <a:r>
-              <a:rPr lang="en-US" altLang="zh-CN" dirty="0" smtClean="0"/>
+              <a:rPr lang="en-US" altLang="zh-CN" dirty="0"/>
               <a:t>INV.K=INV.J+(INFLOW.JK-OUTFLOW.JK)*DT</a:t>
             </a:r>
           </a:p>
           <a:p>
             <a:r>
-              <a:rPr lang="zh-CN" altLang="en-US" dirty="0" smtClean="0"/>
+              <a:rPr lang="zh-CN" altLang="en-US" dirty="0"/>
               <a:t>式中</a:t>
             </a:r>
-            <a:endParaRPr lang="en-US" altLang="zh-CN" dirty="0" smtClean="0"/>
-          </a:p>
-          <a:p>
-            <a:r>
-              <a:rPr lang="en-US" altLang="zh-CN" dirty="0" smtClean="0"/>
+            <a:endParaRPr lang="en-US" altLang="zh-CN" dirty="0"/>
+          </a:p>
+          <a:p>
+            <a:r>
+              <a:rPr lang="en-US" altLang="zh-CN" dirty="0"/>
               <a:t>INV.K:</a:t>
             </a:r>
             <a:r>
-              <a:rPr lang="zh-CN" altLang="en-US" dirty="0" smtClean="0"/>
+              <a:rPr lang="zh-CN" altLang="en-US" dirty="0"/>
               <a:t>库存现有量</a:t>
             </a:r>
-            <a:endParaRPr lang="en-US" altLang="zh-CN" dirty="0" smtClean="0"/>
-          </a:p>
-          <a:p>
-            <a:r>
-              <a:rPr lang="en-US" altLang="zh-CN" dirty="0" smtClean="0"/>
+            <a:endParaRPr lang="en-US" altLang="zh-CN" dirty="0"/>
+          </a:p>
+          <a:p>
+            <a:r>
+              <a:rPr lang="en-US" altLang="zh-CN" dirty="0"/>
               <a:t>INV.J:DT</a:t>
             </a:r>
             <a:r>
-              <a:rPr lang="zh-CN" altLang="en-US" dirty="0" smtClean="0"/>
+              <a:rPr lang="zh-CN" altLang="en-US" dirty="0"/>
               <a:t>前的库存量</a:t>
             </a:r>
-            <a:endParaRPr lang="en-US" altLang="zh-CN" dirty="0" smtClean="0"/>
-          </a:p>
-          <a:p>
-            <a:r>
-              <a:rPr lang="en-US" altLang="zh-CN" dirty="0" smtClean="0"/>
+            <a:endParaRPr lang="en-US" altLang="zh-CN" dirty="0"/>
+          </a:p>
+          <a:p>
+            <a:r>
+              <a:rPr lang="en-US" altLang="zh-CN" dirty="0"/>
               <a:t>DT: </a:t>
             </a:r>
             <a:r>
-              <a:rPr lang="zh-CN" altLang="en-US" dirty="0" smtClean="0"/>
+              <a:rPr lang="zh-CN" altLang="en-US" dirty="0"/>
               <a:t>时间间隔</a:t>
             </a:r>
-            <a:endParaRPr lang="en-US" altLang="zh-CN" dirty="0" smtClean="0"/>
-          </a:p>
-          <a:p>
-            <a:r>
-              <a:rPr lang="en-US" altLang="zh-CN" dirty="0" smtClean="0"/>
+            <a:endParaRPr lang="en-US" altLang="zh-CN" dirty="0"/>
+          </a:p>
+          <a:p>
+            <a:r>
+              <a:rPr lang="en-US" altLang="zh-CN" dirty="0"/>
               <a:t>INFLOW.JK :JK</a:t>
             </a:r>
             <a:r>
-              <a:rPr lang="zh-CN" altLang="en-US" dirty="0" smtClean="0"/>
+              <a:rPr lang="zh-CN" altLang="en-US" dirty="0"/>
               <a:t>时间内的订货</a:t>
             </a:r>
-            <a:endParaRPr lang="en-US" altLang="zh-CN" dirty="0" smtClean="0"/>
-          </a:p>
-          <a:p>
-            <a:r>
-              <a:rPr lang="en-US" altLang="zh-CN" dirty="0" smtClean="0"/>
+            <a:endParaRPr lang="en-US" altLang="zh-CN" dirty="0"/>
+          </a:p>
+          <a:p>
+            <a:r>
+              <a:rPr lang="en-US" altLang="zh-CN" dirty="0"/>
               <a:t>OUTFLOW.JK : JK</a:t>
             </a:r>
             <a:r>
-              <a:rPr lang="zh-CN" altLang="en-US" dirty="0" smtClean="0"/>
+              <a:rPr lang="zh-CN" altLang="en-US" dirty="0"/>
               <a:t>时间内的发货</a:t>
             </a:r>
-            <a:endParaRPr lang="zh-CN" altLang="en-US" dirty="0"/>
           </a:p>
         </p:txBody>
       </p:sp>
@@ -15390,7 +15250,7 @@
           <a:lstStyle/>
           <a:p>
             <a:r>
-              <a:rPr lang="en-US" altLang="zh-CN" i="1" dirty="0" smtClean="0">
+              <a:rPr lang="en-US" altLang="zh-CN" i="1" dirty="0">
                 <a:solidFill>
                   <a:srgbClr val="FF0000"/>
                 </a:solidFill>
@@ -15398,7 +15258,7 @@
               <a:t>J K L </a:t>
             </a:r>
             <a:r>
-              <a:rPr lang="zh-CN" altLang="en-US" dirty="0" smtClean="0">
+              <a:rPr lang="zh-CN" altLang="en-US" dirty="0">
                 <a:solidFill>
                   <a:srgbClr val="FF0000"/>
                 </a:solidFill>
@@ -15406,7 +15266,7 @@
               <a:t>是</a:t>
             </a:r>
             <a:r>
-              <a:rPr lang="en-US" altLang="zh-CN" dirty="0" smtClean="0">
+              <a:rPr lang="en-US" altLang="zh-CN" dirty="0">
                 <a:solidFill>
                   <a:srgbClr val="FF0000"/>
                 </a:solidFill>
@@ -15414,18 +15274,13 @@
               <a:t>DYNAMO</a:t>
             </a:r>
             <a:r>
-              <a:rPr lang="zh-CN" altLang="en-US" dirty="0" smtClean="0">
+              <a:rPr lang="zh-CN" altLang="en-US" dirty="0">
                 <a:solidFill>
                   <a:srgbClr val="FF0000"/>
                 </a:solidFill>
               </a:rPr>
               <a:t>表达式的时间下标规范</a:t>
             </a:r>
-            <a:endParaRPr lang="zh-CN" altLang="en-US" dirty="0">
-              <a:solidFill>
-                <a:srgbClr val="FF0000"/>
-              </a:solidFill>
-            </a:endParaRPr>
           </a:p>
         </p:txBody>
       </p:sp>
@@ -15481,15 +15336,15 @@
               </a:lnSpc>
             </a:pPr>
             <a:r>
-              <a:rPr lang="en-US" altLang="zh-CN" dirty="0" smtClean="0"/>
+              <a:rPr lang="en-US" altLang="zh-CN" dirty="0"/>
               <a:t>L INV.K=</a:t>
             </a:r>
             <a:r>
-              <a:rPr lang="en-US" altLang="zh-CN" dirty="0" err="1" smtClean="0"/>
+              <a:rPr lang="en-US" altLang="zh-CN" dirty="0" err="1"/>
               <a:t>Stock.J</a:t>
             </a:r>
             <a:r>
-              <a:rPr lang="en-US" altLang="zh-CN" dirty="0" smtClean="0"/>
+              <a:rPr lang="en-US" altLang="zh-CN" dirty="0"/>
               <a:t>+(INFLOW.JK-OUTFLOW.JK)*DT</a:t>
             </a:r>
           </a:p>
@@ -15500,7 +15355,7 @@
               </a:lnSpc>
             </a:pPr>
             <a:r>
-              <a:rPr lang="en-US" altLang="zh-CN" dirty="0" smtClean="0"/>
+              <a:rPr lang="en-US" altLang="zh-CN" dirty="0"/>
               <a:t>N INV=60</a:t>
             </a:r>
           </a:p>
@@ -15511,7 +15366,7 @@
               </a:lnSpc>
             </a:pPr>
             <a:r>
-              <a:rPr lang="en-US" altLang="zh-CN" dirty="0" smtClean="0"/>
+              <a:rPr lang="en-US" altLang="zh-CN" dirty="0"/>
               <a:t>R INFLOW.KL=1.2</a:t>
             </a:r>
           </a:p>
@@ -15522,7 +15377,7 @@
               </a:lnSpc>
             </a:pPr>
             <a:r>
-              <a:rPr lang="en-US" altLang="zh-CN" dirty="0" smtClean="0"/>
+              <a:rPr lang="en-US" altLang="zh-CN" dirty="0"/>
               <a:t>R OUTFLOW.KL=1.1</a:t>
             </a:r>
             <a:endParaRPr lang="zh-CN" altLang="en-US" dirty="0"/>
@@ -15552,26 +15407,25 @@
           <a:lstStyle/>
           <a:p>
             <a:r>
-              <a:rPr lang="zh-CN" altLang="en-US" dirty="0" smtClean="0"/>
+              <a:rPr lang="zh-CN" altLang="en-US" dirty="0"/>
               <a:t>例：考虑一个简单的输入输出系统，每月的发货出库</a:t>
             </a:r>
             <a:r>
-              <a:rPr lang="en-US" altLang="zh-CN" dirty="0" smtClean="0"/>
+              <a:rPr lang="en-US" altLang="zh-CN" dirty="0"/>
               <a:t>OUTFLOW</a:t>
             </a:r>
             <a:r>
-              <a:rPr lang="zh-CN" altLang="en-US" dirty="0" smtClean="0"/>
+              <a:rPr lang="zh-CN" altLang="en-US" dirty="0"/>
               <a:t>和入库补货</a:t>
             </a:r>
             <a:r>
-              <a:rPr lang="en-US" altLang="zh-CN" dirty="0" smtClean="0"/>
+              <a:rPr lang="en-US" altLang="zh-CN" dirty="0"/>
               <a:t>INFLOW</a:t>
             </a:r>
             <a:r>
-              <a:rPr lang="zh-CN" altLang="en-US" dirty="0" smtClean="0"/>
+              <a:rPr lang="zh-CN" altLang="en-US" dirty="0"/>
               <a:t>都是常数</a:t>
             </a:r>
-            <a:endParaRPr lang="zh-CN" altLang="en-US" dirty="0"/>
           </a:p>
         </p:txBody>
       </p:sp>
@@ -15801,10 +15655,9 @@
           <a:lstStyle/>
           <a:p>
             <a:r>
-              <a:rPr lang="zh-CN" altLang="en-US" dirty="0" smtClean="0"/>
+              <a:rPr lang="zh-CN" altLang="en-US" dirty="0"/>
               <a:t>方程类型</a:t>
             </a:r>
-            <a:endParaRPr lang="zh-CN" altLang="en-US" dirty="0"/>
           </a:p>
         </p:txBody>
       </p:sp>
@@ -15829,25 +15682,25 @@
           <a:lstStyle/>
           <a:p>
             <a:r>
-              <a:rPr lang="en-US" altLang="zh-CN" dirty="0" smtClean="0"/>
+              <a:rPr lang="en-US" altLang="zh-CN" dirty="0"/>
               <a:t>L </a:t>
             </a:r>
             <a:r>
-              <a:rPr lang="zh-CN" altLang="en-US" dirty="0" smtClean="0"/>
+              <a:rPr lang="zh-CN" altLang="en-US" dirty="0"/>
               <a:t>类型：状态方程</a:t>
             </a:r>
-            <a:endParaRPr lang="en-US" altLang="zh-CN" dirty="0" smtClean="0"/>
-          </a:p>
-          <a:p>
-            <a:r>
-              <a:rPr lang="en-US" altLang="zh-CN" dirty="0" smtClean="0"/>
+            <a:endParaRPr lang="en-US" altLang="zh-CN" dirty="0"/>
+          </a:p>
+          <a:p>
+            <a:r>
+              <a:rPr lang="en-US" altLang="zh-CN" dirty="0"/>
               <a:t>N</a:t>
             </a:r>
             <a:r>
-              <a:rPr lang="zh-CN" altLang="en-US" dirty="0" smtClean="0"/>
+              <a:rPr lang="zh-CN" altLang="en-US" dirty="0"/>
               <a:t>类型：初始值类型</a:t>
             </a:r>
-            <a:endParaRPr lang="en-US" altLang="zh-CN" dirty="0" smtClean="0"/>
+            <a:endParaRPr lang="en-US" altLang="zh-CN" dirty="0"/>
           </a:p>
           <a:p>
             <a:endParaRPr lang="zh-CN" altLang="en-US" dirty="0"/>
@@ -15877,13 +15730,13 @@
           <a:lstStyle/>
           <a:p>
             <a:r>
-              <a:rPr lang="en-US" altLang="zh-CN" dirty="0" smtClean="0"/>
+              <a:rPr lang="en-US" altLang="zh-CN" dirty="0"/>
               <a:t>L  INV.K=INV.J+(INFLOW.JK-OUTFLOW.JK)*DT</a:t>
             </a:r>
           </a:p>
           <a:p>
             <a:r>
-              <a:rPr lang="en-US" altLang="zh-CN" dirty="0" smtClean="0"/>
+              <a:rPr lang="en-US" altLang="zh-CN" dirty="0"/>
               <a:t>N  INV=100</a:t>
             </a:r>
             <a:endParaRPr lang="zh-CN" altLang="en-US" dirty="0"/>
@@ -15913,7 +15766,7 @@
           <a:lstStyle/>
           <a:p>
             <a:r>
-              <a:rPr lang="zh-CN" altLang="en-US" smtClean="0">
+              <a:rPr lang="zh-CN" altLang="en-US">
                 <a:solidFill>
                   <a:srgbClr val="FF0000"/>
                 </a:solidFill>
@@ -15921,7 +15774,7 @@
               <a:t>规范：方程</a:t>
             </a:r>
             <a:r>
-              <a:rPr lang="zh-CN" altLang="en-US" dirty="0" smtClean="0">
+              <a:rPr lang="zh-CN" altLang="en-US" dirty="0">
                 <a:solidFill>
                   <a:srgbClr val="FF0000"/>
                 </a:solidFill>
@@ -15929,7 +15782,7 @@
               <a:t>前要</a:t>
             </a:r>
             <a:r>
-              <a:rPr lang="zh-CN" altLang="en-US" smtClean="0">
+              <a:rPr lang="zh-CN" altLang="en-US">
                 <a:solidFill>
                   <a:srgbClr val="FF0000"/>
                 </a:solidFill>
@@ -16131,14 +15984,14 @@
           </a:lstStyle>
           <a:p>
             <a:r>
-              <a:rPr lang="en-US" altLang="zh-CN" dirty="0" smtClean="0"/>
+              <a:rPr lang="en-US" altLang="zh-CN" dirty="0"/>
               <a:t>R </a:t>
             </a:r>
             <a:r>
-              <a:rPr lang="zh-CN" altLang="en-US" dirty="0" smtClean="0"/>
+              <a:rPr lang="zh-CN" altLang="en-US" dirty="0"/>
               <a:t>速率方程（流量）</a:t>
             </a:r>
-            <a:endParaRPr lang="en-US" altLang="zh-CN" dirty="0" smtClean="0"/>
+            <a:endParaRPr lang="en-US" altLang="zh-CN" dirty="0"/>
           </a:p>
           <a:p>
             <a:pPr marL="0" indent="0">
@@ -16146,10 +15999,10 @@
               <a:buNone/>
             </a:pPr>
             <a:r>
-              <a:rPr lang="zh-CN" altLang="en-US" sz="2000" dirty="0" smtClean="0"/>
+              <a:rPr lang="zh-CN" altLang="en-US" sz="2000" dirty="0"/>
               <a:t>特点：</a:t>
             </a:r>
-            <a:endParaRPr lang="en-US" altLang="zh-CN" sz="2000" dirty="0" smtClean="0"/>
+            <a:endParaRPr lang="en-US" altLang="zh-CN" sz="2000" dirty="0"/>
           </a:p>
           <a:p>
             <a:pPr>
@@ -16157,10 +16010,10 @@
               <a:buChar char="l"/>
             </a:pPr>
             <a:r>
-              <a:rPr lang="zh-CN" altLang="en-US" sz="2000" dirty="0" smtClean="0"/>
+              <a:rPr lang="zh-CN" altLang="en-US" sz="2000" dirty="0"/>
               <a:t>速率方程无固定格式</a:t>
             </a:r>
-            <a:endParaRPr lang="en-US" altLang="zh-CN" sz="2000" dirty="0" smtClean="0"/>
+            <a:endParaRPr lang="en-US" altLang="zh-CN" sz="2000" dirty="0"/>
           </a:p>
           <a:p>
             <a:pPr>
@@ -16168,42 +16021,42 @@
               <a:buChar char="l"/>
             </a:pPr>
             <a:r>
-              <a:rPr lang="zh-CN" altLang="en-US" sz="2000" dirty="0" smtClean="0"/>
+              <a:rPr lang="zh-CN" altLang="en-US" sz="2000" dirty="0"/>
               <a:t>速率方程在</a:t>
             </a:r>
             <a:r>
-              <a:rPr lang="en-US" altLang="zh-CN" sz="2000" dirty="0" smtClean="0"/>
+              <a:rPr lang="en-US" altLang="zh-CN" sz="2000" dirty="0"/>
               <a:t>K</a:t>
             </a:r>
             <a:r>
-              <a:rPr lang="zh-CN" altLang="en-US" sz="2000" dirty="0" smtClean="0"/>
+              <a:rPr lang="zh-CN" altLang="en-US" sz="2000" dirty="0"/>
               <a:t>时刻计算，由</a:t>
             </a:r>
             <a:r>
-              <a:rPr lang="en-US" altLang="zh-CN" sz="2000" dirty="0" smtClean="0"/>
+              <a:rPr lang="en-US" altLang="zh-CN" sz="2000" dirty="0"/>
               <a:t>K</a:t>
             </a:r>
             <a:r>
-              <a:rPr lang="zh-CN" altLang="en-US" sz="2000" dirty="0" smtClean="0"/>
+              <a:rPr lang="zh-CN" altLang="en-US" sz="2000" dirty="0"/>
               <a:t>至</a:t>
             </a:r>
             <a:r>
-              <a:rPr lang="en-US" altLang="zh-CN" sz="2000" dirty="0" smtClean="0"/>
+              <a:rPr lang="en-US" altLang="zh-CN" sz="2000" dirty="0"/>
               <a:t>L</a:t>
             </a:r>
             <a:r>
-              <a:rPr lang="zh-CN" altLang="en-US" sz="2000" dirty="0" smtClean="0"/>
+              <a:rPr lang="zh-CN" altLang="en-US" sz="2000" dirty="0"/>
               <a:t>的</a:t>
             </a:r>
             <a:r>
-              <a:rPr lang="en-US" altLang="zh-CN" sz="2000" dirty="0" smtClean="0"/>
+              <a:rPr lang="en-US" altLang="zh-CN" sz="2000" dirty="0"/>
               <a:t>DT</a:t>
             </a:r>
             <a:r>
-              <a:rPr lang="zh-CN" altLang="en-US" sz="2000" dirty="0" smtClean="0"/>
+              <a:rPr lang="zh-CN" altLang="en-US" sz="2000" dirty="0"/>
               <a:t>时刻中保持不变</a:t>
             </a:r>
-            <a:endParaRPr lang="en-US" altLang="zh-CN" sz="2000" dirty="0" smtClean="0"/>
+            <a:endParaRPr lang="en-US" altLang="zh-CN" sz="2000" dirty="0"/>
           </a:p>
           <a:p>
             <a:pPr>
@@ -16211,7 +16064,7 @@
               <a:buChar char="l"/>
             </a:pPr>
             <a:r>
-              <a:rPr lang="zh-CN" altLang="en-US" sz="2000" dirty="0" smtClean="0">
+              <a:rPr lang="zh-CN" altLang="en-US" sz="2000" dirty="0">
                 <a:solidFill>
                   <a:srgbClr val="FF0000"/>
                 </a:solidFill>
@@ -16219,7 +16072,7 @@
               <a:t>时间下标为</a:t>
             </a:r>
             <a:r>
-              <a:rPr lang="en-US" altLang="zh-CN" sz="2000" dirty="0" smtClean="0">
+              <a:rPr lang="en-US" altLang="zh-CN" sz="2000" dirty="0">
                 <a:solidFill>
                   <a:srgbClr val="FF0000"/>
                 </a:solidFill>
@@ -16232,7 +16085,7 @@
               <a:buFont typeface="Wingdings" panose="05000000000000000000" pitchFamily="2" charset="2"/>
               <a:buChar char="l"/>
             </a:pPr>
-            <a:endParaRPr lang="zh-CN" altLang="en-US" dirty="0" smtClean="0"/>
+            <a:endParaRPr lang="zh-CN" altLang="en-US" dirty="0"/>
           </a:p>
         </p:txBody>
       </p:sp>
@@ -16259,18 +16112,13 @@
           <a:lstStyle/>
           <a:p>
             <a:r>
-              <a:rPr lang="zh-CN" altLang="en-US" smtClean="0">
+              <a:rPr lang="zh-CN" altLang="en-US">
                 <a:solidFill>
                   <a:srgbClr val="FF0000"/>
                 </a:solidFill>
               </a:rPr>
               <a:t>注意：速率方程的时间下表很特殊</a:t>
             </a:r>
-            <a:endParaRPr lang="zh-CN" altLang="en-US">
-              <a:solidFill>
-                <a:srgbClr val="FF0000"/>
-              </a:solidFill>
-            </a:endParaRPr>
           </a:p>
         </p:txBody>
       </p:sp>
@@ -16472,10 +16320,9 @@
           <a:lstStyle/>
           <a:p>
             <a:r>
-              <a:rPr lang="zh-CN" altLang="en-US" dirty="0" smtClean="0"/>
+              <a:rPr lang="zh-CN" altLang="en-US" dirty="0"/>
               <a:t>方程类型</a:t>
             </a:r>
-            <a:endParaRPr lang="zh-CN" altLang="en-US" dirty="0"/>
           </a:p>
         </p:txBody>
       </p:sp>
@@ -16500,62 +16347,58 @@
           <a:lstStyle/>
           <a:p>
             <a:r>
-              <a:rPr lang="en-US" altLang="zh-CN" dirty="0" smtClean="0"/>
+              <a:rPr lang="en-US" altLang="zh-CN" dirty="0"/>
               <a:t>C </a:t>
             </a:r>
             <a:r>
-              <a:rPr lang="zh-CN" altLang="en-US" dirty="0" smtClean="0"/>
+              <a:rPr lang="zh-CN" altLang="en-US" dirty="0"/>
               <a:t>方程  常数方程</a:t>
             </a:r>
-            <a:endParaRPr lang="en-US" altLang="zh-CN" dirty="0" smtClean="0"/>
+            <a:endParaRPr lang="en-US" altLang="zh-CN" dirty="0"/>
           </a:p>
           <a:p>
             <a:pPr lvl="1"/>
             <a:r>
-              <a:rPr lang="en-US" altLang="zh-CN" dirty="0" smtClean="0"/>
+              <a:rPr lang="en-US" altLang="zh-CN" dirty="0"/>
               <a:t>C</a:t>
             </a:r>
             <a:r>
-              <a:rPr lang="zh-CN" altLang="en-US" dirty="0" smtClean="0"/>
+              <a:rPr lang="zh-CN" altLang="en-US" dirty="0"/>
               <a:t>方程常用于给常数赋值，清晰列出重要参数</a:t>
             </a:r>
-            <a:endParaRPr lang="en-US" altLang="zh-CN" dirty="0" smtClean="0"/>
+            <a:endParaRPr lang="en-US" altLang="zh-CN" dirty="0"/>
           </a:p>
           <a:p>
             <a:pPr lvl="1"/>
             <a:r>
-              <a:rPr lang="en-US" altLang="zh-CN" dirty="0" smtClean="0"/>
+              <a:rPr lang="en-US" altLang="zh-CN" dirty="0"/>
               <a:t>C</a:t>
             </a:r>
             <a:r>
-              <a:rPr lang="zh-CN" altLang="en-US" dirty="0" smtClean="0"/>
+              <a:rPr lang="zh-CN" altLang="en-US" dirty="0"/>
               <a:t>方程无时间下标</a:t>
             </a:r>
-            <a:endParaRPr lang="en-US" altLang="zh-CN" dirty="0" smtClean="0"/>
-          </a:p>
-          <a:p>
-            <a:endParaRPr lang="en-US" altLang="zh-CN" dirty="0" smtClean="0"/>
-          </a:p>
-          <a:p>
-            <a:r>
-              <a:rPr lang="en-US" altLang="zh-CN" dirty="0" smtClean="0"/>
+            <a:endParaRPr lang="en-US" altLang="zh-CN" dirty="0"/>
+          </a:p>
+          <a:p>
+            <a:endParaRPr lang="en-US" altLang="zh-CN" dirty="0"/>
+          </a:p>
+          <a:p>
+            <a:r>
+              <a:rPr lang="en-US" altLang="zh-CN" dirty="0"/>
               <a:t>A</a:t>
             </a:r>
             <a:r>
-              <a:rPr lang="zh-CN" altLang="en-US" dirty="0" smtClean="0"/>
+              <a:rPr lang="zh-CN" altLang="en-US" dirty="0"/>
               <a:t>方程 辅助方程</a:t>
             </a:r>
-            <a:endParaRPr lang="en-US" altLang="zh-CN" dirty="0" smtClean="0"/>
+            <a:endParaRPr lang="en-US" altLang="zh-CN" dirty="0"/>
           </a:p>
           <a:p>
             <a:pPr lvl="1"/>
             <a:r>
-              <a:rPr lang="zh-CN" altLang="en-US" dirty="0" smtClean="0"/>
-              <a:t>系统</a:t>
-            </a:r>
-            <a:r>
               <a:rPr lang="zh-CN" altLang="en-US" dirty="0"/>
-              <a:t>之外的变量，不受系统影响</a:t>
+              <a:t>系统之外的变量，不受系统影响</a:t>
             </a:r>
             <a:endParaRPr lang="en-US" altLang="zh-CN" dirty="0"/>
           </a:p>
@@ -16587,18 +16430,13 @@
           <a:lstStyle/>
           <a:p>
             <a:r>
-              <a:rPr lang="zh-CN" altLang="en-US" dirty="0" smtClean="0">
+              <a:rPr lang="zh-CN" altLang="en-US" dirty="0">
                 <a:solidFill>
                   <a:srgbClr val="FF0000"/>
                 </a:solidFill>
               </a:rPr>
               <a:t>注意：常数方程并非可有可无，只是某个要素恰好就是固定值</a:t>
             </a:r>
-            <a:endParaRPr lang="zh-CN" altLang="en-US" dirty="0">
-              <a:solidFill>
-                <a:srgbClr val="FF0000"/>
-              </a:solidFill>
-            </a:endParaRPr>
           </a:p>
         </p:txBody>
       </p:sp>
@@ -16746,14 +16584,13 @@
           <a:lstStyle/>
           <a:p>
             <a:r>
-              <a:rPr lang="en-US" altLang="zh-CN" dirty="0" smtClean="0"/>
+              <a:rPr lang="en-US" altLang="zh-CN" dirty="0"/>
               <a:t>VENSIM</a:t>
             </a:r>
             <a:r>
-              <a:rPr lang="zh-CN" altLang="en-US" dirty="0" smtClean="0"/>
+              <a:rPr lang="zh-CN" altLang="en-US" dirty="0"/>
               <a:t>方程</a:t>
             </a:r>
-            <a:endParaRPr lang="zh-CN" altLang="en-US" dirty="0"/>
           </a:p>
         </p:txBody>
       </p:sp>
@@ -16773,14 +16610,13 @@
           <a:lstStyle/>
           <a:p>
             <a:r>
-              <a:rPr lang="en-US" altLang="zh-CN" dirty="0" smtClean="0"/>
+              <a:rPr lang="en-US" altLang="zh-CN" dirty="0"/>
               <a:t>DYNAMO</a:t>
             </a:r>
             <a:r>
-              <a:rPr lang="zh-CN" altLang="en-US" dirty="0" smtClean="0"/>
+              <a:rPr lang="zh-CN" altLang="en-US" dirty="0"/>
               <a:t>方程便于理解仿真系统如何计算，但随着系统越来越复杂，简化方程逐步被广泛接受。</a:t>
             </a:r>
-            <a:endParaRPr lang="zh-CN" altLang="en-US" dirty="0"/>
           </a:p>
         </p:txBody>
       </p:sp>
@@ -16831,30 +16667,30 @@
           <a:lstStyle/>
           <a:p>
             <a:r>
-              <a:rPr lang="en-US" altLang="zh-CN" dirty="0" smtClean="0"/>
+              <a:rPr lang="en-US" altLang="zh-CN" dirty="0"/>
               <a:t>VENSIM</a:t>
             </a:r>
             <a:r>
-              <a:rPr lang="zh-CN" altLang="en-US" dirty="0" smtClean="0"/>
+              <a:rPr lang="zh-CN" altLang="en-US" dirty="0"/>
               <a:t>表达式：</a:t>
             </a:r>
-            <a:endParaRPr lang="en-US" altLang="zh-CN" dirty="0" smtClean="0"/>
-          </a:p>
-          <a:p>
-            <a:r>
-              <a:rPr lang="en-US" altLang="zh-CN" dirty="0" smtClean="0"/>
+            <a:endParaRPr lang="en-US" altLang="zh-CN" dirty="0"/>
+          </a:p>
+          <a:p>
+            <a:r>
+              <a:rPr lang="en-US" altLang="zh-CN" dirty="0"/>
               <a:t>INV=INTEG(INFLOW-OUTFLOW,60)</a:t>
             </a:r>
           </a:p>
           <a:p>
             <a:r>
-              <a:rPr lang="en-US" altLang="zh-CN" dirty="0" smtClean="0"/>
+              <a:rPr lang="en-US" altLang="zh-CN" dirty="0"/>
               <a:t>INFLOW=1.2</a:t>
             </a:r>
           </a:p>
           <a:p>
             <a:r>
-              <a:rPr lang="en-US" altLang="zh-CN" dirty="0" smtClean="0"/>
+              <a:rPr lang="en-US" altLang="zh-CN" dirty="0"/>
               <a:t>OUTFLOW=1.1</a:t>
             </a:r>
             <a:endParaRPr lang="zh-CN" altLang="en-US" dirty="0"/>
@@ -16889,14 +16725,14 @@
               </a:lnSpc>
             </a:pPr>
             <a:r>
-              <a:rPr lang="en-US" altLang="zh-CN" dirty="0" smtClean="0"/>
+              <a:rPr lang="en-US" altLang="zh-CN" dirty="0"/>
               <a:t>DYNAMO</a:t>
             </a:r>
             <a:r>
-              <a:rPr lang="zh-CN" altLang="en-US" dirty="0" smtClean="0"/>
+              <a:rPr lang="zh-CN" altLang="en-US" dirty="0"/>
               <a:t>表达式：</a:t>
             </a:r>
-            <a:endParaRPr lang="en-US" altLang="zh-CN" dirty="0" smtClean="0"/>
+            <a:endParaRPr lang="en-US" altLang="zh-CN" dirty="0"/>
           </a:p>
           <a:p>
             <a:pPr>
@@ -16905,15 +16741,15 @@
               </a:lnSpc>
             </a:pPr>
             <a:r>
-              <a:rPr lang="en-US" altLang="zh-CN" dirty="0" smtClean="0"/>
+              <a:rPr lang="en-US" altLang="zh-CN" dirty="0"/>
               <a:t>L INV.K=</a:t>
             </a:r>
             <a:r>
-              <a:rPr lang="en-US" altLang="zh-CN" dirty="0" err="1" smtClean="0"/>
+              <a:rPr lang="en-US" altLang="zh-CN" dirty="0" err="1"/>
               <a:t>Stock.J</a:t>
             </a:r>
             <a:r>
-              <a:rPr lang="en-US" altLang="zh-CN" dirty="0" smtClean="0"/>
+              <a:rPr lang="en-US" altLang="zh-CN" dirty="0"/>
               <a:t>+(INFLOW.JK-OUTFLOW.JK)*DT</a:t>
             </a:r>
           </a:p>
@@ -16924,7 +16760,7 @@
               </a:lnSpc>
             </a:pPr>
             <a:r>
-              <a:rPr lang="en-US" altLang="zh-CN" dirty="0" smtClean="0"/>
+              <a:rPr lang="en-US" altLang="zh-CN" dirty="0"/>
               <a:t>N INV=60</a:t>
             </a:r>
           </a:p>
@@ -16935,7 +16771,7 @@
               </a:lnSpc>
             </a:pPr>
             <a:r>
-              <a:rPr lang="en-US" altLang="zh-CN" dirty="0" smtClean="0"/>
+              <a:rPr lang="en-US" altLang="zh-CN" dirty="0"/>
               <a:t>R INFLOW.KL=1.2</a:t>
             </a:r>
           </a:p>
@@ -16946,7 +16782,7 @@
               </a:lnSpc>
             </a:pPr>
             <a:r>
-              <a:rPr lang="en-US" altLang="zh-CN" dirty="0" smtClean="0"/>
+              <a:rPr lang="en-US" altLang="zh-CN" dirty="0"/>
               <a:t>R OUTFLOW.KL=1.1</a:t>
             </a:r>
             <a:endParaRPr lang="zh-CN" altLang="en-US" dirty="0"/>
@@ -17097,10 +16933,9 @@
           <a:lstStyle/>
           <a:p>
             <a:r>
-              <a:rPr lang="zh-CN" altLang="en-US" dirty="0" smtClean="0"/>
+              <a:rPr lang="zh-CN" altLang="en-US" dirty="0"/>
               <a:t>例：水温变化</a:t>
             </a:r>
-            <a:endParaRPr lang="zh-CN" altLang="en-US" dirty="0"/>
           </a:p>
         </p:txBody>
       </p:sp>
@@ -17130,7 +16965,7 @@
               <a:buNone/>
             </a:pPr>
             <a:r>
-              <a:rPr lang="en-US" altLang="zh-CN" sz="1600" dirty="0" smtClean="0"/>
+              <a:rPr lang="en-US" altLang="zh-CN" sz="1600" dirty="0"/>
               <a:t>L TEA.K=TEA.J+CHNG.JK*DT</a:t>
             </a:r>
           </a:p>
@@ -17139,7 +16974,7 @@
               <a:buNone/>
             </a:pPr>
             <a:r>
-              <a:rPr lang="en-US" altLang="zh-CN" sz="1600" dirty="0" smtClean="0"/>
+              <a:rPr lang="en-US" altLang="zh-CN" sz="1600" dirty="0"/>
               <a:t>N TEA=90</a:t>
             </a:r>
           </a:p>
@@ -17148,7 +16983,7 @@
               <a:buNone/>
             </a:pPr>
             <a:r>
-              <a:rPr lang="en-US" altLang="zh-CN" sz="1600" dirty="0" smtClean="0"/>
+              <a:rPr lang="en-US" altLang="zh-CN" sz="1600" dirty="0"/>
               <a:t>A DIST.K=ROOMT-TEA.K</a:t>
             </a:r>
           </a:p>
@@ -17157,7 +16992,7 @@
               <a:buNone/>
             </a:pPr>
             <a:r>
-              <a:rPr lang="en-US" altLang="zh-CN" sz="1600" dirty="0" smtClean="0"/>
+              <a:rPr lang="en-US" altLang="zh-CN" sz="1600" dirty="0"/>
               <a:t>R CHNG.KL=CNST*DIST.K</a:t>
             </a:r>
           </a:p>
@@ -17166,7 +17001,7 @@
               <a:buNone/>
             </a:pPr>
             <a:r>
-              <a:rPr lang="en-US" altLang="zh-CN" sz="1600" dirty="0" smtClean="0"/>
+              <a:rPr lang="en-US" altLang="zh-CN" sz="1600" dirty="0"/>
               <a:t>C CNST=0.2</a:t>
             </a:r>
           </a:p>
@@ -17175,7 +17010,7 @@
               <a:buNone/>
             </a:pPr>
             <a:r>
-              <a:rPr lang="en-US" altLang="zh-CN" sz="1600" dirty="0" smtClean="0"/>
+              <a:rPr lang="en-US" altLang="zh-CN" sz="1600" dirty="0"/>
               <a:t>C ROOMT=20</a:t>
             </a:r>
           </a:p>
@@ -17718,14 +17553,13 @@
           <a:lstStyle/>
           <a:p>
             <a:r>
-              <a:rPr lang="en-US" altLang="zh-CN" smtClean="0"/>
+              <a:rPr lang="en-US" altLang="zh-CN"/>
               <a:t>VENSIM</a:t>
             </a:r>
             <a:r>
-              <a:rPr lang="zh-CN" altLang="en-US" smtClean="0"/>
+              <a:rPr lang="zh-CN" altLang="en-US"/>
               <a:t>表达式</a:t>
             </a:r>
-            <a:endParaRPr lang="zh-CN" altLang="en-US"/>
           </a:p>
         </p:txBody>
       </p:sp>
@@ -17755,7 +17589,7 @@
               <a:buNone/>
             </a:pPr>
             <a:r>
-              <a:rPr lang="en-US" altLang="zh-CN" sz="2000" dirty="0" smtClean="0"/>
+              <a:rPr lang="en-US" altLang="zh-CN" sz="2000" dirty="0"/>
               <a:t>TEA=INTEG(CHNG,90)</a:t>
             </a:r>
           </a:p>
@@ -17764,17 +17598,16 @@
               <a:buNone/>
             </a:pPr>
             <a:r>
-              <a:rPr lang="en-US" altLang="zh-CN" sz="2000" dirty="0" smtClean="0"/>
+              <a:rPr lang="en-US" altLang="zh-CN" sz="2000" dirty="0"/>
               <a:t>CHNG=DIST*CNST</a:t>
             </a:r>
-            <a:endParaRPr lang="en-US" altLang="zh-CN" sz="2000" dirty="0" smtClean="0"/>
           </a:p>
           <a:p>
             <a:pPr marL="0" indent="0">
               <a:buNone/>
             </a:pPr>
             <a:r>
-              <a:rPr lang="en-US" altLang="zh-CN" sz="2000" dirty="0" smtClean="0"/>
+              <a:rPr lang="en-US" altLang="zh-CN" sz="2000" dirty="0"/>
               <a:t>DIST=ROOMT-TEA</a:t>
             </a:r>
           </a:p>
@@ -17783,7 +17616,7 @@
               <a:buNone/>
             </a:pPr>
             <a:r>
-              <a:rPr lang="en-US" altLang="zh-CN" sz="2000" dirty="0" smtClean="0"/>
+              <a:rPr lang="en-US" altLang="zh-CN" sz="2000" dirty="0"/>
               <a:t>ROOMT=20</a:t>
             </a:r>
           </a:p>
@@ -17792,7 +17625,7 @@
               <a:buNone/>
             </a:pPr>
             <a:r>
-              <a:rPr lang="en-US" altLang="zh-CN" sz="2000" dirty="0" smtClean="0"/>
+              <a:rPr lang="en-US" altLang="zh-CN" sz="2000" dirty="0"/>
               <a:t>CNST=0.2</a:t>
             </a:r>
             <a:endParaRPr lang="zh-CN" altLang="en-US" sz="2000" dirty="0"/>
@@ -18220,18 +18053,17 @@
           <a:p>
             <a:pPr algn="ctr"/>
             <a:r>
-              <a:rPr lang="zh-CN" altLang="en-US" dirty="0" smtClean="0"/>
+              <a:rPr lang="zh-CN" altLang="en-US" dirty="0"/>
               <a:t>四、</a:t>
             </a:r>
             <a:r>
-              <a:rPr lang="en-US" altLang="zh-CN" dirty="0" smtClean="0"/>
+              <a:rPr lang="en-US" altLang="zh-CN" dirty="0"/>
               <a:t>DT</a:t>
             </a:r>
             <a:r>
-              <a:rPr lang="zh-CN" altLang="en-US" dirty="0" smtClean="0"/>
+              <a:rPr lang="zh-CN" altLang="en-US" dirty="0"/>
               <a:t>的合理选取</a:t>
             </a:r>
-            <a:endParaRPr lang="zh-CN" altLang="en-US" dirty="0"/>
           </a:p>
         </p:txBody>
       </p:sp>
@@ -18251,34 +18083,34 @@
           <a:lstStyle/>
           <a:p>
             <a:r>
-              <a:rPr lang="zh-CN" altLang="en-US" dirty="0" smtClean="0"/>
+              <a:rPr lang="zh-CN" altLang="en-US" dirty="0"/>
               <a:t>离散的时间步长</a:t>
             </a:r>
             <a:r>
-              <a:rPr lang="en-US" altLang="zh-CN" dirty="0" smtClean="0"/>
+              <a:rPr lang="en-US" altLang="zh-CN" dirty="0"/>
               <a:t>time step</a:t>
             </a:r>
             <a:r>
-              <a:rPr lang="zh-CN" altLang="en-US" dirty="0" smtClean="0"/>
+              <a:rPr lang="zh-CN" altLang="en-US" dirty="0"/>
               <a:t>取多少合适</a:t>
             </a:r>
-            <a:endParaRPr lang="en-US" altLang="zh-CN" dirty="0" smtClean="0"/>
+            <a:endParaRPr lang="en-US" altLang="zh-CN" dirty="0"/>
           </a:p>
           <a:p>
             <a:pPr lvl="1"/>
             <a:r>
-              <a:rPr lang="zh-CN" altLang="en-US" dirty="0" smtClean="0"/>
+              <a:rPr lang="zh-CN" altLang="en-US" dirty="0"/>
               <a:t>理论上，充分小，精度提升</a:t>
             </a:r>
-            <a:endParaRPr lang="en-US" altLang="zh-CN" dirty="0" smtClean="0"/>
+            <a:endParaRPr lang="en-US" altLang="zh-CN" dirty="0"/>
           </a:p>
           <a:p>
             <a:pPr lvl="1"/>
             <a:r>
-              <a:rPr lang="zh-CN" altLang="en-US" dirty="0" smtClean="0"/>
+              <a:rPr lang="zh-CN" altLang="en-US" dirty="0"/>
               <a:t>操作中，足够小</a:t>
             </a:r>
-            <a:endParaRPr lang="en-US" altLang="zh-CN" dirty="0" smtClean="0"/>
+            <a:endParaRPr lang="en-US" altLang="zh-CN" dirty="0"/>
           </a:p>
           <a:p>
             <a:pPr lvl="1"/>
@@ -18309,34 +18141,13 @@
           <a:lstStyle/>
           <a:p>
             <a:r>
-              <a:rPr lang="zh-CN" altLang="en-US" sz="2000" dirty="0" smtClean="0">
-                <a:solidFill>
-                  <a:srgbClr val="7030A0"/>
-                </a:solidFill>
-              </a:rPr>
-              <a:t>经验选取的原则：最短板</a:t>
-            </a:r>
-            <a:r>
               <a:rPr lang="zh-CN" altLang="en-US" sz="2000" dirty="0">
                 <a:solidFill>
                   <a:srgbClr val="7030A0"/>
                 </a:solidFill>
               </a:rPr>
-              <a:t>效应，即</a:t>
-            </a:r>
-            <a:r>
-              <a:rPr lang="zh-CN" altLang="en-US" sz="2000" dirty="0" smtClean="0">
-                <a:solidFill>
-                  <a:srgbClr val="7030A0"/>
-                </a:solidFill>
-              </a:rPr>
-              <a:t>精度影响的最短板</a:t>
-            </a:r>
-            <a:endParaRPr lang="zh-CN" altLang="en-US" sz="2000" dirty="0">
-              <a:solidFill>
-                <a:srgbClr val="7030A0"/>
-              </a:solidFill>
-            </a:endParaRPr>
+              <a:t>经验选取的原则：最短板效应，即精度影响的最短板</a:t>
+            </a:r>
           </a:p>
         </p:txBody>
       </p:sp>
@@ -18615,10 +18426,9 @@
           <a:lstStyle/>
           <a:p>
             <a:r>
-              <a:rPr lang="zh-CN" altLang="en-US" sz="2800" dirty="0" smtClean="0"/>
+              <a:rPr lang="zh-CN" altLang="en-US" sz="2800" dirty="0"/>
               <a:t>计算结果对比</a:t>
             </a:r>
-            <a:endParaRPr lang="zh-CN" altLang="en-US" sz="2800" dirty="0"/>
           </a:p>
         </p:txBody>
       </p:sp>
@@ -18691,7 +18501,7 @@
                     <a:lstStyle/>
                     <a:p>
                       <a:r>
-                        <a:rPr lang="en-US" altLang="zh-CN" smtClean="0"/>
+                        <a:rPr lang="en-US" altLang="zh-CN"/>
                         <a:t>time step</a:t>
                       </a:r>
                       <a:endParaRPr lang="zh-CN" altLang="en-US"/>
@@ -18705,7 +18515,7 @@
                     <a:lstStyle/>
                     <a:p>
                       <a:r>
-                        <a:rPr lang="en-US" altLang="zh-CN" smtClean="0"/>
+                        <a:rPr lang="en-US" altLang="zh-CN"/>
                         <a:t>0.125</a:t>
                       </a:r>
                       <a:endParaRPr lang="zh-CN" altLang="en-US"/>
@@ -18719,7 +18529,7 @@
                     <a:lstStyle/>
                     <a:p>
                       <a:r>
-                        <a:rPr lang="en-US" altLang="zh-CN" smtClean="0"/>
+                        <a:rPr lang="en-US" altLang="zh-CN"/>
                         <a:t>0.5</a:t>
                       </a:r>
                       <a:endParaRPr lang="zh-CN" altLang="en-US"/>
@@ -18733,7 +18543,7 @@
                     <a:lstStyle/>
                     <a:p>
                       <a:r>
-                        <a:rPr lang="en-US" altLang="zh-CN" smtClean="0"/>
+                        <a:rPr lang="en-US" altLang="zh-CN"/>
                         <a:t>1</a:t>
                       </a:r>
                       <a:endParaRPr lang="zh-CN" altLang="en-US"/>
@@ -18747,7 +18557,7 @@
                     <a:lstStyle/>
                     <a:p>
                       <a:r>
-                        <a:rPr lang="en-US" altLang="zh-CN" smtClean="0"/>
+                        <a:rPr lang="en-US" altLang="zh-CN"/>
                         <a:t>5</a:t>
                       </a:r>
                       <a:endParaRPr lang="zh-CN" altLang="en-US"/>
@@ -18768,11 +18578,11 @@
                     <a:lstStyle/>
                     <a:p>
                       <a:r>
-                        <a:rPr lang="zh-CN" altLang="en-US" smtClean="0"/>
+                        <a:rPr lang="zh-CN" altLang="en-US"/>
                         <a:t>最大相对误差</a:t>
                       </a:r>
                       <a:r>
-                        <a:rPr lang="en-US" altLang="zh-CN" smtClean="0"/>
+                        <a:rPr lang="en-US" altLang="zh-CN"/>
                         <a:t>%</a:t>
                       </a:r>
                       <a:endParaRPr lang="zh-CN" altLang="en-US"/>
@@ -18786,7 +18596,7 @@
                     <a:lstStyle/>
                     <a:p>
                       <a:r>
-                        <a:rPr lang="en-US" altLang="zh-CN" smtClean="0"/>
+                        <a:rPr lang="en-US" altLang="zh-CN"/>
                         <a:t>2</a:t>
                       </a:r>
                       <a:endParaRPr lang="zh-CN" altLang="en-US"/>
@@ -18800,7 +18610,7 @@
                     <a:lstStyle/>
                     <a:p>
                       <a:r>
-                        <a:rPr lang="en-US" altLang="zh-CN" smtClean="0"/>
+                        <a:rPr lang="en-US" altLang="zh-CN"/>
                         <a:t>&lt;3.5</a:t>
                       </a:r>
                       <a:endParaRPr lang="zh-CN" altLang="en-US"/>
@@ -18814,7 +18624,7 @@
                     <a:lstStyle/>
                     <a:p>
                       <a:r>
-                        <a:rPr lang="en-US" altLang="zh-CN" smtClean="0"/>
+                        <a:rPr lang="en-US" altLang="zh-CN"/>
                         <a:t>&lt;8</a:t>
                       </a:r>
                       <a:endParaRPr lang="zh-CN" altLang="en-US"/>
@@ -18828,7 +18638,7 @@
                     <a:lstStyle/>
                     <a:p>
                       <a:r>
-                        <a:rPr lang="en-US" altLang="zh-CN" smtClean="0"/>
+                        <a:rPr lang="en-US" altLang="zh-CN"/>
                         <a:t>56.5</a:t>
                       </a:r>
                       <a:endParaRPr lang="zh-CN" altLang="en-US"/>
@@ -19033,41 +18843,41 @@
           </a:lstStyle>
           <a:p>
             <a:r>
-              <a:rPr lang="en-US" altLang="zh-CN" sz="2400" smtClean="0"/>
+              <a:rPr lang="en-US" altLang="zh-CN" sz="2400"/>
               <a:t>TIME STEP</a:t>
             </a:r>
             <a:r>
-              <a:rPr lang="zh-CN" altLang="en-US" sz="2400" smtClean="0"/>
+              <a:rPr lang="zh-CN" altLang="en-US" sz="2400"/>
               <a:t>的经验取值为</a:t>
             </a:r>
             <a:r>
-              <a:rPr lang="en-US" altLang="zh-CN" sz="2400" smtClean="0"/>
+              <a:rPr lang="en-US" altLang="zh-CN" sz="2400"/>
               <a:t>0.1~0.5</a:t>
             </a:r>
             <a:r>
-              <a:rPr lang="zh-CN" altLang="en-US" sz="2400" smtClean="0"/>
+              <a:rPr lang="zh-CN" altLang="en-US" sz="2400"/>
               <a:t>倍的模型最小时间常数</a:t>
             </a:r>
-            <a:endParaRPr lang="en-US" altLang="zh-CN" sz="2400" smtClean="0"/>
-          </a:p>
-          <a:p>
-            <a:r>
-              <a:rPr lang="zh-CN" altLang="en-US" sz="2400" smtClean="0"/>
+            <a:endParaRPr lang="en-US" altLang="zh-CN" sz="2400"/>
+          </a:p>
+          <a:p>
+            <a:r>
+              <a:rPr lang="zh-CN" altLang="en-US" sz="2400"/>
               <a:t>最小时间常数</a:t>
             </a:r>
-            <a:endParaRPr lang="en-US" altLang="zh-CN" sz="2400" smtClean="0"/>
-          </a:p>
-          <a:p>
-            <a:r>
-              <a:rPr lang="zh-CN" altLang="en-US" sz="2400" smtClean="0"/>
+            <a:endParaRPr lang="en-US" altLang="zh-CN" sz="2400"/>
+          </a:p>
+          <a:p>
+            <a:r>
+              <a:rPr lang="zh-CN" altLang="en-US" sz="2400"/>
               <a:t>取值小于</a:t>
             </a:r>
             <a:r>
-              <a:rPr lang="en-US" altLang="zh-CN" sz="2400" smtClean="0"/>
+              <a:rPr lang="en-US" altLang="zh-CN" sz="2400"/>
               <a:t>0.1</a:t>
             </a:r>
             <a:r>
-              <a:rPr lang="zh-CN" altLang="en-US" sz="2400" smtClean="0"/>
+              <a:rPr lang="zh-CN" altLang="en-US" sz="2400"/>
               <a:t>时，精度提升不大，但计算量快速提升</a:t>
             </a:r>
             <a:endParaRPr lang="zh-CN" altLang="en-US" sz="2400" dirty="0"/>
@@ -19097,14 +18907,14 @@
           <a:lstStyle/>
           <a:p>
             <a:r>
-              <a:rPr lang="zh-CN" altLang="en-US" dirty="0" smtClean="0">
+              <a:rPr lang="zh-CN" altLang="en-US" dirty="0">
                 <a:solidFill>
                   <a:srgbClr val="7030A0"/>
                 </a:solidFill>
               </a:rPr>
-              <a:t>案例中的最小时间系数</a:t>
-            </a:r>
-            <a:endParaRPr lang="en-US" altLang="zh-CN" dirty="0" smtClean="0">
+              <a:t>案例中的最小时间常数</a:t>
+            </a:r>
+            <a:endParaRPr lang="en-US" altLang="zh-CN" dirty="0">
               <a:solidFill>
                 <a:srgbClr val="7030A0"/>
               </a:solidFill>
@@ -19112,7 +18922,7 @@
           </a:p>
           <a:p>
             <a:r>
-              <a:rPr lang="en-US" altLang="zh-CN" dirty="0" smtClean="0">
+              <a:rPr lang="en-US" altLang="zh-CN" dirty="0">
                 <a:solidFill>
                   <a:srgbClr val="7030A0"/>
                 </a:solidFill>
@@ -19122,14 +18932,14 @@
           </a:p>
           <a:p>
             <a:r>
-              <a:rPr lang="zh-CN" altLang="en-US" dirty="0" smtClean="0">
+              <a:rPr lang="zh-CN" altLang="en-US" dirty="0">
                 <a:solidFill>
                   <a:srgbClr val="7030A0"/>
                 </a:solidFill>
               </a:rPr>
               <a:t>经验取值范围</a:t>
             </a:r>
-            <a:endParaRPr lang="en-US" altLang="zh-CN" dirty="0" smtClean="0">
+            <a:endParaRPr lang="en-US" altLang="zh-CN" dirty="0">
               <a:solidFill>
                 <a:srgbClr val="7030A0"/>
               </a:solidFill>
@@ -19137,7 +18947,7 @@
           </a:p>
           <a:p>
             <a:r>
-              <a:rPr lang="en-US" altLang="zh-CN" dirty="0" smtClean="0">
+              <a:rPr lang="en-US" altLang="zh-CN" dirty="0">
                 <a:solidFill>
                   <a:srgbClr val="7030A0"/>
                 </a:solidFill>
@@ -19296,10 +19106,9 @@
           <a:lstStyle/>
           <a:p>
             <a:r>
-              <a:rPr lang="zh-CN" altLang="en-US" dirty="0" smtClean="0"/>
+              <a:rPr lang="zh-CN" altLang="en-US" dirty="0"/>
               <a:t>总结系统表达式特点</a:t>
             </a:r>
-            <a:endParaRPr lang="zh-CN" altLang="en-US" dirty="0"/>
           </a:p>
         </p:txBody>
       </p:sp>
@@ -19324,10 +19133,10 @@
           <a:lstStyle/>
           <a:p>
             <a:r>
-              <a:rPr lang="zh-CN" altLang="en-US" dirty="0" smtClean="0"/>
+              <a:rPr lang="zh-CN" altLang="en-US" dirty="0"/>
               <a:t>系统动力学方程特点：</a:t>
             </a:r>
-            <a:endParaRPr lang="en-US" altLang="zh-CN" dirty="0" smtClean="0"/>
+            <a:endParaRPr lang="en-US" altLang="zh-CN" dirty="0"/>
           </a:p>
           <a:p>
             <a:pPr lvl="1">
@@ -19336,10 +19145,10 @@
               </a:lnSpc>
             </a:pPr>
             <a:r>
-              <a:rPr lang="zh-CN" altLang="en-US" dirty="0" smtClean="0"/>
+              <a:rPr lang="zh-CN" altLang="en-US" dirty="0"/>
               <a:t>动态平衡</a:t>
             </a:r>
-            <a:endParaRPr lang="en-US" altLang="zh-CN" dirty="0" smtClean="0"/>
+            <a:endParaRPr lang="en-US" altLang="zh-CN" dirty="0"/>
           </a:p>
           <a:p>
             <a:pPr lvl="1">
@@ -19348,10 +19157,10 @@
               </a:lnSpc>
             </a:pPr>
             <a:r>
-              <a:rPr lang="zh-CN" altLang="en-US" dirty="0" smtClean="0"/>
+              <a:rPr lang="zh-CN" altLang="en-US" dirty="0"/>
               <a:t>尽可能简单</a:t>
             </a:r>
-            <a:endParaRPr lang="en-US" altLang="zh-CN" dirty="0" smtClean="0"/>
+            <a:endParaRPr lang="en-US" altLang="zh-CN" dirty="0"/>
           </a:p>
           <a:p>
             <a:pPr lvl="1">
@@ -19360,10 +19169,10 @@
               </a:lnSpc>
             </a:pPr>
             <a:r>
-              <a:rPr lang="zh-CN" altLang="en-US" dirty="0" smtClean="0"/>
+              <a:rPr lang="zh-CN" altLang="en-US" dirty="0"/>
               <a:t>明确的方向</a:t>
             </a:r>
-            <a:endParaRPr lang="en-US" altLang="zh-CN" dirty="0" smtClean="0"/>
+            <a:endParaRPr lang="en-US" altLang="zh-CN" dirty="0"/>
           </a:p>
           <a:p>
             <a:pPr lvl="1">
@@ -19372,12 +19181,8 @@
               </a:lnSpc>
             </a:pPr>
             <a:r>
-              <a:rPr lang="zh-CN" altLang="en-US" dirty="0" smtClean="0"/>
-              <a:t>互相关联，单个</a:t>
-            </a:r>
-            <a:r>
               <a:rPr lang="zh-CN" altLang="en-US" dirty="0"/>
-              <a:t>方程无意义</a:t>
+              <a:t>互相关联，单个方程无意义</a:t>
             </a:r>
             <a:endParaRPr lang="en-US" altLang="zh-CN" dirty="0"/>
           </a:p>
@@ -19387,7 +19192,7 @@
                 <a:spcPct val="200000"/>
               </a:lnSpc>
             </a:pPr>
-            <a:endParaRPr lang="en-US" altLang="zh-CN" dirty="0" smtClean="0"/>
+            <a:endParaRPr lang="en-US" altLang="zh-CN" dirty="0"/>
           </a:p>
           <a:p>
             <a:pPr lvl="1"/>
@@ -19418,7 +19223,7 @@
           <a:lstStyle/>
           <a:p>
             <a:r>
-              <a:rPr lang="zh-CN" altLang="en-US" dirty="0" smtClean="0">
+              <a:rPr lang="zh-CN" altLang="en-US" dirty="0">
                 <a:solidFill>
                   <a:srgbClr val="0070C0"/>
                 </a:solidFill>
@@ -19426,7 +19231,7 @@
               <a:t>参考书目：王其藩</a:t>
             </a:r>
             <a:r>
-              <a:rPr lang="en-US" altLang="zh-CN" dirty="0" smtClean="0">
+              <a:rPr lang="en-US" altLang="zh-CN" dirty="0">
                 <a:solidFill>
                   <a:srgbClr val="0070C0"/>
                 </a:solidFill>
@@ -19434,7 +19239,7 @@
               <a:t>.</a:t>
             </a:r>
             <a:r>
-              <a:rPr lang="zh-CN" altLang="en-US" dirty="0" smtClean="0">
+              <a:rPr lang="zh-CN" altLang="en-US" dirty="0">
                 <a:solidFill>
                   <a:srgbClr val="0070C0"/>
                 </a:solidFill>
@@ -19442,7 +19247,7 @@
               <a:t>系统动力学</a:t>
             </a:r>
             <a:r>
-              <a:rPr lang="en-US" altLang="zh-CN" dirty="0" smtClean="0">
+              <a:rPr lang="en-US" altLang="zh-CN" dirty="0">
                 <a:solidFill>
                   <a:srgbClr val="0070C0"/>
                 </a:solidFill>
@@ -19450,7 +19255,7 @@
               <a:t>[M].</a:t>
             </a:r>
             <a:r>
-              <a:rPr lang="zh-CN" altLang="en-US" dirty="0" smtClean="0">
+              <a:rPr lang="zh-CN" altLang="en-US" dirty="0">
                 <a:solidFill>
                   <a:srgbClr val="0070C0"/>
                 </a:solidFill>
@@ -19458,7 +19263,7 @@
               <a:t>上海财经大学出版社，</a:t>
             </a:r>
             <a:r>
-              <a:rPr lang="en-US" altLang="zh-CN" dirty="0" smtClean="0">
+              <a:rPr lang="en-US" altLang="zh-CN" dirty="0">
                 <a:solidFill>
                   <a:srgbClr val="0070C0"/>
                 </a:solidFill>
@@ -19466,18 +19271,13 @@
               <a:t>2009</a:t>
             </a:r>
             <a:r>
-              <a:rPr lang="zh-CN" altLang="en-US" dirty="0" smtClean="0">
+              <a:rPr lang="zh-CN" altLang="en-US" dirty="0">
                 <a:solidFill>
                   <a:srgbClr val="0070C0"/>
                 </a:solidFill>
               </a:rPr>
               <a:t>版</a:t>
             </a:r>
-            <a:endParaRPr lang="zh-CN" altLang="en-US" dirty="0">
-              <a:solidFill>
-                <a:srgbClr val="0070C0"/>
-              </a:solidFill>
-            </a:endParaRPr>
           </a:p>
         </p:txBody>
       </p:sp>
@@ -19814,10 +19614,9 @@
           <a:p>
             <a:pPr algn="ctr"/>
             <a:r>
-              <a:rPr lang="zh-CN" altLang="en-US" dirty="0" smtClean="0"/>
+              <a:rPr lang="zh-CN" altLang="en-US" dirty="0"/>
               <a:t>一、辨别流量存量的含义</a:t>
             </a:r>
-            <a:endParaRPr lang="zh-CN" altLang="en-US" dirty="0"/>
           </a:p>
         </p:txBody>
       </p:sp>
@@ -19842,33 +19641,32 @@
           <a:lstStyle/>
           <a:p>
             <a:r>
-              <a:rPr lang="zh-CN" altLang="en-US" dirty="0" smtClean="0"/>
+              <a:rPr lang="zh-CN" altLang="en-US" dirty="0"/>
               <a:t>流量、存量是系统模型的核心，直接影响建模效果。理清楚流量存量含义影响：</a:t>
             </a:r>
-            <a:endParaRPr lang="en-US" altLang="zh-CN" dirty="0" smtClean="0"/>
+            <a:endParaRPr lang="en-US" altLang="zh-CN" dirty="0"/>
           </a:p>
           <a:p>
             <a:pPr lvl="1"/>
             <a:r>
-              <a:rPr lang="zh-CN" altLang="en-US" dirty="0" smtClean="0"/>
+              <a:rPr lang="zh-CN" altLang="en-US" dirty="0"/>
               <a:t>将现实业务抽象化为定量模型的能力</a:t>
             </a:r>
-            <a:endParaRPr lang="en-US" altLang="zh-CN" dirty="0" smtClean="0"/>
+            <a:endParaRPr lang="en-US" altLang="zh-CN" dirty="0"/>
           </a:p>
           <a:p>
             <a:pPr lvl="1"/>
             <a:r>
-              <a:rPr lang="zh-CN" altLang="en-US" dirty="0" smtClean="0"/>
+              <a:rPr lang="zh-CN" altLang="en-US" dirty="0"/>
               <a:t>模型结构和模型复杂程度</a:t>
             </a:r>
-            <a:endParaRPr lang="en-US" altLang="zh-CN" dirty="0" smtClean="0"/>
-          </a:p>
-          <a:p>
-            <a:r>
-              <a:rPr lang="zh-CN" altLang="en-US" dirty="0" smtClean="0"/>
+            <a:endParaRPr lang="en-US" altLang="zh-CN" dirty="0"/>
+          </a:p>
+          <a:p>
+            <a:r>
+              <a:rPr lang="zh-CN" altLang="en-US" dirty="0"/>
               <a:t>流量存量是同一个整体的动态部分和静态部分。</a:t>
             </a:r>
-            <a:endParaRPr lang="zh-CN" altLang="en-US" dirty="0"/>
           </a:p>
         </p:txBody>
       </p:sp>
@@ -19981,10 +19779,9 @@
                 </a:spcAft>
               </a:pPr>
               <a:r>
-                <a:rPr lang="zh-CN" altLang="en-US" sz="2000" kern="1200" dirty="0" smtClean="0"/>
+                <a:rPr lang="zh-CN" altLang="en-US" sz="2000" kern="1200" dirty="0"/>
                 <a:t>流量存量图</a:t>
               </a:r>
-              <a:endParaRPr lang="zh-CN" altLang="en-US" sz="2000" kern="1200" dirty="0"/>
             </a:p>
           </p:txBody>
         </p:sp>
@@ -20098,10 +19895,9 @@
                 </a:spcAft>
               </a:pPr>
               <a:r>
-                <a:rPr lang="zh-CN" altLang="en-US" sz="2000" kern="1200" dirty="0" smtClean="0"/>
+                <a:rPr lang="zh-CN" altLang="en-US" sz="2000" kern="1200" dirty="0"/>
                 <a:t>系统表达式</a:t>
               </a:r>
-              <a:endParaRPr lang="zh-CN" altLang="en-US" sz="2000" kern="1200" dirty="0"/>
             </a:p>
           </p:txBody>
         </p:sp>
@@ -20215,10 +20011,9 @@
                 </a:spcAft>
               </a:pPr>
               <a:r>
-                <a:rPr lang="zh-CN" altLang="en-US" sz="2000" kern="1200" dirty="0" smtClean="0"/>
+                <a:rPr lang="zh-CN" altLang="en-US" sz="2000" kern="1200" dirty="0"/>
                 <a:t>参数设置</a:t>
               </a:r>
-              <a:endParaRPr lang="zh-CN" altLang="en-US" sz="2000" kern="1200" dirty="0"/>
             </a:p>
           </p:txBody>
         </p:sp>
@@ -20418,7 +20213,7 @@
           <a:lstStyle/>
           <a:p>
             <a:r>
-              <a:rPr lang="zh-CN" altLang="en-US" dirty="0" smtClean="0"/>
+              <a:rPr lang="zh-CN" altLang="en-US" dirty="0"/>
               <a:t>存量的含义</a:t>
             </a:r>
             <a:endParaRPr lang="en-US" altLang="zh-CN" dirty="0"/>
@@ -20443,87 +20238,87 @@
           <a:lstStyle/>
           <a:p>
             <a:r>
-              <a:rPr lang="zh-CN" altLang="en-US" dirty="0" smtClean="0"/>
+              <a:rPr lang="zh-CN" altLang="en-US" dirty="0"/>
               <a:t>表征系统状态，提供行动的基础</a:t>
             </a:r>
-            <a:endParaRPr lang="en-US" altLang="zh-CN" dirty="0" smtClean="0"/>
+            <a:endParaRPr lang="en-US" altLang="zh-CN" dirty="0"/>
           </a:p>
           <a:p>
             <a:pPr lvl="1"/>
             <a:r>
-              <a:rPr lang="zh-CN" altLang="en-US" dirty="0" smtClean="0"/>
+              <a:rPr lang="zh-CN" altLang="en-US" dirty="0"/>
               <a:t>构成系统的基本要素</a:t>
             </a:r>
-            <a:endParaRPr lang="en-US" altLang="zh-CN" dirty="0" smtClean="0"/>
+            <a:endParaRPr lang="en-US" altLang="zh-CN" dirty="0"/>
           </a:p>
           <a:p>
             <a:pPr lvl="1"/>
             <a:r>
-              <a:rPr lang="zh-CN" altLang="en-US" dirty="0" smtClean="0"/>
+              <a:rPr lang="zh-CN" altLang="en-US" dirty="0"/>
               <a:t>动静相对，相互依存</a:t>
             </a:r>
-            <a:endParaRPr lang="en-US" altLang="zh-CN" dirty="0" smtClean="0"/>
-          </a:p>
-          <a:p>
-            <a:r>
-              <a:rPr lang="zh-CN" altLang="en-US" dirty="0" smtClean="0"/>
+            <a:endParaRPr lang="en-US" altLang="zh-CN" dirty="0"/>
+          </a:p>
+          <a:p>
+            <a:r>
+              <a:rPr lang="zh-CN" altLang="en-US" dirty="0"/>
               <a:t>让系统出现惯性和记忆</a:t>
             </a:r>
-            <a:endParaRPr lang="en-US" altLang="zh-CN" dirty="0" smtClean="0"/>
+            <a:endParaRPr lang="en-US" altLang="zh-CN" dirty="0"/>
           </a:p>
           <a:p>
             <a:pPr lvl="1"/>
             <a:r>
-              <a:rPr lang="zh-CN" altLang="en-US" dirty="0" smtClean="0"/>
+              <a:rPr lang="zh-CN" altLang="en-US" dirty="0"/>
               <a:t>没有流量将不会改变</a:t>
             </a:r>
-            <a:endParaRPr lang="en-US" altLang="zh-CN" dirty="0" smtClean="0"/>
-          </a:p>
-          <a:p>
-            <a:r>
-              <a:rPr lang="zh-CN" altLang="en-US" dirty="0" smtClean="0"/>
+            <a:endParaRPr lang="en-US" altLang="zh-CN" dirty="0"/>
+          </a:p>
+          <a:p>
+            <a:r>
+              <a:rPr lang="zh-CN" altLang="en-US" dirty="0"/>
               <a:t>延迟的来源</a:t>
             </a:r>
-            <a:endParaRPr lang="en-US" altLang="zh-CN" dirty="0" smtClean="0"/>
+            <a:endParaRPr lang="en-US" altLang="zh-CN" dirty="0"/>
           </a:p>
           <a:p>
             <a:pPr lvl="1"/>
             <a:r>
-              <a:rPr lang="zh-CN" altLang="en-US" dirty="0" smtClean="0"/>
+              <a:rPr lang="zh-CN" altLang="en-US" dirty="0"/>
               <a:t>所有延迟均涉及存量</a:t>
             </a:r>
-            <a:endParaRPr lang="en-US" altLang="zh-CN" dirty="0" smtClean="0"/>
+            <a:endParaRPr lang="en-US" altLang="zh-CN" dirty="0"/>
           </a:p>
           <a:p>
             <a:pPr lvl="1"/>
             <a:r>
-              <a:rPr lang="zh-CN" altLang="en-US" dirty="0" smtClean="0"/>
+              <a:rPr lang="zh-CN" altLang="en-US" dirty="0"/>
               <a:t>输入变化，而输出延后才发生变化</a:t>
             </a:r>
-            <a:endParaRPr lang="en-US" altLang="zh-CN" dirty="0" smtClean="0"/>
-          </a:p>
-          <a:p>
-            <a:r>
-              <a:rPr lang="zh-CN" altLang="en-US" dirty="0" smtClean="0"/>
+            <a:endParaRPr lang="en-US" altLang="zh-CN" dirty="0"/>
+          </a:p>
+          <a:p>
+            <a:r>
+              <a:rPr lang="zh-CN" altLang="en-US" dirty="0"/>
               <a:t>产生不均衡</a:t>
             </a:r>
-            <a:endParaRPr lang="en-US" altLang="zh-CN" dirty="0" smtClean="0"/>
+            <a:endParaRPr lang="en-US" altLang="zh-CN" dirty="0"/>
           </a:p>
           <a:p>
             <a:pPr lvl="1"/>
             <a:r>
-              <a:rPr lang="zh-CN" altLang="en-US" dirty="0" smtClean="0"/>
+              <a:rPr lang="zh-CN" altLang="en-US" dirty="0"/>
               <a:t>存量吸收入流和出流的差异</a:t>
             </a:r>
-            <a:endParaRPr lang="en-US" altLang="zh-CN" dirty="0" smtClean="0"/>
+            <a:endParaRPr lang="en-US" altLang="zh-CN" dirty="0"/>
           </a:p>
           <a:p>
             <a:pPr lvl="1"/>
             <a:r>
-              <a:rPr lang="zh-CN" altLang="en-US" dirty="0" smtClean="0"/>
+              <a:rPr lang="zh-CN" altLang="en-US" dirty="0"/>
               <a:t>入流和出流之间产生波动的根源</a:t>
             </a:r>
-            <a:endParaRPr lang="en-US" altLang="zh-CN" dirty="0" smtClean="0"/>
+            <a:endParaRPr lang="en-US" altLang="zh-CN" dirty="0"/>
           </a:p>
           <a:p>
             <a:pPr lvl="1">
@@ -20699,10 +20494,9 @@
           <a:lstStyle/>
           <a:p>
             <a:r>
-              <a:rPr lang="zh-CN" altLang="en-US" dirty="0" smtClean="0"/>
+              <a:rPr lang="zh-CN" altLang="en-US" dirty="0"/>
               <a:t>流量的含义</a:t>
             </a:r>
-            <a:endParaRPr lang="zh-CN" altLang="en-US" dirty="0"/>
           </a:p>
         </p:txBody>
       </p:sp>
@@ -20722,64 +20516,63 @@
           <a:lstStyle/>
           <a:p>
             <a:r>
-              <a:rPr lang="zh-CN" altLang="en-US" dirty="0" smtClean="0"/>
+              <a:rPr lang="zh-CN" altLang="en-US" dirty="0"/>
               <a:t>严格的数学意义上，流量是瞬间值</a:t>
             </a:r>
-            <a:endParaRPr lang="en-US" altLang="zh-CN" dirty="0" smtClean="0"/>
-          </a:p>
-          <a:p>
-            <a:r>
-              <a:rPr lang="zh-CN" altLang="en-US" dirty="0" smtClean="0"/>
+            <a:endParaRPr lang="en-US" altLang="zh-CN" dirty="0"/>
+          </a:p>
+          <a:p>
+            <a:r>
+              <a:rPr lang="zh-CN" altLang="en-US" dirty="0"/>
               <a:t>瞬间值</a:t>
             </a:r>
-            <a:endParaRPr lang="en-US" altLang="zh-CN" dirty="0" smtClean="0"/>
+            <a:endParaRPr lang="en-US" altLang="zh-CN" dirty="0"/>
           </a:p>
           <a:p>
             <a:pPr lvl="1"/>
             <a:r>
-              <a:rPr lang="zh-CN" altLang="en-US" dirty="0" smtClean="0"/>
+              <a:rPr lang="zh-CN" altLang="en-US" dirty="0"/>
               <a:t>现实中无法做到</a:t>
             </a:r>
-            <a:endParaRPr lang="en-US" altLang="zh-CN" dirty="0" smtClean="0"/>
+            <a:endParaRPr lang="en-US" altLang="zh-CN" dirty="0"/>
           </a:p>
           <a:p>
             <a:pPr lvl="1"/>
             <a:r>
-              <a:rPr lang="zh-CN" altLang="en-US" dirty="0" smtClean="0"/>
+              <a:rPr lang="zh-CN" altLang="en-US" dirty="0"/>
               <a:t>经济管理中没有意义</a:t>
             </a:r>
-            <a:endParaRPr lang="en-US" altLang="zh-CN" dirty="0" smtClean="0"/>
-          </a:p>
-          <a:p>
-            <a:r>
-              <a:rPr lang="zh-CN" altLang="en-US" dirty="0" smtClean="0"/>
+            <a:endParaRPr lang="en-US" altLang="zh-CN" dirty="0"/>
+          </a:p>
+          <a:p>
+            <a:r>
+              <a:rPr lang="zh-CN" altLang="en-US" dirty="0"/>
               <a:t>仿真值</a:t>
             </a:r>
-            <a:endParaRPr lang="en-US" altLang="zh-CN" dirty="0" smtClean="0"/>
+            <a:endParaRPr lang="en-US" altLang="zh-CN" dirty="0"/>
           </a:p>
           <a:p>
             <a:pPr lvl="1"/>
             <a:r>
-              <a:rPr lang="zh-CN" altLang="en-US" dirty="0" smtClean="0"/>
+              <a:rPr lang="zh-CN" altLang="en-US" dirty="0"/>
               <a:t>时间轴被分为一定间隔的时间段</a:t>
             </a:r>
-            <a:endParaRPr lang="en-US" altLang="zh-CN" dirty="0" smtClean="0"/>
+            <a:endParaRPr lang="en-US" altLang="zh-CN" dirty="0"/>
           </a:p>
           <a:p>
             <a:pPr lvl="1"/>
             <a:r>
-              <a:rPr lang="zh-CN" altLang="en-US" dirty="0" smtClean="0"/>
+              <a:rPr lang="zh-CN" altLang="en-US" dirty="0"/>
               <a:t>时间段内的持续值代替瞬间值</a:t>
             </a:r>
-            <a:endParaRPr lang="en-US" altLang="zh-CN" dirty="0" smtClean="0"/>
+            <a:endParaRPr lang="en-US" altLang="zh-CN" dirty="0"/>
           </a:p>
           <a:p>
             <a:pPr lvl="1"/>
             <a:r>
-              <a:rPr lang="zh-CN" altLang="en-US" dirty="0" smtClean="0"/>
+              <a:rPr lang="zh-CN" altLang="en-US" dirty="0"/>
               <a:t>离散值代替连续值</a:t>
             </a:r>
-            <a:endParaRPr lang="zh-CN" altLang="en-US" dirty="0"/>
           </a:p>
         </p:txBody>
       </p:sp>
@@ -20830,7 +20623,7 @@
           <a:lstStyle/>
           <a:p>
             <a:r>
-              <a:rPr lang="en-US" altLang="zh-CN" dirty="0" smtClean="0">
+              <a:rPr lang="en-US" altLang="zh-CN" dirty="0">
                 <a:solidFill>
                   <a:srgbClr val="FF0000"/>
                 </a:solidFill>
@@ -20840,7 +20633,7 @@
           </a:p>
           <a:p>
             <a:r>
-              <a:rPr lang="en-US" altLang="zh-CN" dirty="0" smtClean="0">
+              <a:rPr lang="en-US" altLang="zh-CN" dirty="0">
                 <a:solidFill>
                   <a:srgbClr val="FF0000"/>
                 </a:solidFill>
@@ -20850,7 +20643,7 @@
           </a:p>
           <a:p>
             <a:r>
-              <a:rPr lang="en-US" altLang="zh-CN" dirty="0" smtClean="0">
+              <a:rPr lang="en-US" altLang="zh-CN" dirty="0">
                 <a:solidFill>
                   <a:srgbClr val="FF0000"/>
                 </a:solidFill>
@@ -20902,10 +20695,9 @@
           <a:p>
             <a:pPr algn="ctr"/>
             <a:r>
-              <a:rPr lang="zh-CN" altLang="en-US" dirty="0" smtClean="0"/>
+              <a:rPr lang="zh-CN" altLang="en-US" dirty="0"/>
               <a:t>遮盖板</a:t>
             </a:r>
-            <a:endParaRPr lang="zh-CN" altLang="en-US" dirty="0"/>
           </a:p>
         </p:txBody>
       </p:sp>
@@ -21167,18 +20959,17 @@
           <a:lstStyle/>
           <a:p>
             <a:r>
-              <a:rPr lang="zh-CN" altLang="en-US" dirty="0" smtClean="0"/>
+              <a:rPr lang="zh-CN" altLang="en-US" dirty="0"/>
               <a:t>流量</a:t>
             </a:r>
             <a:r>
-              <a:rPr lang="en-US" altLang="zh-CN" dirty="0" smtClean="0"/>
+              <a:rPr lang="en-US" altLang="zh-CN" dirty="0"/>
               <a:t>-</a:t>
             </a:r>
             <a:r>
-              <a:rPr lang="zh-CN" altLang="en-US" dirty="0" smtClean="0"/>
+              <a:rPr lang="zh-CN" altLang="en-US" dirty="0"/>
               <a:t>让系统动起来</a:t>
             </a:r>
-            <a:endParaRPr lang="zh-CN" altLang="en-US" dirty="0"/>
           </a:p>
         </p:txBody>
       </p:sp>
@@ -21198,65 +20989,64 @@
           <a:lstStyle/>
           <a:p>
             <a:r>
-              <a:rPr lang="zh-CN" altLang="en-US" dirty="0" smtClean="0"/>
+              <a:rPr lang="zh-CN" altLang="en-US" dirty="0"/>
               <a:t>流量            （率量）</a:t>
             </a:r>
-            <a:endParaRPr lang="en-US" altLang="zh-CN" dirty="0" smtClean="0"/>
+            <a:endParaRPr lang="en-US" altLang="zh-CN" dirty="0"/>
           </a:p>
           <a:p>
             <a:pPr lvl="1"/>
             <a:r>
-              <a:rPr lang="zh-CN" altLang="en-US" dirty="0" smtClean="0"/>
+              <a:rPr lang="zh-CN" altLang="en-US" dirty="0"/>
               <a:t>每个单位</a:t>
             </a:r>
             <a:r>
-              <a:rPr lang="en-US" altLang="zh-CN" dirty="0" smtClean="0"/>
+              <a:rPr lang="en-US" altLang="zh-CN" dirty="0"/>
               <a:t>DT</a:t>
             </a:r>
             <a:r>
-              <a:rPr lang="zh-CN" altLang="en-US" dirty="0" smtClean="0"/>
+              <a:rPr lang="zh-CN" altLang="en-US" dirty="0"/>
               <a:t>中进入存量的数量</a:t>
             </a:r>
-            <a:endParaRPr lang="en-US" altLang="zh-CN" dirty="0" smtClean="0"/>
+            <a:endParaRPr lang="en-US" altLang="zh-CN" dirty="0"/>
           </a:p>
           <a:p>
             <a:pPr lvl="1"/>
             <a:r>
-              <a:rPr lang="zh-CN" altLang="en-US" dirty="0" smtClean="0"/>
+              <a:rPr lang="zh-CN" altLang="en-US" dirty="0"/>
               <a:t>流量图中三要素</a:t>
             </a:r>
-            <a:endParaRPr lang="en-US" altLang="zh-CN" dirty="0" smtClean="0"/>
+            <a:endParaRPr lang="en-US" altLang="zh-CN" dirty="0"/>
           </a:p>
           <a:p>
             <a:pPr lvl="2"/>
             <a:r>
-              <a:rPr lang="zh-CN" altLang="en-US" dirty="0" smtClean="0"/>
+              <a:rPr lang="zh-CN" altLang="en-US" dirty="0"/>
               <a:t>箭头：指示流量方向</a:t>
             </a:r>
-            <a:endParaRPr lang="en-US" altLang="zh-CN" dirty="0" smtClean="0"/>
+            <a:endParaRPr lang="en-US" altLang="zh-CN" dirty="0"/>
           </a:p>
           <a:p>
             <a:pPr lvl="2"/>
             <a:r>
-              <a:rPr lang="zh-CN" altLang="en-US" dirty="0" smtClean="0"/>
+              <a:rPr lang="zh-CN" altLang="en-US" dirty="0"/>
               <a:t>阀门：调节流量</a:t>
             </a:r>
-            <a:endParaRPr lang="en-US" altLang="zh-CN" dirty="0" smtClean="0"/>
+            <a:endParaRPr lang="en-US" altLang="zh-CN" dirty="0"/>
           </a:p>
           <a:p>
             <a:pPr lvl="2"/>
             <a:r>
-              <a:rPr lang="zh-CN" altLang="en-US" dirty="0" smtClean="0"/>
+              <a:rPr lang="zh-CN" altLang="en-US" dirty="0"/>
               <a:t>源（汇）：从‘源’来，或到‘漏’去</a:t>
             </a:r>
-            <a:endParaRPr lang="en-US" altLang="zh-CN" dirty="0" smtClean="0"/>
-          </a:p>
-          <a:p>
-            <a:r>
-              <a:rPr lang="zh-CN" altLang="en-US" dirty="0" smtClean="0"/>
+            <a:endParaRPr lang="en-US" altLang="zh-CN" dirty="0"/>
+          </a:p>
+          <a:p>
+            <a:r>
+              <a:rPr lang="zh-CN" altLang="en-US" dirty="0"/>
               <a:t>流量的数学含义：</a:t>
             </a:r>
-            <a:endParaRPr lang="zh-CN" altLang="en-US" dirty="0"/>
           </a:p>
         </p:txBody>
       </p:sp>
@@ -21373,9 +21163,7 @@
           <p:cNvGraphicFramePr>
             <a:graphicFrameLocks noChangeAspect="1"/>
           </p:cNvGraphicFramePr>
-          <p:nvPr>
-            <p:extLst/>
-          </p:nvPr>
+          <p:nvPr/>
         </p:nvGraphicFramePr>
         <p:xfrm>
           <a:off x="2566020" y="4869160"/>
@@ -21385,7 +21173,7 @@
           <a:graphicData uri="http://schemas.openxmlformats.org/presentationml/2006/ole">
             <mc:AlternateContent xmlns:mc="http://schemas.openxmlformats.org/markup-compatibility/2006">
               <mc:Choice xmlns:v="urn:schemas-microsoft-com:vml" Requires="v">
-                <p:oleObj spid="_x0000_s3086" name="Equation" r:id="rId5" imgW="2120760" imgH="393480" progId="Equation.DSMT4">
+                <p:oleObj spid="_x0000_s3088" name="Equation" r:id="rId5" imgW="2120760" imgH="393480" progId="Equation.DSMT4">
                   <p:embed/>
                 </p:oleObj>
               </mc:Choice>
@@ -21561,10 +21349,9 @@
           <a:lstStyle/>
           <a:p>
             <a:r>
-              <a:rPr lang="zh-CN" altLang="en-US" dirty="0" smtClean="0"/>
+              <a:rPr lang="zh-CN" altLang="en-US" dirty="0"/>
               <a:t>练习：辨识存量、流量</a:t>
             </a:r>
-            <a:endParaRPr lang="zh-CN" altLang="en-US" dirty="0"/>
           </a:p>
         </p:txBody>
       </p:sp>
@@ -21588,10 +21375,10 @@
               <a:buChar char="l"/>
             </a:pPr>
             <a:r>
-              <a:rPr lang="zh-CN" altLang="en-US" dirty="0" smtClean="0"/>
+              <a:rPr lang="zh-CN" altLang="en-US" dirty="0"/>
               <a:t>数学中，积分  导数</a:t>
             </a:r>
-            <a:endParaRPr lang="en-US" altLang="zh-CN" dirty="0" smtClean="0"/>
+            <a:endParaRPr lang="en-US" altLang="zh-CN" dirty="0"/>
           </a:p>
           <a:p>
             <a:pPr>
@@ -21599,10 +21386,10 @@
               <a:buChar char="l"/>
             </a:pPr>
             <a:r>
-              <a:rPr lang="zh-CN" altLang="en-US" dirty="0" smtClean="0"/>
+              <a:rPr lang="zh-CN" altLang="en-US" dirty="0"/>
               <a:t>工程中， 状态  变化速度</a:t>
             </a:r>
-            <a:endParaRPr lang="en-US" altLang="zh-CN" dirty="0" smtClean="0"/>
+            <a:endParaRPr lang="en-US" altLang="zh-CN" dirty="0"/>
           </a:p>
           <a:p>
             <a:pPr>
@@ -21610,10 +21397,10 @@
               <a:buChar char="l"/>
             </a:pPr>
             <a:r>
-              <a:rPr lang="zh-CN" altLang="en-US" dirty="0" smtClean="0"/>
+              <a:rPr lang="zh-CN" altLang="en-US" dirty="0"/>
               <a:t>仓储管理， 仓库库存  入库量</a:t>
             </a:r>
-            <a:endParaRPr lang="en-US" altLang="zh-CN" dirty="0" smtClean="0"/>
+            <a:endParaRPr lang="en-US" altLang="zh-CN" dirty="0"/>
           </a:p>
           <a:p>
             <a:pPr>
@@ -21621,14 +21408,10 @@
               <a:buChar char="l"/>
             </a:pPr>
             <a:r>
-              <a:rPr lang="zh-CN" altLang="en-US" dirty="0" smtClean="0"/>
-              <a:t>企业人事， 录用新员工 企业</a:t>
-            </a:r>
-            <a:r>
               <a:rPr lang="zh-CN" altLang="en-US" dirty="0"/>
-              <a:t>员工数量 </a:t>
-            </a:r>
-            <a:endParaRPr lang="en-US" altLang="zh-CN" dirty="0" smtClean="0"/>
+              <a:t>企业人事， 录用新员工 企业员工数量 </a:t>
+            </a:r>
+            <a:endParaRPr lang="en-US" altLang="zh-CN" dirty="0"/>
           </a:p>
           <a:p>
             <a:pPr>
@@ -21636,10 +21419,10 @@
               <a:buChar char="l"/>
             </a:pPr>
             <a:r>
-              <a:rPr lang="zh-CN" altLang="en-US" dirty="0" smtClean="0"/>
+              <a:rPr lang="zh-CN" altLang="en-US" dirty="0"/>
               <a:t>金融， 现金流 资产负债表项目</a:t>
             </a:r>
-            <a:endParaRPr lang="en-US" altLang="zh-CN" dirty="0" smtClean="0"/>
+            <a:endParaRPr lang="en-US" altLang="zh-CN" dirty="0"/>
           </a:p>
           <a:p>
             <a:pPr>
@@ -21647,17 +21430,17 @@
               <a:buChar char="l"/>
             </a:pPr>
             <a:r>
-              <a:rPr lang="zh-CN" altLang="en-US" dirty="0" smtClean="0"/>
+              <a:rPr lang="zh-CN" altLang="en-US" dirty="0"/>
               <a:t>生物， 种群数量 死亡数量（率）</a:t>
             </a:r>
-            <a:endParaRPr lang="en-US" altLang="zh-CN" dirty="0" smtClean="0"/>
+            <a:endParaRPr lang="en-US" altLang="zh-CN" dirty="0"/>
           </a:p>
           <a:p>
             <a:pPr>
               <a:buFont typeface="Wingdings" panose="05000000000000000000" pitchFamily="2" charset="2"/>
               <a:buChar char="l"/>
             </a:pPr>
-            <a:endParaRPr lang="en-US" altLang="zh-CN" dirty="0" smtClean="0"/>
+            <a:endParaRPr lang="en-US" altLang="zh-CN" dirty="0"/>
           </a:p>
           <a:p>
             <a:pPr>
@@ -21690,13 +21473,6 @@
       </p:transition>
     </mc:Fallback>
   </mc:AlternateContent>
-  <p:timing>
-    <p:tnLst>
-      <p:par>
-        <p:cTn id="1" dur="indefinite" restart="never" nodeType="tmRoot"/>
-      </p:par>
-    </p:tnLst>
-  </p:timing>
 </p:sld>
 </file>
 
@@ -21755,55 +21531,54 @@
           <a:lstStyle/>
           <a:p>
             <a:r>
-              <a:rPr lang="zh-CN" altLang="en-US" dirty="0" smtClean="0"/>
+              <a:rPr lang="zh-CN" altLang="en-US" dirty="0"/>
               <a:t>飞行员在驾驶飞机时，</a:t>
             </a:r>
             <a:r>
-              <a:rPr lang="zh-CN" altLang="en-US" u="sng" dirty="0" smtClean="0"/>
+              <a:rPr lang="zh-CN" altLang="en-US" u="sng" dirty="0"/>
               <a:t>飞机的高度</a:t>
             </a:r>
             <a:r>
-              <a:rPr lang="zh-CN" altLang="en-US" dirty="0" smtClean="0"/>
+              <a:rPr lang="zh-CN" altLang="en-US" dirty="0"/>
               <a:t>，</a:t>
             </a:r>
             <a:r>
-              <a:rPr lang="zh-CN" altLang="en-US" u="sng" dirty="0" smtClean="0"/>
+              <a:rPr lang="zh-CN" altLang="en-US" u="sng" dirty="0"/>
               <a:t>飞行的方向</a:t>
             </a:r>
-            <a:endParaRPr lang="en-US" altLang="zh-CN" u="sng" dirty="0" smtClean="0"/>
-          </a:p>
-          <a:p>
-            <a:r>
-              <a:rPr lang="zh-CN" altLang="en-US" dirty="0" smtClean="0"/>
+            <a:endParaRPr lang="en-US" altLang="zh-CN" u="sng" dirty="0"/>
+          </a:p>
+          <a:p>
+            <a:r>
+              <a:rPr lang="zh-CN" altLang="en-US" dirty="0"/>
               <a:t>企业当中产成品的</a:t>
             </a:r>
             <a:r>
-              <a:rPr lang="zh-CN" altLang="en-US" u="sng" dirty="0" smtClean="0"/>
+              <a:rPr lang="zh-CN" altLang="en-US" u="sng" dirty="0"/>
               <a:t>在库库存</a:t>
             </a:r>
             <a:r>
-              <a:rPr lang="zh-CN" altLang="en-US" dirty="0" smtClean="0"/>
+              <a:rPr lang="zh-CN" altLang="en-US" dirty="0"/>
               <a:t>，</a:t>
             </a:r>
             <a:r>
-              <a:rPr lang="zh-CN" altLang="en-US" u="sng" dirty="0" smtClean="0"/>
+              <a:rPr lang="zh-CN" altLang="en-US" u="sng" dirty="0"/>
               <a:t>原材料仓库总零备件</a:t>
             </a:r>
-            <a:endParaRPr lang="en-US" altLang="zh-CN" u="sng" dirty="0" smtClean="0"/>
-          </a:p>
-          <a:p>
-            <a:r>
-              <a:rPr lang="zh-CN" altLang="en-US" u="sng" dirty="0" smtClean="0"/>
+            <a:endParaRPr lang="en-US" altLang="zh-CN" u="sng" dirty="0"/>
+          </a:p>
+          <a:p>
+            <a:r>
+              <a:rPr lang="zh-CN" altLang="en-US" u="sng" dirty="0"/>
               <a:t>股票的价值</a:t>
             </a:r>
-            <a:endParaRPr lang="en-US" altLang="zh-CN" u="sng" dirty="0" smtClean="0"/>
-          </a:p>
-          <a:p>
-            <a:r>
-              <a:rPr lang="zh-CN" altLang="en-US" u="sng" dirty="0" smtClean="0"/>
+            <a:endParaRPr lang="en-US" altLang="zh-CN" u="sng" dirty="0"/>
+          </a:p>
+          <a:p>
+            <a:r>
+              <a:rPr lang="zh-CN" altLang="en-US" u="sng" dirty="0"/>
               <a:t>人的体温</a:t>
             </a:r>
-            <a:endParaRPr lang="zh-CN" altLang="en-US" u="sng" dirty="0"/>
           </a:p>
         </p:txBody>
       </p:sp>
@@ -21829,13 +21604,6 @@
       </p:transition>
     </mc:Fallback>
   </mc:AlternateContent>
-  <p:timing>
-    <p:tnLst>
-      <p:par>
-        <p:cTn id="1" dur="indefinite" restart="never" nodeType="tmRoot"/>
-      </p:par>
-    </p:tnLst>
-  </p:timing>
 </p:sld>
 </file>
 
@@ -21874,21 +21642,8 @@
             <a:pPr algn="ctr"/>
             <a:r>
               <a:rPr lang="zh-CN" altLang="en-US" dirty="0"/>
-              <a:t>二</a:t>
-            </a:r>
-            <a:r>
-              <a:rPr lang="zh-CN" altLang="en-US" dirty="0" smtClean="0"/>
-              <a:t>、</a:t>
-            </a:r>
-            <a:r>
-              <a:rPr lang="zh-CN" altLang="en-US" dirty="0" smtClean="0"/>
-              <a:t>系统流图</a:t>
-            </a:r>
-            <a:r>
-              <a:rPr lang="zh-CN" altLang="en-US" dirty="0" smtClean="0"/>
-              <a:t>法</a:t>
-            </a:r>
-            <a:endParaRPr lang="zh-CN" altLang="en-US" dirty="0"/>
+              <a:t>二、系统流图法</a:t>
+            </a:r>
           </a:p>
         </p:txBody>
       </p:sp>
@@ -21911,41 +21666,37 @@
               <a:buNone/>
             </a:pPr>
             <a:r>
-              <a:rPr lang="zh-CN" altLang="en-US" dirty="0" smtClean="0"/>
-              <a:t>系统流图</a:t>
-            </a:r>
-            <a:r>
-              <a:rPr lang="zh-CN" altLang="en-US" dirty="0" smtClean="0"/>
-              <a:t>法的要素</a:t>
-            </a:r>
-            <a:endParaRPr lang="en-US" altLang="zh-CN" dirty="0" smtClean="0"/>
-          </a:p>
-          <a:p>
-            <a:r>
-              <a:rPr lang="zh-CN" altLang="en-US" dirty="0" smtClean="0"/>
+              <a:rPr lang="zh-CN" altLang="en-US" dirty="0"/>
+              <a:t>系统流图法的要素</a:t>
+            </a:r>
+            <a:endParaRPr lang="en-US" altLang="zh-CN" dirty="0"/>
+          </a:p>
+          <a:p>
+            <a:r>
+              <a:rPr lang="zh-CN" altLang="en-US" dirty="0"/>
               <a:t>存量</a:t>
             </a:r>
             <a:r>
-              <a:rPr lang="en-US" altLang="zh-CN" dirty="0" smtClean="0"/>
+              <a:rPr lang="en-US" altLang="zh-CN" dirty="0"/>
               <a:t>/</a:t>
             </a:r>
             <a:r>
-              <a:rPr lang="zh-CN" altLang="en-US" dirty="0" smtClean="0"/>
+              <a:rPr lang="zh-CN" altLang="en-US" dirty="0"/>
               <a:t>状态</a:t>
             </a:r>
             <a:endParaRPr lang="en-US" altLang="zh-CN" dirty="0"/>
           </a:p>
           <a:p>
             <a:r>
-              <a:rPr lang="zh-CN" altLang="en-US" dirty="0" smtClean="0"/>
+              <a:rPr lang="zh-CN" altLang="en-US" dirty="0"/>
               <a:t>流量</a:t>
             </a:r>
             <a:r>
-              <a:rPr lang="en-US" altLang="zh-CN" dirty="0" smtClean="0"/>
+              <a:rPr lang="en-US" altLang="zh-CN" dirty="0"/>
               <a:t>/</a:t>
             </a:r>
             <a:r>
-              <a:rPr lang="zh-CN" altLang="en-US" dirty="0" smtClean="0"/>
+              <a:rPr lang="zh-CN" altLang="en-US" dirty="0"/>
               <a:t>速率</a:t>
             </a:r>
             <a:endParaRPr lang="en-US" altLang="zh-CN" dirty="0"/>
@@ -21966,7 +21717,7 @@
           </a:p>
           <a:p>
             <a:r>
-              <a:rPr lang="zh-CN" altLang="en-US" dirty="0" smtClean="0"/>
+              <a:rPr lang="zh-CN" altLang="en-US" dirty="0"/>
               <a:t>辅助变量</a:t>
             </a:r>
             <a:endParaRPr lang="en-US" altLang="zh-CN" dirty="0"/>
@@ -21987,15 +21738,15 @@
           </a:p>
           <a:p>
             <a:r>
-              <a:rPr lang="zh-CN" altLang="en-US" dirty="0" smtClean="0"/>
+              <a:rPr lang="zh-CN" altLang="en-US" dirty="0"/>
               <a:t>信息链</a:t>
             </a:r>
             <a:r>
-              <a:rPr lang="en-US" altLang="zh-CN" dirty="0" smtClean="0"/>
+              <a:rPr lang="en-US" altLang="zh-CN" dirty="0"/>
               <a:t>/</a:t>
             </a:r>
             <a:r>
-              <a:rPr lang="zh-CN" altLang="en-US" dirty="0" smtClean="0"/>
+              <a:rPr lang="zh-CN" altLang="en-US" dirty="0"/>
               <a:t>反馈链</a:t>
             </a:r>
             <a:endParaRPr lang="en-US" altLang="zh-CN" dirty="0"/>
@@ -22033,10 +21784,9 @@
               </a:lnSpc>
             </a:pPr>
             <a:r>
-              <a:rPr lang="zh-CN" altLang="en-US" dirty="0" smtClean="0"/>
+              <a:rPr lang="zh-CN" altLang="en-US" dirty="0"/>
               <a:t>图形表示法经过不断改进发展，被目前多数系统仿真软件采用。</a:t>
             </a:r>
-            <a:endParaRPr lang="zh-CN" altLang="en-US" dirty="0"/>
           </a:p>
         </p:txBody>
       </p:sp>
@@ -22086,13 +21836,6 @@
       </p:transition>
     </mc:Fallback>
   </mc:AlternateContent>
-  <p:timing>
-    <p:tnLst>
-      <p:par>
-        <p:cTn id="1" dur="indefinite" restart="never" nodeType="tmRoot"/>
-      </p:par>
-    </p:tnLst>
-  </p:timing>
 </p:sld>
 </file>
 
@@ -22131,13 +21874,8 @@
             <a:pPr algn="ctr"/>
             <a:r>
               <a:rPr lang="zh-CN" altLang="en-US" dirty="0"/>
-              <a:t>三</a:t>
-            </a:r>
-            <a:r>
-              <a:rPr lang="zh-CN" altLang="en-US" dirty="0" smtClean="0"/>
-              <a:t>、系统表达式</a:t>
-            </a:r>
-            <a:endParaRPr lang="zh-CN" altLang="en-US" dirty="0"/>
+              <a:t>三、系统表达式</a:t>
+            </a:r>
           </a:p>
         </p:txBody>
       </p:sp>
@@ -22169,10 +21907,10 @@
               </a:lnSpc>
             </a:pPr>
             <a:r>
-              <a:rPr lang="zh-CN" altLang="en-US" dirty="0" smtClean="0"/>
+              <a:rPr lang="zh-CN" altLang="en-US" dirty="0"/>
               <a:t>系统表达式由方程组构成，利用方程来表达输入输出的平衡性，常用的表达式规范主要有：</a:t>
             </a:r>
-            <a:endParaRPr lang="en-US" altLang="zh-CN" dirty="0" smtClean="0"/>
+            <a:endParaRPr lang="en-US" altLang="zh-CN" dirty="0"/>
           </a:p>
           <a:p>
             <a:pPr marL="822960" lvl="1" indent="-457200">
@@ -22183,14 +21921,14 @@
               <a:buAutoNum type="arabicPeriod"/>
             </a:pPr>
             <a:r>
-              <a:rPr lang="en-US" altLang="zh-CN" dirty="0" smtClean="0"/>
+              <a:rPr lang="en-US" altLang="zh-CN" dirty="0"/>
               <a:t>DYNAMO</a:t>
             </a:r>
             <a:r>
-              <a:rPr lang="zh-CN" altLang="en-US" dirty="0" smtClean="0"/>
+              <a:rPr lang="zh-CN" altLang="en-US" dirty="0"/>
               <a:t>方程</a:t>
             </a:r>
-            <a:endParaRPr lang="en-US" altLang="zh-CN" dirty="0" smtClean="0"/>
+            <a:endParaRPr lang="en-US" altLang="zh-CN" dirty="0"/>
           </a:p>
           <a:p>
             <a:pPr marL="822960" lvl="1" indent="-457200">
@@ -22201,14 +21939,14 @@
               <a:buAutoNum type="arabicPeriod"/>
             </a:pPr>
             <a:r>
-              <a:rPr lang="en-US" altLang="zh-CN" dirty="0" smtClean="0"/>
+              <a:rPr lang="en-US" altLang="zh-CN" dirty="0"/>
               <a:t>VENSIM</a:t>
             </a:r>
             <a:r>
-              <a:rPr lang="zh-CN" altLang="en-US" dirty="0" smtClean="0"/>
+              <a:rPr lang="zh-CN" altLang="en-US" dirty="0"/>
               <a:t>方程</a:t>
             </a:r>
-            <a:endParaRPr lang="en-US" altLang="zh-CN" dirty="0" smtClean="0"/>
+            <a:endParaRPr lang="en-US" altLang="zh-CN" dirty="0"/>
           </a:p>
         </p:txBody>
       </p:sp>
@@ -22996,14 +22734,20 @@
 </file>
 
 <file path=customXml/item2.xml><?xml version="1.0" encoding="utf-8"?>
-<Control xmlns="http://schemas.microsoft.com/VisualStudio/2011/storyboarding/control">
-  <Id Name="System.Storyboarding.WindowsApps.WindowsAppsListBox" Revision="1" Stencil="System.Storyboarding.WindowsApps" StencilVersion="0.1"/>
-</Control>
+<p:properties xmlns:p="http://schemas.microsoft.com/office/2006/metadata/properties" xmlns:xsi="http://www.w3.org/2001/XMLSchema-instance" xmlns:pc="http://schemas.microsoft.com/office/infopath/2007/PartnerControls">
+  <documentManagement>
+    <_dlc_DocId xmlns="b4ebf394-daf6-497a-96c5-a2f8c10b38cf">TT6HZDVJM2HV-178-321</_dlc_DocId>
+    <_dlc_DocIdUrl xmlns="b4ebf394-daf6-497a-96c5-a2f8c10b38cf">
+      <Url>http://vstsdfmoss/sites/VSTSDF/DevDiv/TFS/teams/rm/_layouts/DocIdRedir.aspx?ID=TT6HZDVJM2HV-178-321</Url>
+      <Description>TT6HZDVJM2HV-178-321</Description>
+    </_dlc_DocIdUrl>
+  </documentManagement>
+</p:properties>
 </file>
 
 <file path=customXml/item3.xml><?xml version="1.0" encoding="utf-8"?>
 <Control xmlns="http://schemas.microsoft.com/VisualStudio/2011/storyboarding/control">
-  <Id Name="System.Storyboarding.Annotation.StickyNote" Revision="1" Stencil="System.Storyboarding.Annotation" StencilVersion="0.1"/>
+  <Id Name="System.Storyboarding.Common.DragSelection" Revision="1" Stencil="System.Storyboarding.Common" StencilVersion="0.1"/>
 </Control>
 </file>
 
@@ -23015,25 +22759,19 @@
 
 <file path=customXml/item5.xml><?xml version="1.0" encoding="utf-8"?>
 <Control xmlns="http://schemas.microsoft.com/VisualStudio/2011/storyboarding/control">
-  <Id Name="System.Storyboarding.Common.DragSelection" Revision="1" Stencil="System.Storyboarding.Common" StencilVersion="0.1"/>
+  <Id Name="System.Storyboarding.Annotation.StickyNote" Revision="1" Stencil="System.Storyboarding.Annotation" StencilVersion="0.1"/>
 </Control>
 </file>
 
 <file path=customXml/item6.xml><?xml version="1.0" encoding="utf-8"?>
-<p:properties xmlns:p="http://schemas.microsoft.com/office/2006/metadata/properties" xmlns:xsi="http://www.w3.org/2001/XMLSchema-instance" xmlns:pc="http://schemas.microsoft.com/office/infopath/2007/PartnerControls">
-  <documentManagement>
-    <_dlc_DocId xmlns="b4ebf394-daf6-497a-96c5-a2f8c10b38cf">TT6HZDVJM2HV-178-321</_dlc_DocId>
-    <_dlc_DocIdUrl xmlns="b4ebf394-daf6-497a-96c5-a2f8c10b38cf">
-      <Url>http://vstsdfmoss/sites/VSTSDF/DevDiv/TFS/teams/rm/_layouts/DocIdRedir.aspx?ID=TT6HZDVJM2HV-178-321</Url>
-      <Description>TT6HZDVJM2HV-178-321</Description>
-    </_dlc_DocIdUrl>
-  </documentManagement>
-</p:properties>
+<Control xmlns="http://schemas.microsoft.com/VisualStudio/2011/storyboarding/control">
+  <Id Name="5e505f8e-b0aa-429a-bb4c-92ab0e8a8ee6" RevisionId="d2083f08-ba4f-4330-87aa-e4d23a4443d7" Stencil="172d6d98-e5c9-42e9-a209-79f7a94bbd38" StencilRevisionId="00000000-0000-0000-0000-000000000000" StencilVersion="0.0"/>
+</Control>
 </file>
 
 <file path=customXml/item7.xml><?xml version="1.0" encoding="utf-8"?>
 <Control xmlns="http://schemas.microsoft.com/VisualStudio/2011/storyboarding/control">
-  <Id Name="5e505f8e-b0aa-429a-bb4c-92ab0e8a8ee6" RevisionId="d2083f08-ba4f-4330-87aa-e4d23a4443d7" Stencil="172d6d98-e5c9-42e9-a209-79f7a94bbd38" StencilRevisionId="00000000-0000-0000-0000-000000000000" StencilVersion="0.0"/>
+  <Id Name="System.Storyboarding.WindowsApps.WindowsAppsListBox" Revision="1" Stencil="System.Storyboarding.WindowsApps" StencilVersion="0.1"/>
 </Control>
 </file>
 
@@ -23046,15 +22784,17 @@
 </file>
 
 <file path=customXml/itemProps2.xml><?xml version="1.0" encoding="utf-8"?>
-<ds:datastoreItem xmlns:ds="http://schemas.openxmlformats.org/officeDocument/2006/customXml" ds:itemID="{925928FA-66B2-4992-9AF7-6AAB34665E06}">
+<ds:datastoreItem xmlns:ds="http://schemas.openxmlformats.org/officeDocument/2006/customXml" ds:itemID="{1322E1B6-B69B-4B1E-9F64-FFB1E4A65691}">
   <ds:schemaRefs>
-    <ds:schemaRef ds:uri="http://schemas.microsoft.com/VisualStudio/2011/storyboarding/control"/>
+    <ds:schemaRef ds:uri="http://schemas.microsoft.com/office/2006/metadata/properties"/>
+    <ds:schemaRef ds:uri="http://schemas.microsoft.com/office/infopath/2007/PartnerControls"/>
+    <ds:schemaRef ds:uri="b4ebf394-daf6-497a-96c5-a2f8c10b38cf"/>
   </ds:schemaRefs>
 </ds:datastoreItem>
 </file>
 
 <file path=customXml/itemProps3.xml><?xml version="1.0" encoding="utf-8"?>
-<ds:datastoreItem xmlns:ds="http://schemas.openxmlformats.org/officeDocument/2006/customXml" ds:itemID="{35CD12A2-2187-402A-B9D9-EF68624DB0B9}">
+<ds:datastoreItem xmlns:ds="http://schemas.openxmlformats.org/officeDocument/2006/customXml" ds:itemID="{74F50758-6994-47AF-ADB4-84074E43B95D}">
   <ds:schemaRefs>
     <ds:schemaRef ds:uri="http://schemas.microsoft.com/VisualStudio/2011/storyboarding/control"/>
   </ds:schemaRefs>
@@ -23070,7 +22810,7 @@
 </file>
 
 <file path=customXml/itemProps5.xml><?xml version="1.0" encoding="utf-8"?>
-<ds:datastoreItem xmlns:ds="http://schemas.openxmlformats.org/officeDocument/2006/customXml" ds:itemID="{74F50758-6994-47AF-ADB4-84074E43B95D}">
+<ds:datastoreItem xmlns:ds="http://schemas.openxmlformats.org/officeDocument/2006/customXml" ds:itemID="{35CD12A2-2187-402A-B9D9-EF68624DB0B9}">
   <ds:schemaRefs>
     <ds:schemaRef ds:uri="http://schemas.microsoft.com/VisualStudio/2011/storyboarding/control"/>
   </ds:schemaRefs>
@@ -23078,17 +22818,15 @@
 </file>
 
 <file path=customXml/itemProps6.xml><?xml version="1.0" encoding="utf-8"?>
-<ds:datastoreItem xmlns:ds="http://schemas.openxmlformats.org/officeDocument/2006/customXml" ds:itemID="{1322E1B6-B69B-4B1E-9F64-FFB1E4A65691}">
+<ds:datastoreItem xmlns:ds="http://schemas.openxmlformats.org/officeDocument/2006/customXml" ds:itemID="{22271091-DDCE-44B5-B608-BB96BCA0C299}">
   <ds:schemaRefs>
-    <ds:schemaRef ds:uri="http://schemas.microsoft.com/office/2006/metadata/properties"/>
-    <ds:schemaRef ds:uri="http://schemas.microsoft.com/office/infopath/2007/PartnerControls"/>
-    <ds:schemaRef ds:uri="b4ebf394-daf6-497a-96c5-a2f8c10b38cf"/>
+    <ds:schemaRef ds:uri="http://schemas.microsoft.com/VisualStudio/2011/storyboarding/control"/>
   </ds:schemaRefs>
 </ds:datastoreItem>
 </file>
 
 <file path=customXml/itemProps7.xml><?xml version="1.0" encoding="utf-8"?>
-<ds:datastoreItem xmlns:ds="http://schemas.openxmlformats.org/officeDocument/2006/customXml" ds:itemID="{22271091-DDCE-44B5-B608-BB96BCA0C299}">
+<ds:datastoreItem xmlns:ds="http://schemas.openxmlformats.org/officeDocument/2006/customXml" ds:itemID="{925928FA-66B2-4992-9AF7-6AAB34665E06}">
   <ds:schemaRefs>
     <ds:schemaRef ds:uri="http://schemas.microsoft.com/VisualStudio/2011/storyboarding/control"/>
   </ds:schemaRefs>
